--- a/Maximizing Profit for Lending Club.pptx
+++ b/Maximizing Profit for Lending Club.pptx
@@ -5,13 +5,24 @@
     <p:sldMasterId id="2147483648" r:id="rId1"/>
   </p:sldMasterIdLst>
   <p:notesMasterIdLst>
-    <p:notesMasterId r:id="rId6"/>
+    <p:notesMasterId r:id="rId17"/>
   </p:notesMasterIdLst>
   <p:sldIdLst>
     <p:sldId id="256" r:id="rId2"/>
-    <p:sldId id="257" r:id="rId3"/>
-    <p:sldId id="259" r:id="rId4"/>
-    <p:sldId id="258" r:id="rId5"/>
+    <p:sldId id="260" r:id="rId3"/>
+    <p:sldId id="257" r:id="rId4"/>
+    <p:sldId id="259" r:id="rId5"/>
+    <p:sldId id="263" r:id="rId6"/>
+    <p:sldId id="264" r:id="rId7"/>
+    <p:sldId id="266" r:id="rId8"/>
+    <p:sldId id="265" r:id="rId9"/>
+    <p:sldId id="267" r:id="rId10"/>
+    <p:sldId id="268" r:id="rId11"/>
+    <p:sldId id="269" r:id="rId12"/>
+    <p:sldId id="270" r:id="rId13"/>
+    <p:sldId id="261" r:id="rId14"/>
+    <p:sldId id="258" r:id="rId15"/>
+    <p:sldId id="271" r:id="rId16"/>
   </p:sldIdLst>
   <p:sldSz cx="12192000" cy="6858000"/>
   <p:notesSz cx="6858000" cy="9144000"/>
@@ -538,7 +549,7 @@
           <a:p>
             <a:fld id="{139A45AF-05CC-EE4A-A237-5C8AF9F12E6C}" type="slidenum">
               <a:rPr lang="en-US" smtClean="0"/>
-              <a:t>3</a:t>
+              <a:t>4</a:t>
             </a:fld>
             <a:endParaRPr lang="en-US"/>
           </a:p>
@@ -548,6 +559,1098 @@
     <p:extLst>
       <p:ext uri="{BB962C8B-B14F-4D97-AF65-F5344CB8AC3E}">
         <p14:creationId xmlns:p14="http://schemas.microsoft.com/office/powerpoint/2010/main" val="4128904950"/>
+      </p:ext>
+    </p:extLst>
+  </p:cSld>
+  <p:clrMapOvr>
+    <a:masterClrMapping/>
+  </p:clrMapOvr>
+</p:notes>
+</file>
+
+<file path=ppt/notesSlides/notesSlide10.xml><?xml version="1.0" encoding="utf-8"?>
+<p:notes xmlns:a="http://schemas.openxmlformats.org/drawingml/2006/main" xmlns:r="http://schemas.openxmlformats.org/officeDocument/2006/relationships" xmlns:p="http://schemas.openxmlformats.org/presentationml/2006/main">
+  <p:cSld>
+    <p:spTree>
+      <p:nvGrpSpPr>
+        <p:cNvPr id="1" name="">
+          <a:extLst>
+            <a:ext uri="{FF2B5EF4-FFF2-40B4-BE49-F238E27FC236}">
+              <a16:creationId xmlns:a16="http://schemas.microsoft.com/office/drawing/2014/main" id="{0901DAB8-409A-8B6B-220B-125134DB79C5}"/>
+            </a:ext>
+          </a:extLst>
+        </p:cNvPr>
+        <p:cNvGrpSpPr/>
+        <p:nvPr/>
+      </p:nvGrpSpPr>
+      <p:grpSpPr>
+        <a:xfrm>
+          <a:off x="0" y="0"/>
+          <a:ext cx="0" cy="0"/>
+          <a:chOff x="0" y="0"/>
+          <a:chExt cx="0" cy="0"/>
+        </a:xfrm>
+      </p:grpSpPr>
+      <p:sp>
+        <p:nvSpPr>
+          <p:cNvPr id="2" name="Slide Image Placeholder 1">
+            <a:extLst>
+              <a:ext uri="{FF2B5EF4-FFF2-40B4-BE49-F238E27FC236}">
+                <a16:creationId xmlns:a16="http://schemas.microsoft.com/office/drawing/2014/main" id="{D9FDDB93-B2E5-9A7A-8A5C-9D2C341E96DF}"/>
+              </a:ext>
+            </a:extLst>
+          </p:cNvPr>
+          <p:cNvSpPr>
+            <a:spLocks noGrp="1" noRot="1" noChangeAspect="1"/>
+          </p:cNvSpPr>
+          <p:nvPr>
+            <p:ph type="sldImg"/>
+          </p:nvPr>
+        </p:nvSpPr>
+        <p:spPr/>
+      </p:sp>
+      <p:sp>
+        <p:nvSpPr>
+          <p:cNvPr id="3" name="Notes Placeholder 2">
+            <a:extLst>
+              <a:ext uri="{FF2B5EF4-FFF2-40B4-BE49-F238E27FC236}">
+                <a16:creationId xmlns:a16="http://schemas.microsoft.com/office/drawing/2014/main" id="{1202E30D-1500-A743-7D44-AE740DBD35D7}"/>
+              </a:ext>
+            </a:extLst>
+          </p:cNvPr>
+          <p:cNvSpPr>
+            <a:spLocks noGrp="1"/>
+          </p:cNvSpPr>
+          <p:nvPr>
+            <p:ph type="body" idx="1"/>
+          </p:nvPr>
+        </p:nvSpPr>
+        <p:spPr/>
+        <p:txBody>
+          <a:bodyPr/>
+          <a:lstStyle/>
+          <a:p>
+            <a:endParaRPr lang="en-US" dirty="0"/>
+          </a:p>
+        </p:txBody>
+      </p:sp>
+      <p:sp>
+        <p:nvSpPr>
+          <p:cNvPr id="4" name="Slide Number Placeholder 3">
+            <a:extLst>
+              <a:ext uri="{FF2B5EF4-FFF2-40B4-BE49-F238E27FC236}">
+                <a16:creationId xmlns:a16="http://schemas.microsoft.com/office/drawing/2014/main" id="{EA63470A-E096-D436-38F9-092FC8FEAD14}"/>
+              </a:ext>
+            </a:extLst>
+          </p:cNvPr>
+          <p:cNvSpPr>
+            <a:spLocks noGrp="1"/>
+          </p:cNvSpPr>
+          <p:nvPr>
+            <p:ph type="sldNum" sz="quarter" idx="5"/>
+          </p:nvPr>
+        </p:nvSpPr>
+        <p:spPr/>
+        <p:txBody>
+          <a:bodyPr/>
+          <a:lstStyle/>
+          <a:p>
+            <a:fld id="{139A45AF-05CC-EE4A-A237-5C8AF9F12E6C}" type="slidenum">
+              <a:rPr lang="en-US" smtClean="0"/>
+              <a:t>13</a:t>
+            </a:fld>
+            <a:endParaRPr lang="en-US"/>
+          </a:p>
+        </p:txBody>
+      </p:sp>
+    </p:spTree>
+    <p:extLst>
+      <p:ext uri="{BB962C8B-B14F-4D97-AF65-F5344CB8AC3E}">
+        <p14:creationId xmlns:p14="http://schemas.microsoft.com/office/powerpoint/2010/main" val="896268179"/>
+      </p:ext>
+    </p:extLst>
+  </p:cSld>
+  <p:clrMapOvr>
+    <a:masterClrMapping/>
+  </p:clrMapOvr>
+</p:notes>
+</file>
+
+<file path=ppt/notesSlides/notesSlide11.xml><?xml version="1.0" encoding="utf-8"?>
+<p:notes xmlns:a="http://schemas.openxmlformats.org/drawingml/2006/main" xmlns:r="http://schemas.openxmlformats.org/officeDocument/2006/relationships" xmlns:p="http://schemas.openxmlformats.org/presentationml/2006/main">
+  <p:cSld>
+    <p:spTree>
+      <p:nvGrpSpPr>
+        <p:cNvPr id="1" name="">
+          <a:extLst>
+            <a:ext uri="{FF2B5EF4-FFF2-40B4-BE49-F238E27FC236}">
+              <a16:creationId xmlns:a16="http://schemas.microsoft.com/office/drawing/2014/main" id="{2B8BD3F0-21A4-08F9-C896-2AA385B3366D}"/>
+            </a:ext>
+          </a:extLst>
+        </p:cNvPr>
+        <p:cNvGrpSpPr/>
+        <p:nvPr/>
+      </p:nvGrpSpPr>
+      <p:grpSpPr>
+        <a:xfrm>
+          <a:off x="0" y="0"/>
+          <a:ext cx="0" cy="0"/>
+          <a:chOff x="0" y="0"/>
+          <a:chExt cx="0" cy="0"/>
+        </a:xfrm>
+      </p:grpSpPr>
+      <p:sp>
+        <p:nvSpPr>
+          <p:cNvPr id="2" name="Slide Image Placeholder 1">
+            <a:extLst>
+              <a:ext uri="{FF2B5EF4-FFF2-40B4-BE49-F238E27FC236}">
+                <a16:creationId xmlns:a16="http://schemas.microsoft.com/office/drawing/2014/main" id="{FA10BA44-C589-E4C9-CD0E-7E83F0D76758}"/>
+              </a:ext>
+            </a:extLst>
+          </p:cNvPr>
+          <p:cNvSpPr>
+            <a:spLocks noGrp="1" noRot="1" noChangeAspect="1"/>
+          </p:cNvSpPr>
+          <p:nvPr>
+            <p:ph type="sldImg"/>
+          </p:nvPr>
+        </p:nvSpPr>
+        <p:spPr/>
+      </p:sp>
+      <p:sp>
+        <p:nvSpPr>
+          <p:cNvPr id="3" name="Notes Placeholder 2">
+            <a:extLst>
+              <a:ext uri="{FF2B5EF4-FFF2-40B4-BE49-F238E27FC236}">
+                <a16:creationId xmlns:a16="http://schemas.microsoft.com/office/drawing/2014/main" id="{4A42D697-8612-3B30-2F7E-84183202E8AB}"/>
+              </a:ext>
+            </a:extLst>
+          </p:cNvPr>
+          <p:cNvSpPr>
+            <a:spLocks noGrp="1"/>
+          </p:cNvSpPr>
+          <p:nvPr>
+            <p:ph type="body" idx="1"/>
+          </p:nvPr>
+        </p:nvSpPr>
+        <p:spPr/>
+        <p:txBody>
+          <a:bodyPr/>
+          <a:lstStyle/>
+          <a:p>
+            <a:endParaRPr lang="en-US" dirty="0"/>
+          </a:p>
+          <a:p>
+            <a:r>
+              <a:rPr lang="en-US" dirty="0"/>
+              <a:t>Describe the dataset</a:t>
+            </a:r>
+          </a:p>
+        </p:txBody>
+      </p:sp>
+      <p:sp>
+        <p:nvSpPr>
+          <p:cNvPr id="4" name="Slide Number Placeholder 3">
+            <a:extLst>
+              <a:ext uri="{FF2B5EF4-FFF2-40B4-BE49-F238E27FC236}">
+                <a16:creationId xmlns:a16="http://schemas.microsoft.com/office/drawing/2014/main" id="{C9FB05CB-A43D-AC97-8F73-1F8C5AA99625}"/>
+              </a:ext>
+            </a:extLst>
+          </p:cNvPr>
+          <p:cNvSpPr>
+            <a:spLocks noGrp="1"/>
+          </p:cNvSpPr>
+          <p:nvPr>
+            <p:ph type="sldNum" sz="quarter" idx="5"/>
+          </p:nvPr>
+        </p:nvSpPr>
+        <p:spPr/>
+        <p:txBody>
+          <a:bodyPr/>
+          <a:lstStyle/>
+          <a:p>
+            <a:fld id="{139A45AF-05CC-EE4A-A237-5C8AF9F12E6C}" type="slidenum">
+              <a:rPr lang="en-US" smtClean="0"/>
+              <a:t>15</a:t>
+            </a:fld>
+            <a:endParaRPr lang="en-US"/>
+          </a:p>
+        </p:txBody>
+      </p:sp>
+    </p:spTree>
+    <p:extLst>
+      <p:ext uri="{BB962C8B-B14F-4D97-AF65-F5344CB8AC3E}">
+        <p14:creationId xmlns:p14="http://schemas.microsoft.com/office/powerpoint/2010/main" val="673909964"/>
+      </p:ext>
+    </p:extLst>
+  </p:cSld>
+  <p:clrMapOvr>
+    <a:masterClrMapping/>
+  </p:clrMapOvr>
+</p:notes>
+</file>
+
+<file path=ppt/notesSlides/notesSlide2.xml><?xml version="1.0" encoding="utf-8"?>
+<p:notes xmlns:a="http://schemas.openxmlformats.org/drawingml/2006/main" xmlns:r="http://schemas.openxmlformats.org/officeDocument/2006/relationships" xmlns:p="http://schemas.openxmlformats.org/presentationml/2006/main">
+  <p:cSld>
+    <p:spTree>
+      <p:nvGrpSpPr>
+        <p:cNvPr id="1" name="">
+          <a:extLst>
+            <a:ext uri="{FF2B5EF4-FFF2-40B4-BE49-F238E27FC236}">
+              <a16:creationId xmlns:a16="http://schemas.microsoft.com/office/drawing/2014/main" id="{522FF735-8D92-2353-1217-CB2E2EA12EA5}"/>
+            </a:ext>
+          </a:extLst>
+        </p:cNvPr>
+        <p:cNvGrpSpPr/>
+        <p:nvPr/>
+      </p:nvGrpSpPr>
+      <p:grpSpPr>
+        <a:xfrm>
+          <a:off x="0" y="0"/>
+          <a:ext cx="0" cy="0"/>
+          <a:chOff x="0" y="0"/>
+          <a:chExt cx="0" cy="0"/>
+        </a:xfrm>
+      </p:grpSpPr>
+      <p:sp>
+        <p:nvSpPr>
+          <p:cNvPr id="2" name="Slide Image Placeholder 1">
+            <a:extLst>
+              <a:ext uri="{FF2B5EF4-FFF2-40B4-BE49-F238E27FC236}">
+                <a16:creationId xmlns:a16="http://schemas.microsoft.com/office/drawing/2014/main" id="{2BABBFD5-B903-1E83-10D2-52F3D4029863}"/>
+              </a:ext>
+            </a:extLst>
+          </p:cNvPr>
+          <p:cNvSpPr>
+            <a:spLocks noGrp="1" noRot="1" noChangeAspect="1"/>
+          </p:cNvSpPr>
+          <p:nvPr>
+            <p:ph type="sldImg"/>
+          </p:nvPr>
+        </p:nvSpPr>
+        <p:spPr/>
+      </p:sp>
+      <p:sp>
+        <p:nvSpPr>
+          <p:cNvPr id="3" name="Notes Placeholder 2">
+            <a:extLst>
+              <a:ext uri="{FF2B5EF4-FFF2-40B4-BE49-F238E27FC236}">
+                <a16:creationId xmlns:a16="http://schemas.microsoft.com/office/drawing/2014/main" id="{816D6A41-ADEA-EA28-80C9-02EA6A9411A2}"/>
+              </a:ext>
+            </a:extLst>
+          </p:cNvPr>
+          <p:cNvSpPr>
+            <a:spLocks noGrp="1"/>
+          </p:cNvSpPr>
+          <p:nvPr>
+            <p:ph type="body" idx="1"/>
+          </p:nvPr>
+        </p:nvSpPr>
+        <p:spPr/>
+        <p:txBody>
+          <a:bodyPr/>
+          <a:lstStyle/>
+          <a:p>
+            <a:endParaRPr lang="en-US" dirty="0"/>
+          </a:p>
+          <a:p>
+            <a:r>
+              <a:rPr lang="en-US" dirty="0"/>
+              <a:t>Describe the dataset</a:t>
+            </a:r>
+          </a:p>
+        </p:txBody>
+      </p:sp>
+      <p:sp>
+        <p:nvSpPr>
+          <p:cNvPr id="4" name="Slide Number Placeholder 3">
+            <a:extLst>
+              <a:ext uri="{FF2B5EF4-FFF2-40B4-BE49-F238E27FC236}">
+                <a16:creationId xmlns:a16="http://schemas.microsoft.com/office/drawing/2014/main" id="{5D891082-A36A-88BB-B07A-C0C84DD577E6}"/>
+              </a:ext>
+            </a:extLst>
+          </p:cNvPr>
+          <p:cNvSpPr>
+            <a:spLocks noGrp="1"/>
+          </p:cNvSpPr>
+          <p:nvPr>
+            <p:ph type="sldNum" sz="quarter" idx="5"/>
+          </p:nvPr>
+        </p:nvSpPr>
+        <p:spPr/>
+        <p:txBody>
+          <a:bodyPr/>
+          <a:lstStyle/>
+          <a:p>
+            <a:fld id="{139A45AF-05CC-EE4A-A237-5C8AF9F12E6C}" type="slidenum">
+              <a:rPr lang="en-US" smtClean="0"/>
+              <a:t>5</a:t>
+            </a:fld>
+            <a:endParaRPr lang="en-US"/>
+          </a:p>
+        </p:txBody>
+      </p:sp>
+    </p:spTree>
+    <p:extLst>
+      <p:ext uri="{BB962C8B-B14F-4D97-AF65-F5344CB8AC3E}">
+        <p14:creationId xmlns:p14="http://schemas.microsoft.com/office/powerpoint/2010/main" val="2444021326"/>
+      </p:ext>
+    </p:extLst>
+  </p:cSld>
+  <p:clrMapOvr>
+    <a:masterClrMapping/>
+  </p:clrMapOvr>
+</p:notes>
+</file>
+
+<file path=ppt/notesSlides/notesSlide3.xml><?xml version="1.0" encoding="utf-8"?>
+<p:notes xmlns:a="http://schemas.openxmlformats.org/drawingml/2006/main" xmlns:r="http://schemas.openxmlformats.org/officeDocument/2006/relationships" xmlns:p="http://schemas.openxmlformats.org/presentationml/2006/main">
+  <p:cSld>
+    <p:spTree>
+      <p:nvGrpSpPr>
+        <p:cNvPr id="1" name="">
+          <a:extLst>
+            <a:ext uri="{FF2B5EF4-FFF2-40B4-BE49-F238E27FC236}">
+              <a16:creationId xmlns:a16="http://schemas.microsoft.com/office/drawing/2014/main" id="{B74393A9-55DE-7E74-923D-3E6D2A790293}"/>
+            </a:ext>
+          </a:extLst>
+        </p:cNvPr>
+        <p:cNvGrpSpPr/>
+        <p:nvPr/>
+      </p:nvGrpSpPr>
+      <p:grpSpPr>
+        <a:xfrm>
+          <a:off x="0" y="0"/>
+          <a:ext cx="0" cy="0"/>
+          <a:chOff x="0" y="0"/>
+          <a:chExt cx="0" cy="0"/>
+        </a:xfrm>
+      </p:grpSpPr>
+      <p:sp>
+        <p:nvSpPr>
+          <p:cNvPr id="2" name="Slide Image Placeholder 1">
+            <a:extLst>
+              <a:ext uri="{FF2B5EF4-FFF2-40B4-BE49-F238E27FC236}">
+                <a16:creationId xmlns:a16="http://schemas.microsoft.com/office/drawing/2014/main" id="{AACD435F-6FB1-42FC-A11F-C2193532CC91}"/>
+              </a:ext>
+            </a:extLst>
+          </p:cNvPr>
+          <p:cNvSpPr>
+            <a:spLocks noGrp="1" noRot="1" noChangeAspect="1"/>
+          </p:cNvSpPr>
+          <p:nvPr>
+            <p:ph type="sldImg"/>
+          </p:nvPr>
+        </p:nvSpPr>
+        <p:spPr/>
+      </p:sp>
+      <p:sp>
+        <p:nvSpPr>
+          <p:cNvPr id="3" name="Notes Placeholder 2">
+            <a:extLst>
+              <a:ext uri="{FF2B5EF4-FFF2-40B4-BE49-F238E27FC236}">
+                <a16:creationId xmlns:a16="http://schemas.microsoft.com/office/drawing/2014/main" id="{52DE16C9-78D2-6375-3CB7-B029C691188B}"/>
+              </a:ext>
+            </a:extLst>
+          </p:cNvPr>
+          <p:cNvSpPr>
+            <a:spLocks noGrp="1"/>
+          </p:cNvSpPr>
+          <p:nvPr>
+            <p:ph type="body" idx="1"/>
+          </p:nvPr>
+        </p:nvSpPr>
+        <p:spPr/>
+        <p:txBody>
+          <a:bodyPr/>
+          <a:lstStyle/>
+          <a:p>
+            <a:endParaRPr lang="en-US" dirty="0"/>
+          </a:p>
+        </p:txBody>
+      </p:sp>
+      <p:sp>
+        <p:nvSpPr>
+          <p:cNvPr id="4" name="Slide Number Placeholder 3">
+            <a:extLst>
+              <a:ext uri="{FF2B5EF4-FFF2-40B4-BE49-F238E27FC236}">
+                <a16:creationId xmlns:a16="http://schemas.microsoft.com/office/drawing/2014/main" id="{C33EE7F2-3A7F-A56E-F5B7-9045F59D89D4}"/>
+              </a:ext>
+            </a:extLst>
+          </p:cNvPr>
+          <p:cNvSpPr>
+            <a:spLocks noGrp="1"/>
+          </p:cNvSpPr>
+          <p:nvPr>
+            <p:ph type="sldNum" sz="quarter" idx="5"/>
+          </p:nvPr>
+        </p:nvSpPr>
+        <p:spPr/>
+        <p:txBody>
+          <a:bodyPr/>
+          <a:lstStyle/>
+          <a:p>
+            <a:fld id="{139A45AF-05CC-EE4A-A237-5C8AF9F12E6C}" type="slidenum">
+              <a:rPr lang="en-US" smtClean="0"/>
+              <a:t>6</a:t>
+            </a:fld>
+            <a:endParaRPr lang="en-US"/>
+          </a:p>
+        </p:txBody>
+      </p:sp>
+    </p:spTree>
+    <p:extLst>
+      <p:ext uri="{BB962C8B-B14F-4D97-AF65-F5344CB8AC3E}">
+        <p14:creationId xmlns:p14="http://schemas.microsoft.com/office/powerpoint/2010/main" val="2760923191"/>
+      </p:ext>
+    </p:extLst>
+  </p:cSld>
+  <p:clrMapOvr>
+    <a:masterClrMapping/>
+  </p:clrMapOvr>
+</p:notes>
+</file>
+
+<file path=ppt/notesSlides/notesSlide4.xml><?xml version="1.0" encoding="utf-8"?>
+<p:notes xmlns:a="http://schemas.openxmlformats.org/drawingml/2006/main" xmlns:r="http://schemas.openxmlformats.org/officeDocument/2006/relationships" xmlns:p="http://schemas.openxmlformats.org/presentationml/2006/main">
+  <p:cSld>
+    <p:spTree>
+      <p:nvGrpSpPr>
+        <p:cNvPr id="1" name="">
+          <a:extLst>
+            <a:ext uri="{FF2B5EF4-FFF2-40B4-BE49-F238E27FC236}">
+              <a16:creationId xmlns:a16="http://schemas.microsoft.com/office/drawing/2014/main" id="{36ED2783-72D1-A282-3F24-AB45A8265DB6}"/>
+            </a:ext>
+          </a:extLst>
+        </p:cNvPr>
+        <p:cNvGrpSpPr/>
+        <p:nvPr/>
+      </p:nvGrpSpPr>
+      <p:grpSpPr>
+        <a:xfrm>
+          <a:off x="0" y="0"/>
+          <a:ext cx="0" cy="0"/>
+          <a:chOff x="0" y="0"/>
+          <a:chExt cx="0" cy="0"/>
+        </a:xfrm>
+      </p:grpSpPr>
+      <p:sp>
+        <p:nvSpPr>
+          <p:cNvPr id="2" name="Slide Image Placeholder 1">
+            <a:extLst>
+              <a:ext uri="{FF2B5EF4-FFF2-40B4-BE49-F238E27FC236}">
+                <a16:creationId xmlns:a16="http://schemas.microsoft.com/office/drawing/2014/main" id="{BEC93AD3-CD4B-08E6-7E7D-2540F33A690B}"/>
+              </a:ext>
+            </a:extLst>
+          </p:cNvPr>
+          <p:cNvSpPr>
+            <a:spLocks noGrp="1" noRot="1" noChangeAspect="1"/>
+          </p:cNvSpPr>
+          <p:nvPr>
+            <p:ph type="sldImg"/>
+          </p:nvPr>
+        </p:nvSpPr>
+        <p:spPr/>
+      </p:sp>
+      <p:sp>
+        <p:nvSpPr>
+          <p:cNvPr id="3" name="Notes Placeholder 2">
+            <a:extLst>
+              <a:ext uri="{FF2B5EF4-FFF2-40B4-BE49-F238E27FC236}">
+                <a16:creationId xmlns:a16="http://schemas.microsoft.com/office/drawing/2014/main" id="{B9DEC425-1EA0-9425-6E93-73432A36EAD5}"/>
+              </a:ext>
+            </a:extLst>
+          </p:cNvPr>
+          <p:cNvSpPr>
+            <a:spLocks noGrp="1"/>
+          </p:cNvSpPr>
+          <p:nvPr>
+            <p:ph type="body" idx="1"/>
+          </p:nvPr>
+        </p:nvSpPr>
+        <p:spPr/>
+        <p:txBody>
+          <a:bodyPr/>
+          <a:lstStyle/>
+          <a:p>
+            <a:endParaRPr lang="en-US" dirty="0"/>
+          </a:p>
+        </p:txBody>
+      </p:sp>
+      <p:sp>
+        <p:nvSpPr>
+          <p:cNvPr id="4" name="Slide Number Placeholder 3">
+            <a:extLst>
+              <a:ext uri="{FF2B5EF4-FFF2-40B4-BE49-F238E27FC236}">
+                <a16:creationId xmlns:a16="http://schemas.microsoft.com/office/drawing/2014/main" id="{190BB442-3573-B253-83A9-078D3E5249E4}"/>
+              </a:ext>
+            </a:extLst>
+          </p:cNvPr>
+          <p:cNvSpPr>
+            <a:spLocks noGrp="1"/>
+          </p:cNvSpPr>
+          <p:nvPr>
+            <p:ph type="sldNum" sz="quarter" idx="5"/>
+          </p:nvPr>
+        </p:nvSpPr>
+        <p:spPr/>
+        <p:txBody>
+          <a:bodyPr/>
+          <a:lstStyle/>
+          <a:p>
+            <a:fld id="{139A45AF-05CC-EE4A-A237-5C8AF9F12E6C}" type="slidenum">
+              <a:rPr lang="en-US" smtClean="0"/>
+              <a:t>7</a:t>
+            </a:fld>
+            <a:endParaRPr lang="en-US"/>
+          </a:p>
+        </p:txBody>
+      </p:sp>
+    </p:spTree>
+    <p:extLst>
+      <p:ext uri="{BB962C8B-B14F-4D97-AF65-F5344CB8AC3E}">
+        <p14:creationId xmlns:p14="http://schemas.microsoft.com/office/powerpoint/2010/main" val="461567027"/>
+      </p:ext>
+    </p:extLst>
+  </p:cSld>
+  <p:clrMapOvr>
+    <a:masterClrMapping/>
+  </p:clrMapOvr>
+</p:notes>
+</file>
+
+<file path=ppt/notesSlides/notesSlide5.xml><?xml version="1.0" encoding="utf-8"?>
+<p:notes xmlns:a="http://schemas.openxmlformats.org/drawingml/2006/main" xmlns:r="http://schemas.openxmlformats.org/officeDocument/2006/relationships" xmlns:p="http://schemas.openxmlformats.org/presentationml/2006/main">
+  <p:cSld>
+    <p:spTree>
+      <p:nvGrpSpPr>
+        <p:cNvPr id="1" name="">
+          <a:extLst>
+            <a:ext uri="{FF2B5EF4-FFF2-40B4-BE49-F238E27FC236}">
+              <a16:creationId xmlns:a16="http://schemas.microsoft.com/office/drawing/2014/main" id="{0292101F-0174-AE3A-099B-F74BFFE7ACC9}"/>
+            </a:ext>
+          </a:extLst>
+        </p:cNvPr>
+        <p:cNvGrpSpPr/>
+        <p:nvPr/>
+      </p:nvGrpSpPr>
+      <p:grpSpPr>
+        <a:xfrm>
+          <a:off x="0" y="0"/>
+          <a:ext cx="0" cy="0"/>
+          <a:chOff x="0" y="0"/>
+          <a:chExt cx="0" cy="0"/>
+        </a:xfrm>
+      </p:grpSpPr>
+      <p:sp>
+        <p:nvSpPr>
+          <p:cNvPr id="2" name="Slide Image Placeholder 1">
+            <a:extLst>
+              <a:ext uri="{FF2B5EF4-FFF2-40B4-BE49-F238E27FC236}">
+                <a16:creationId xmlns:a16="http://schemas.microsoft.com/office/drawing/2014/main" id="{F745D858-9376-1D74-79CA-0E99E2009D46}"/>
+              </a:ext>
+            </a:extLst>
+          </p:cNvPr>
+          <p:cNvSpPr>
+            <a:spLocks noGrp="1" noRot="1" noChangeAspect="1"/>
+          </p:cNvSpPr>
+          <p:nvPr>
+            <p:ph type="sldImg"/>
+          </p:nvPr>
+        </p:nvSpPr>
+        <p:spPr/>
+      </p:sp>
+      <p:sp>
+        <p:nvSpPr>
+          <p:cNvPr id="3" name="Notes Placeholder 2">
+            <a:extLst>
+              <a:ext uri="{FF2B5EF4-FFF2-40B4-BE49-F238E27FC236}">
+                <a16:creationId xmlns:a16="http://schemas.microsoft.com/office/drawing/2014/main" id="{3F73AF0E-29E8-4F66-A1D9-884856CCA8E7}"/>
+              </a:ext>
+            </a:extLst>
+          </p:cNvPr>
+          <p:cNvSpPr>
+            <a:spLocks noGrp="1"/>
+          </p:cNvSpPr>
+          <p:nvPr>
+            <p:ph type="body" idx="1"/>
+          </p:nvPr>
+        </p:nvSpPr>
+        <p:spPr/>
+        <p:txBody>
+          <a:bodyPr/>
+          <a:lstStyle/>
+          <a:p>
+            <a:endParaRPr lang="en-US" dirty="0"/>
+          </a:p>
+        </p:txBody>
+      </p:sp>
+      <p:sp>
+        <p:nvSpPr>
+          <p:cNvPr id="4" name="Slide Number Placeholder 3">
+            <a:extLst>
+              <a:ext uri="{FF2B5EF4-FFF2-40B4-BE49-F238E27FC236}">
+                <a16:creationId xmlns:a16="http://schemas.microsoft.com/office/drawing/2014/main" id="{56435DE4-5836-DA33-5C5A-A5153B4DF9AA}"/>
+              </a:ext>
+            </a:extLst>
+          </p:cNvPr>
+          <p:cNvSpPr>
+            <a:spLocks noGrp="1"/>
+          </p:cNvSpPr>
+          <p:nvPr>
+            <p:ph type="sldNum" sz="quarter" idx="5"/>
+          </p:nvPr>
+        </p:nvSpPr>
+        <p:spPr/>
+        <p:txBody>
+          <a:bodyPr/>
+          <a:lstStyle/>
+          <a:p>
+            <a:fld id="{139A45AF-05CC-EE4A-A237-5C8AF9F12E6C}" type="slidenum">
+              <a:rPr lang="en-US" smtClean="0"/>
+              <a:t>8</a:t>
+            </a:fld>
+            <a:endParaRPr lang="en-US"/>
+          </a:p>
+        </p:txBody>
+      </p:sp>
+    </p:spTree>
+    <p:extLst>
+      <p:ext uri="{BB962C8B-B14F-4D97-AF65-F5344CB8AC3E}">
+        <p14:creationId xmlns:p14="http://schemas.microsoft.com/office/powerpoint/2010/main" val="4080184619"/>
+      </p:ext>
+    </p:extLst>
+  </p:cSld>
+  <p:clrMapOvr>
+    <a:masterClrMapping/>
+  </p:clrMapOvr>
+</p:notes>
+</file>
+
+<file path=ppt/notesSlides/notesSlide6.xml><?xml version="1.0" encoding="utf-8"?>
+<p:notes xmlns:a="http://schemas.openxmlformats.org/drawingml/2006/main" xmlns:r="http://schemas.openxmlformats.org/officeDocument/2006/relationships" xmlns:p="http://schemas.openxmlformats.org/presentationml/2006/main">
+  <p:cSld>
+    <p:spTree>
+      <p:nvGrpSpPr>
+        <p:cNvPr id="1" name="">
+          <a:extLst>
+            <a:ext uri="{FF2B5EF4-FFF2-40B4-BE49-F238E27FC236}">
+              <a16:creationId xmlns:a16="http://schemas.microsoft.com/office/drawing/2014/main" id="{397BFD23-96A5-11C5-960F-A1FC5488F270}"/>
+            </a:ext>
+          </a:extLst>
+        </p:cNvPr>
+        <p:cNvGrpSpPr/>
+        <p:nvPr/>
+      </p:nvGrpSpPr>
+      <p:grpSpPr>
+        <a:xfrm>
+          <a:off x="0" y="0"/>
+          <a:ext cx="0" cy="0"/>
+          <a:chOff x="0" y="0"/>
+          <a:chExt cx="0" cy="0"/>
+        </a:xfrm>
+      </p:grpSpPr>
+      <p:sp>
+        <p:nvSpPr>
+          <p:cNvPr id="2" name="Slide Image Placeholder 1">
+            <a:extLst>
+              <a:ext uri="{FF2B5EF4-FFF2-40B4-BE49-F238E27FC236}">
+                <a16:creationId xmlns:a16="http://schemas.microsoft.com/office/drawing/2014/main" id="{C7F8697A-BFF1-FD0D-2B42-CAADA51AEFD0}"/>
+              </a:ext>
+            </a:extLst>
+          </p:cNvPr>
+          <p:cNvSpPr>
+            <a:spLocks noGrp="1" noRot="1" noChangeAspect="1"/>
+          </p:cNvSpPr>
+          <p:nvPr>
+            <p:ph type="sldImg"/>
+          </p:nvPr>
+        </p:nvSpPr>
+        <p:spPr/>
+      </p:sp>
+      <p:sp>
+        <p:nvSpPr>
+          <p:cNvPr id="3" name="Notes Placeholder 2">
+            <a:extLst>
+              <a:ext uri="{FF2B5EF4-FFF2-40B4-BE49-F238E27FC236}">
+                <a16:creationId xmlns:a16="http://schemas.microsoft.com/office/drawing/2014/main" id="{9B7BFA0E-53E2-F9E1-68DC-2EA3592C6064}"/>
+              </a:ext>
+            </a:extLst>
+          </p:cNvPr>
+          <p:cNvSpPr>
+            <a:spLocks noGrp="1"/>
+          </p:cNvSpPr>
+          <p:nvPr>
+            <p:ph type="body" idx="1"/>
+          </p:nvPr>
+        </p:nvSpPr>
+        <p:spPr/>
+        <p:txBody>
+          <a:bodyPr/>
+          <a:lstStyle/>
+          <a:p>
+            <a:endParaRPr lang="en-US" dirty="0"/>
+          </a:p>
+        </p:txBody>
+      </p:sp>
+      <p:sp>
+        <p:nvSpPr>
+          <p:cNvPr id="4" name="Slide Number Placeholder 3">
+            <a:extLst>
+              <a:ext uri="{FF2B5EF4-FFF2-40B4-BE49-F238E27FC236}">
+                <a16:creationId xmlns:a16="http://schemas.microsoft.com/office/drawing/2014/main" id="{974DE1AC-49BF-1E94-0671-DFD528AAF085}"/>
+              </a:ext>
+            </a:extLst>
+          </p:cNvPr>
+          <p:cNvSpPr>
+            <a:spLocks noGrp="1"/>
+          </p:cNvSpPr>
+          <p:nvPr>
+            <p:ph type="sldNum" sz="quarter" idx="5"/>
+          </p:nvPr>
+        </p:nvSpPr>
+        <p:spPr/>
+        <p:txBody>
+          <a:bodyPr/>
+          <a:lstStyle/>
+          <a:p>
+            <a:fld id="{139A45AF-05CC-EE4A-A237-5C8AF9F12E6C}" type="slidenum">
+              <a:rPr lang="en-US" smtClean="0"/>
+              <a:t>9</a:t>
+            </a:fld>
+            <a:endParaRPr lang="en-US"/>
+          </a:p>
+        </p:txBody>
+      </p:sp>
+    </p:spTree>
+    <p:extLst>
+      <p:ext uri="{BB962C8B-B14F-4D97-AF65-F5344CB8AC3E}">
+        <p14:creationId xmlns:p14="http://schemas.microsoft.com/office/powerpoint/2010/main" val="412811804"/>
+      </p:ext>
+    </p:extLst>
+  </p:cSld>
+  <p:clrMapOvr>
+    <a:masterClrMapping/>
+  </p:clrMapOvr>
+</p:notes>
+</file>
+
+<file path=ppt/notesSlides/notesSlide7.xml><?xml version="1.0" encoding="utf-8"?>
+<p:notes xmlns:a="http://schemas.openxmlformats.org/drawingml/2006/main" xmlns:r="http://schemas.openxmlformats.org/officeDocument/2006/relationships" xmlns:p="http://schemas.openxmlformats.org/presentationml/2006/main">
+  <p:cSld>
+    <p:spTree>
+      <p:nvGrpSpPr>
+        <p:cNvPr id="1" name="">
+          <a:extLst>
+            <a:ext uri="{FF2B5EF4-FFF2-40B4-BE49-F238E27FC236}">
+              <a16:creationId xmlns:a16="http://schemas.microsoft.com/office/drawing/2014/main" id="{D9C6715A-2092-7CCA-6371-2D12A7F86E53}"/>
+            </a:ext>
+          </a:extLst>
+        </p:cNvPr>
+        <p:cNvGrpSpPr/>
+        <p:nvPr/>
+      </p:nvGrpSpPr>
+      <p:grpSpPr>
+        <a:xfrm>
+          <a:off x="0" y="0"/>
+          <a:ext cx="0" cy="0"/>
+          <a:chOff x="0" y="0"/>
+          <a:chExt cx="0" cy="0"/>
+        </a:xfrm>
+      </p:grpSpPr>
+      <p:sp>
+        <p:nvSpPr>
+          <p:cNvPr id="2" name="Slide Image Placeholder 1">
+            <a:extLst>
+              <a:ext uri="{FF2B5EF4-FFF2-40B4-BE49-F238E27FC236}">
+                <a16:creationId xmlns:a16="http://schemas.microsoft.com/office/drawing/2014/main" id="{1D18D19A-2E78-30E4-67B5-0E43A1E5AFDD}"/>
+              </a:ext>
+            </a:extLst>
+          </p:cNvPr>
+          <p:cNvSpPr>
+            <a:spLocks noGrp="1" noRot="1" noChangeAspect="1"/>
+          </p:cNvSpPr>
+          <p:nvPr>
+            <p:ph type="sldImg"/>
+          </p:nvPr>
+        </p:nvSpPr>
+        <p:spPr/>
+      </p:sp>
+      <p:sp>
+        <p:nvSpPr>
+          <p:cNvPr id="3" name="Notes Placeholder 2">
+            <a:extLst>
+              <a:ext uri="{FF2B5EF4-FFF2-40B4-BE49-F238E27FC236}">
+                <a16:creationId xmlns:a16="http://schemas.microsoft.com/office/drawing/2014/main" id="{052685A6-ADE5-EEA8-BA90-C07B5C1B360E}"/>
+              </a:ext>
+            </a:extLst>
+          </p:cNvPr>
+          <p:cNvSpPr>
+            <a:spLocks noGrp="1"/>
+          </p:cNvSpPr>
+          <p:nvPr>
+            <p:ph type="body" idx="1"/>
+          </p:nvPr>
+        </p:nvSpPr>
+        <p:spPr/>
+        <p:txBody>
+          <a:bodyPr/>
+          <a:lstStyle/>
+          <a:p>
+            <a:endParaRPr lang="en-US" dirty="0"/>
+          </a:p>
+        </p:txBody>
+      </p:sp>
+      <p:sp>
+        <p:nvSpPr>
+          <p:cNvPr id="4" name="Slide Number Placeholder 3">
+            <a:extLst>
+              <a:ext uri="{FF2B5EF4-FFF2-40B4-BE49-F238E27FC236}">
+                <a16:creationId xmlns:a16="http://schemas.microsoft.com/office/drawing/2014/main" id="{197E1067-8959-56F1-F100-7C97AD65F12C}"/>
+              </a:ext>
+            </a:extLst>
+          </p:cNvPr>
+          <p:cNvSpPr>
+            <a:spLocks noGrp="1"/>
+          </p:cNvSpPr>
+          <p:nvPr>
+            <p:ph type="sldNum" sz="quarter" idx="5"/>
+          </p:nvPr>
+        </p:nvSpPr>
+        <p:spPr/>
+        <p:txBody>
+          <a:bodyPr/>
+          <a:lstStyle/>
+          <a:p>
+            <a:fld id="{139A45AF-05CC-EE4A-A237-5C8AF9F12E6C}" type="slidenum">
+              <a:rPr lang="en-US" smtClean="0"/>
+              <a:t>10</a:t>
+            </a:fld>
+            <a:endParaRPr lang="en-US"/>
+          </a:p>
+        </p:txBody>
+      </p:sp>
+    </p:spTree>
+    <p:extLst>
+      <p:ext uri="{BB962C8B-B14F-4D97-AF65-F5344CB8AC3E}">
+        <p14:creationId xmlns:p14="http://schemas.microsoft.com/office/powerpoint/2010/main" val="3783682371"/>
+      </p:ext>
+    </p:extLst>
+  </p:cSld>
+  <p:clrMapOvr>
+    <a:masterClrMapping/>
+  </p:clrMapOvr>
+</p:notes>
+</file>
+
+<file path=ppt/notesSlides/notesSlide8.xml><?xml version="1.0" encoding="utf-8"?>
+<p:notes xmlns:a="http://schemas.openxmlformats.org/drawingml/2006/main" xmlns:r="http://schemas.openxmlformats.org/officeDocument/2006/relationships" xmlns:p="http://schemas.openxmlformats.org/presentationml/2006/main">
+  <p:cSld>
+    <p:spTree>
+      <p:nvGrpSpPr>
+        <p:cNvPr id="1" name="">
+          <a:extLst>
+            <a:ext uri="{FF2B5EF4-FFF2-40B4-BE49-F238E27FC236}">
+              <a16:creationId xmlns:a16="http://schemas.microsoft.com/office/drawing/2014/main" id="{814CF63E-7CE6-6707-54E1-1D48A9F8FEFF}"/>
+            </a:ext>
+          </a:extLst>
+        </p:cNvPr>
+        <p:cNvGrpSpPr/>
+        <p:nvPr/>
+      </p:nvGrpSpPr>
+      <p:grpSpPr>
+        <a:xfrm>
+          <a:off x="0" y="0"/>
+          <a:ext cx="0" cy="0"/>
+          <a:chOff x="0" y="0"/>
+          <a:chExt cx="0" cy="0"/>
+        </a:xfrm>
+      </p:grpSpPr>
+      <p:sp>
+        <p:nvSpPr>
+          <p:cNvPr id="2" name="Slide Image Placeholder 1">
+            <a:extLst>
+              <a:ext uri="{FF2B5EF4-FFF2-40B4-BE49-F238E27FC236}">
+                <a16:creationId xmlns:a16="http://schemas.microsoft.com/office/drawing/2014/main" id="{8C82B0D2-6642-FA3C-B8EB-8C7D4E471CAD}"/>
+              </a:ext>
+            </a:extLst>
+          </p:cNvPr>
+          <p:cNvSpPr>
+            <a:spLocks noGrp="1" noRot="1" noChangeAspect="1"/>
+          </p:cNvSpPr>
+          <p:nvPr>
+            <p:ph type="sldImg"/>
+          </p:nvPr>
+        </p:nvSpPr>
+        <p:spPr/>
+      </p:sp>
+      <p:sp>
+        <p:nvSpPr>
+          <p:cNvPr id="3" name="Notes Placeholder 2">
+            <a:extLst>
+              <a:ext uri="{FF2B5EF4-FFF2-40B4-BE49-F238E27FC236}">
+                <a16:creationId xmlns:a16="http://schemas.microsoft.com/office/drawing/2014/main" id="{66DA9943-48DA-CA5B-87A1-01B996E7CF52}"/>
+              </a:ext>
+            </a:extLst>
+          </p:cNvPr>
+          <p:cNvSpPr>
+            <a:spLocks noGrp="1"/>
+          </p:cNvSpPr>
+          <p:nvPr>
+            <p:ph type="body" idx="1"/>
+          </p:nvPr>
+        </p:nvSpPr>
+        <p:spPr/>
+        <p:txBody>
+          <a:bodyPr/>
+          <a:lstStyle/>
+          <a:p>
+            <a:endParaRPr lang="en-US" dirty="0"/>
+          </a:p>
+        </p:txBody>
+      </p:sp>
+      <p:sp>
+        <p:nvSpPr>
+          <p:cNvPr id="4" name="Slide Number Placeholder 3">
+            <a:extLst>
+              <a:ext uri="{FF2B5EF4-FFF2-40B4-BE49-F238E27FC236}">
+                <a16:creationId xmlns:a16="http://schemas.microsoft.com/office/drawing/2014/main" id="{CF3D85ED-7F30-13EB-B4CB-AE6CF6DF9239}"/>
+              </a:ext>
+            </a:extLst>
+          </p:cNvPr>
+          <p:cNvSpPr>
+            <a:spLocks noGrp="1"/>
+          </p:cNvSpPr>
+          <p:nvPr>
+            <p:ph type="sldNum" sz="quarter" idx="5"/>
+          </p:nvPr>
+        </p:nvSpPr>
+        <p:spPr/>
+        <p:txBody>
+          <a:bodyPr/>
+          <a:lstStyle/>
+          <a:p>
+            <a:fld id="{139A45AF-05CC-EE4A-A237-5C8AF9F12E6C}" type="slidenum">
+              <a:rPr lang="en-US" smtClean="0"/>
+              <a:t>11</a:t>
+            </a:fld>
+            <a:endParaRPr lang="en-US"/>
+          </a:p>
+        </p:txBody>
+      </p:sp>
+    </p:spTree>
+    <p:extLst>
+      <p:ext uri="{BB962C8B-B14F-4D97-AF65-F5344CB8AC3E}">
+        <p14:creationId xmlns:p14="http://schemas.microsoft.com/office/powerpoint/2010/main" val="280426245"/>
+      </p:ext>
+    </p:extLst>
+  </p:cSld>
+  <p:clrMapOvr>
+    <a:masterClrMapping/>
+  </p:clrMapOvr>
+</p:notes>
+</file>
+
+<file path=ppt/notesSlides/notesSlide9.xml><?xml version="1.0" encoding="utf-8"?>
+<p:notes xmlns:a="http://schemas.openxmlformats.org/drawingml/2006/main" xmlns:r="http://schemas.openxmlformats.org/officeDocument/2006/relationships" xmlns:p="http://schemas.openxmlformats.org/presentationml/2006/main">
+  <p:cSld>
+    <p:spTree>
+      <p:nvGrpSpPr>
+        <p:cNvPr id="1" name="">
+          <a:extLst>
+            <a:ext uri="{FF2B5EF4-FFF2-40B4-BE49-F238E27FC236}">
+              <a16:creationId xmlns:a16="http://schemas.microsoft.com/office/drawing/2014/main" id="{1E28FE46-328F-2147-E19D-7CC922B15D0C}"/>
+            </a:ext>
+          </a:extLst>
+        </p:cNvPr>
+        <p:cNvGrpSpPr/>
+        <p:nvPr/>
+      </p:nvGrpSpPr>
+      <p:grpSpPr>
+        <a:xfrm>
+          <a:off x="0" y="0"/>
+          <a:ext cx="0" cy="0"/>
+          <a:chOff x="0" y="0"/>
+          <a:chExt cx="0" cy="0"/>
+        </a:xfrm>
+      </p:grpSpPr>
+      <p:sp>
+        <p:nvSpPr>
+          <p:cNvPr id="2" name="Slide Image Placeholder 1">
+            <a:extLst>
+              <a:ext uri="{FF2B5EF4-FFF2-40B4-BE49-F238E27FC236}">
+                <a16:creationId xmlns:a16="http://schemas.microsoft.com/office/drawing/2014/main" id="{F3950A8C-3D6D-ADF2-5450-3B546C5172D9}"/>
+              </a:ext>
+            </a:extLst>
+          </p:cNvPr>
+          <p:cNvSpPr>
+            <a:spLocks noGrp="1" noRot="1" noChangeAspect="1"/>
+          </p:cNvSpPr>
+          <p:nvPr>
+            <p:ph type="sldImg"/>
+          </p:nvPr>
+        </p:nvSpPr>
+        <p:spPr/>
+      </p:sp>
+      <p:sp>
+        <p:nvSpPr>
+          <p:cNvPr id="3" name="Notes Placeholder 2">
+            <a:extLst>
+              <a:ext uri="{FF2B5EF4-FFF2-40B4-BE49-F238E27FC236}">
+                <a16:creationId xmlns:a16="http://schemas.microsoft.com/office/drawing/2014/main" id="{F16661BD-3180-F7A4-BB54-7D77C09C991A}"/>
+              </a:ext>
+            </a:extLst>
+          </p:cNvPr>
+          <p:cNvSpPr>
+            <a:spLocks noGrp="1"/>
+          </p:cNvSpPr>
+          <p:nvPr>
+            <p:ph type="body" idx="1"/>
+          </p:nvPr>
+        </p:nvSpPr>
+        <p:spPr/>
+        <p:txBody>
+          <a:bodyPr/>
+          <a:lstStyle/>
+          <a:p>
+            <a:endParaRPr lang="en-US" dirty="0"/>
+          </a:p>
+        </p:txBody>
+      </p:sp>
+      <p:sp>
+        <p:nvSpPr>
+          <p:cNvPr id="4" name="Slide Number Placeholder 3">
+            <a:extLst>
+              <a:ext uri="{FF2B5EF4-FFF2-40B4-BE49-F238E27FC236}">
+                <a16:creationId xmlns:a16="http://schemas.microsoft.com/office/drawing/2014/main" id="{017C080D-B326-7508-5260-9D0CD8BDFFAE}"/>
+              </a:ext>
+            </a:extLst>
+          </p:cNvPr>
+          <p:cNvSpPr>
+            <a:spLocks noGrp="1"/>
+          </p:cNvSpPr>
+          <p:nvPr>
+            <p:ph type="sldNum" sz="quarter" idx="5"/>
+          </p:nvPr>
+        </p:nvSpPr>
+        <p:spPr/>
+        <p:txBody>
+          <a:bodyPr/>
+          <a:lstStyle/>
+          <a:p>
+            <a:fld id="{139A45AF-05CC-EE4A-A237-5C8AF9F12E6C}" type="slidenum">
+              <a:rPr lang="en-US" smtClean="0"/>
+              <a:t>12</a:t>
+            </a:fld>
+            <a:endParaRPr lang="en-US"/>
+          </a:p>
+        </p:txBody>
+      </p:sp>
+    </p:spTree>
+    <p:extLst>
+      <p:ext uri="{BB962C8B-B14F-4D97-AF65-F5344CB8AC3E}">
+        <p14:creationId xmlns:p14="http://schemas.microsoft.com/office/powerpoint/2010/main" val="1361589240"/>
       </p:ext>
     </p:extLst>
   </p:cSld>
@@ -3923,7 +5026,2182 @@
 </p:sld>
 </file>
 
+<file path=ppt/slides/slide10.xml><?xml version="1.0" encoding="utf-8"?>
+<p:sld xmlns:a="http://schemas.openxmlformats.org/drawingml/2006/main" xmlns:r="http://schemas.openxmlformats.org/officeDocument/2006/relationships" xmlns:p="http://schemas.openxmlformats.org/presentationml/2006/main">
+  <p:cSld>
+    <p:spTree>
+      <p:nvGrpSpPr>
+        <p:cNvPr id="1" name="">
+          <a:extLst>
+            <a:ext uri="{FF2B5EF4-FFF2-40B4-BE49-F238E27FC236}">
+              <a16:creationId xmlns:a16="http://schemas.microsoft.com/office/drawing/2014/main" id="{015409A6-D05D-AD64-7E4F-3C97C08FBF66}"/>
+            </a:ext>
+          </a:extLst>
+        </p:cNvPr>
+        <p:cNvGrpSpPr/>
+        <p:nvPr/>
+      </p:nvGrpSpPr>
+      <p:grpSpPr>
+        <a:xfrm>
+          <a:off x="0" y="0"/>
+          <a:ext cx="0" cy="0"/>
+          <a:chOff x="0" y="0"/>
+          <a:chExt cx="0" cy="0"/>
+        </a:xfrm>
+      </p:grpSpPr>
+      <p:grpSp>
+        <p:nvGrpSpPr>
+          <p:cNvPr id="20" name="Group 19">
+            <a:extLst>
+              <a:ext uri="{FF2B5EF4-FFF2-40B4-BE49-F238E27FC236}">
+                <a16:creationId xmlns:a16="http://schemas.microsoft.com/office/drawing/2014/main" id="{796C1FBD-14A5-AC73-311E-38DBB9F9DC26}"/>
+              </a:ext>
+            </a:extLst>
+          </p:cNvPr>
+          <p:cNvGrpSpPr/>
+          <p:nvPr/>
+        </p:nvGrpSpPr>
+        <p:grpSpPr>
+          <a:xfrm>
+            <a:off x="0" y="0"/>
+            <a:ext cx="12192000" cy="6858000"/>
+            <a:chOff x="0" y="0"/>
+            <a:chExt cx="12192000" cy="6858000"/>
+          </a:xfrm>
+        </p:grpSpPr>
+        <p:sp>
+          <p:nvSpPr>
+            <p:cNvPr id="9" name="TextBox 8">
+              <a:extLst>
+                <a:ext uri="{FF2B5EF4-FFF2-40B4-BE49-F238E27FC236}">
+                  <a16:creationId xmlns:a16="http://schemas.microsoft.com/office/drawing/2014/main" id="{C789FA67-CDE5-8E89-F0CD-EC688136F722}"/>
+                </a:ext>
+              </a:extLst>
+            </p:cNvPr>
+            <p:cNvSpPr txBox="1"/>
+            <p:nvPr/>
+          </p:nvSpPr>
+          <p:spPr>
+            <a:xfrm>
+              <a:off x="325120" y="0"/>
+              <a:ext cx="11866880" cy="584775"/>
+            </a:xfrm>
+            <a:prstGeom prst="rect">
+              <a:avLst/>
+            </a:prstGeom>
+            <a:noFill/>
+          </p:spPr>
+          <p:txBody>
+            <a:bodyPr wrap="square" rtlCol="0">
+              <a:spAutoFit/>
+            </a:bodyPr>
+            <a:lstStyle/>
+            <a:p>
+              <a:r>
+                <a:rPr lang="en-US" sz="3200" b="1" dirty="0">
+                  <a:solidFill>
+                    <a:schemeClr val="accent1">
+                      <a:lumMod val="75000"/>
+                    </a:schemeClr>
+                  </a:solidFill>
+                </a:rPr>
+                <a:t>Recommendations</a:t>
+              </a:r>
+            </a:p>
+          </p:txBody>
+        </p:sp>
+        <p:cxnSp>
+          <p:nvCxnSpPr>
+            <p:cNvPr id="13" name="Straight Connector 12">
+              <a:extLst>
+                <a:ext uri="{FF2B5EF4-FFF2-40B4-BE49-F238E27FC236}">
+                  <a16:creationId xmlns:a16="http://schemas.microsoft.com/office/drawing/2014/main" id="{D66CD1EE-B902-AD52-CF2D-B8B5E133EF55}"/>
+                </a:ext>
+              </a:extLst>
+            </p:cNvPr>
+            <p:cNvCxnSpPr>
+              <a:cxnSpLocks/>
+            </p:cNvCxnSpPr>
+            <p:nvPr/>
+          </p:nvCxnSpPr>
+          <p:spPr>
+            <a:xfrm>
+              <a:off x="81280" y="538480"/>
+              <a:ext cx="12110720" cy="0"/>
+            </a:xfrm>
+            <a:prstGeom prst="line">
+              <a:avLst/>
+            </a:prstGeom>
+            <a:ln>
+              <a:solidFill>
+                <a:schemeClr val="tx2">
+                  <a:lumMod val="10000"/>
+                  <a:lumOff val="90000"/>
+                </a:schemeClr>
+              </a:solidFill>
+            </a:ln>
+          </p:spPr>
+          <p:style>
+            <a:lnRef idx="2">
+              <a:schemeClr val="accent1"/>
+            </a:lnRef>
+            <a:fillRef idx="0">
+              <a:schemeClr val="accent1"/>
+            </a:fillRef>
+            <a:effectRef idx="1">
+              <a:schemeClr val="accent1"/>
+            </a:effectRef>
+            <a:fontRef idx="minor">
+              <a:schemeClr val="tx1"/>
+            </a:fontRef>
+          </p:style>
+        </p:cxnSp>
+        <p:sp>
+          <p:nvSpPr>
+            <p:cNvPr id="15" name="Rectangle 14">
+              <a:extLst>
+                <a:ext uri="{FF2B5EF4-FFF2-40B4-BE49-F238E27FC236}">
+                  <a16:creationId xmlns:a16="http://schemas.microsoft.com/office/drawing/2014/main" id="{451E43A5-A792-E6A9-8B0A-6193AA794BE7}"/>
+                </a:ext>
+              </a:extLst>
+            </p:cNvPr>
+            <p:cNvSpPr/>
+            <p:nvPr/>
+          </p:nvSpPr>
+          <p:spPr>
+            <a:xfrm>
+              <a:off x="0" y="0"/>
+              <a:ext cx="325120" cy="6858000"/>
+            </a:xfrm>
+            <a:prstGeom prst="rect">
+              <a:avLst/>
+            </a:prstGeom>
+            <a:gradFill flip="none" rotWithShape="1">
+              <a:gsLst>
+                <a:gs pos="0">
+                  <a:schemeClr val="accent1">
+                    <a:tint val="66000"/>
+                    <a:satMod val="160000"/>
+                  </a:schemeClr>
+                </a:gs>
+                <a:gs pos="50000">
+                  <a:schemeClr val="accent1">
+                    <a:tint val="44500"/>
+                    <a:satMod val="160000"/>
+                  </a:schemeClr>
+                </a:gs>
+                <a:gs pos="100000">
+                  <a:schemeClr val="accent1">
+                    <a:tint val="23500"/>
+                    <a:satMod val="160000"/>
+                  </a:schemeClr>
+                </a:gs>
+              </a:gsLst>
+              <a:lin ang="2700000" scaled="1"/>
+              <a:tileRect/>
+            </a:gradFill>
+            <a:ln>
+              <a:noFill/>
+            </a:ln>
+          </p:spPr>
+          <p:style>
+            <a:lnRef idx="2">
+              <a:schemeClr val="accent1">
+                <a:shade val="15000"/>
+              </a:schemeClr>
+            </a:lnRef>
+            <a:fillRef idx="1">
+              <a:schemeClr val="accent1"/>
+            </a:fillRef>
+            <a:effectRef idx="0">
+              <a:schemeClr val="accent1"/>
+            </a:effectRef>
+            <a:fontRef idx="minor">
+              <a:schemeClr val="lt1"/>
+            </a:fontRef>
+          </p:style>
+          <p:txBody>
+            <a:bodyPr rtlCol="0" anchor="ctr"/>
+            <a:lstStyle/>
+            <a:p>
+              <a:pPr algn="ctr"/>
+              <a:endParaRPr lang="en-US"/>
+            </a:p>
+          </p:txBody>
+        </p:sp>
+        <p:cxnSp>
+          <p:nvCxnSpPr>
+            <p:cNvPr id="17" name="Straight Connector 16">
+              <a:extLst>
+                <a:ext uri="{FF2B5EF4-FFF2-40B4-BE49-F238E27FC236}">
+                  <a16:creationId xmlns:a16="http://schemas.microsoft.com/office/drawing/2014/main" id="{1F0E744D-E763-4E27-964E-F7B57CE7D421}"/>
+                </a:ext>
+              </a:extLst>
+            </p:cNvPr>
+            <p:cNvCxnSpPr>
+              <a:cxnSpLocks/>
+            </p:cNvCxnSpPr>
+            <p:nvPr/>
+          </p:nvCxnSpPr>
+          <p:spPr>
+            <a:xfrm>
+              <a:off x="325120" y="523815"/>
+              <a:ext cx="11866880" cy="0"/>
+            </a:xfrm>
+            <a:prstGeom prst="line">
+              <a:avLst/>
+            </a:prstGeom>
+            <a:ln w="6350">
+              <a:solidFill>
+                <a:schemeClr val="accent1">
+                  <a:lumMod val="75000"/>
+                </a:schemeClr>
+              </a:solidFill>
+            </a:ln>
+          </p:spPr>
+          <p:style>
+            <a:lnRef idx="2">
+              <a:schemeClr val="accent1"/>
+            </a:lnRef>
+            <a:fillRef idx="0">
+              <a:schemeClr val="accent1"/>
+            </a:fillRef>
+            <a:effectRef idx="1">
+              <a:schemeClr val="accent1"/>
+            </a:effectRef>
+            <a:fontRef idx="minor">
+              <a:schemeClr val="tx1"/>
+            </a:fontRef>
+          </p:style>
+        </p:cxnSp>
+        <p:cxnSp>
+          <p:nvCxnSpPr>
+            <p:cNvPr id="19" name="Straight Connector 18">
+              <a:extLst>
+                <a:ext uri="{FF2B5EF4-FFF2-40B4-BE49-F238E27FC236}">
+                  <a16:creationId xmlns:a16="http://schemas.microsoft.com/office/drawing/2014/main" id="{CE2242D6-DC06-C4FF-8646-04A6C8B3D02E}"/>
+                </a:ext>
+              </a:extLst>
+            </p:cNvPr>
+            <p:cNvCxnSpPr>
+              <a:cxnSpLocks/>
+            </p:cNvCxnSpPr>
+            <p:nvPr/>
+          </p:nvCxnSpPr>
+          <p:spPr>
+            <a:xfrm>
+              <a:off x="325120" y="554295"/>
+              <a:ext cx="11866880" cy="0"/>
+            </a:xfrm>
+            <a:prstGeom prst="line">
+              <a:avLst/>
+            </a:prstGeom>
+            <a:ln w="6350">
+              <a:solidFill>
+                <a:schemeClr val="accent1">
+                  <a:lumMod val="75000"/>
+                </a:schemeClr>
+              </a:solidFill>
+            </a:ln>
+          </p:spPr>
+          <p:style>
+            <a:lnRef idx="2">
+              <a:schemeClr val="accent1"/>
+            </a:lnRef>
+            <a:fillRef idx="0">
+              <a:schemeClr val="accent1"/>
+            </a:fillRef>
+            <a:effectRef idx="1">
+              <a:schemeClr val="accent1"/>
+            </a:effectRef>
+            <a:fontRef idx="minor">
+              <a:schemeClr val="tx1"/>
+            </a:fontRef>
+          </p:style>
+        </p:cxnSp>
+      </p:grpSp>
+    </p:spTree>
+    <p:extLst>
+      <p:ext uri="{BB962C8B-B14F-4D97-AF65-F5344CB8AC3E}">
+        <p14:creationId xmlns:p14="http://schemas.microsoft.com/office/powerpoint/2010/main" val="3233754104"/>
+      </p:ext>
+    </p:extLst>
+  </p:cSld>
+  <p:clrMapOvr>
+    <a:masterClrMapping/>
+  </p:clrMapOvr>
+</p:sld>
+</file>
+
+<file path=ppt/slides/slide11.xml><?xml version="1.0" encoding="utf-8"?>
+<p:sld xmlns:a="http://schemas.openxmlformats.org/drawingml/2006/main" xmlns:r="http://schemas.openxmlformats.org/officeDocument/2006/relationships" xmlns:p="http://schemas.openxmlformats.org/presentationml/2006/main">
+  <p:cSld>
+    <p:spTree>
+      <p:nvGrpSpPr>
+        <p:cNvPr id="1" name="">
+          <a:extLst>
+            <a:ext uri="{FF2B5EF4-FFF2-40B4-BE49-F238E27FC236}">
+              <a16:creationId xmlns:a16="http://schemas.microsoft.com/office/drawing/2014/main" id="{70BB40C5-C388-8904-4C17-8924CCCA25A4}"/>
+            </a:ext>
+          </a:extLst>
+        </p:cNvPr>
+        <p:cNvGrpSpPr/>
+        <p:nvPr/>
+      </p:nvGrpSpPr>
+      <p:grpSpPr>
+        <a:xfrm>
+          <a:off x="0" y="0"/>
+          <a:ext cx="0" cy="0"/>
+          <a:chOff x="0" y="0"/>
+          <a:chExt cx="0" cy="0"/>
+        </a:xfrm>
+      </p:grpSpPr>
+      <p:grpSp>
+        <p:nvGrpSpPr>
+          <p:cNvPr id="20" name="Group 19">
+            <a:extLst>
+              <a:ext uri="{FF2B5EF4-FFF2-40B4-BE49-F238E27FC236}">
+                <a16:creationId xmlns:a16="http://schemas.microsoft.com/office/drawing/2014/main" id="{DA4DF4E4-2B67-9302-CC31-234D9D7086C1}"/>
+              </a:ext>
+            </a:extLst>
+          </p:cNvPr>
+          <p:cNvGrpSpPr/>
+          <p:nvPr/>
+        </p:nvGrpSpPr>
+        <p:grpSpPr>
+          <a:xfrm>
+            <a:off x="0" y="0"/>
+            <a:ext cx="12192000" cy="6858000"/>
+            <a:chOff x="0" y="0"/>
+            <a:chExt cx="12192000" cy="6858000"/>
+          </a:xfrm>
+        </p:grpSpPr>
+        <p:sp>
+          <p:nvSpPr>
+            <p:cNvPr id="9" name="TextBox 8">
+              <a:extLst>
+                <a:ext uri="{FF2B5EF4-FFF2-40B4-BE49-F238E27FC236}">
+                  <a16:creationId xmlns:a16="http://schemas.microsoft.com/office/drawing/2014/main" id="{0770EDEE-540C-18B1-6DB1-2A648258B014}"/>
+                </a:ext>
+              </a:extLst>
+            </p:cNvPr>
+            <p:cNvSpPr txBox="1"/>
+            <p:nvPr/>
+          </p:nvSpPr>
+          <p:spPr>
+            <a:xfrm>
+              <a:off x="325120" y="0"/>
+              <a:ext cx="11866880" cy="584775"/>
+            </a:xfrm>
+            <a:prstGeom prst="rect">
+              <a:avLst/>
+            </a:prstGeom>
+            <a:noFill/>
+          </p:spPr>
+          <p:txBody>
+            <a:bodyPr wrap="square" rtlCol="0">
+              <a:spAutoFit/>
+            </a:bodyPr>
+            <a:lstStyle/>
+            <a:p>
+              <a:r>
+                <a:rPr lang="en-US" sz="3200" b="1" dirty="0">
+                  <a:solidFill>
+                    <a:schemeClr val="accent1">
+                      <a:lumMod val="75000"/>
+                    </a:schemeClr>
+                  </a:solidFill>
+                </a:rPr>
+                <a:t>Limitations &amp; Next Steps</a:t>
+              </a:r>
+            </a:p>
+          </p:txBody>
+        </p:sp>
+        <p:cxnSp>
+          <p:nvCxnSpPr>
+            <p:cNvPr id="13" name="Straight Connector 12">
+              <a:extLst>
+                <a:ext uri="{FF2B5EF4-FFF2-40B4-BE49-F238E27FC236}">
+                  <a16:creationId xmlns:a16="http://schemas.microsoft.com/office/drawing/2014/main" id="{8F5D2EDD-F389-7F81-7AD4-6667CC67A550}"/>
+                </a:ext>
+              </a:extLst>
+            </p:cNvPr>
+            <p:cNvCxnSpPr>
+              <a:cxnSpLocks/>
+            </p:cNvCxnSpPr>
+            <p:nvPr/>
+          </p:nvCxnSpPr>
+          <p:spPr>
+            <a:xfrm>
+              <a:off x="81280" y="538480"/>
+              <a:ext cx="12110720" cy="0"/>
+            </a:xfrm>
+            <a:prstGeom prst="line">
+              <a:avLst/>
+            </a:prstGeom>
+            <a:ln>
+              <a:solidFill>
+                <a:schemeClr val="tx2">
+                  <a:lumMod val="10000"/>
+                  <a:lumOff val="90000"/>
+                </a:schemeClr>
+              </a:solidFill>
+            </a:ln>
+          </p:spPr>
+          <p:style>
+            <a:lnRef idx="2">
+              <a:schemeClr val="accent1"/>
+            </a:lnRef>
+            <a:fillRef idx="0">
+              <a:schemeClr val="accent1"/>
+            </a:fillRef>
+            <a:effectRef idx="1">
+              <a:schemeClr val="accent1"/>
+            </a:effectRef>
+            <a:fontRef idx="minor">
+              <a:schemeClr val="tx1"/>
+            </a:fontRef>
+          </p:style>
+        </p:cxnSp>
+        <p:sp>
+          <p:nvSpPr>
+            <p:cNvPr id="15" name="Rectangle 14">
+              <a:extLst>
+                <a:ext uri="{FF2B5EF4-FFF2-40B4-BE49-F238E27FC236}">
+                  <a16:creationId xmlns:a16="http://schemas.microsoft.com/office/drawing/2014/main" id="{803898EE-D1AF-EBD9-097D-119C9EACE41B}"/>
+                </a:ext>
+              </a:extLst>
+            </p:cNvPr>
+            <p:cNvSpPr/>
+            <p:nvPr/>
+          </p:nvSpPr>
+          <p:spPr>
+            <a:xfrm>
+              <a:off x="0" y="0"/>
+              <a:ext cx="325120" cy="6858000"/>
+            </a:xfrm>
+            <a:prstGeom prst="rect">
+              <a:avLst/>
+            </a:prstGeom>
+            <a:gradFill flip="none" rotWithShape="1">
+              <a:gsLst>
+                <a:gs pos="0">
+                  <a:schemeClr val="accent1">
+                    <a:tint val="66000"/>
+                    <a:satMod val="160000"/>
+                  </a:schemeClr>
+                </a:gs>
+                <a:gs pos="50000">
+                  <a:schemeClr val="accent1">
+                    <a:tint val="44500"/>
+                    <a:satMod val="160000"/>
+                  </a:schemeClr>
+                </a:gs>
+                <a:gs pos="100000">
+                  <a:schemeClr val="accent1">
+                    <a:tint val="23500"/>
+                    <a:satMod val="160000"/>
+                  </a:schemeClr>
+                </a:gs>
+              </a:gsLst>
+              <a:lin ang="2700000" scaled="1"/>
+              <a:tileRect/>
+            </a:gradFill>
+            <a:ln>
+              <a:noFill/>
+            </a:ln>
+          </p:spPr>
+          <p:style>
+            <a:lnRef idx="2">
+              <a:schemeClr val="accent1">
+                <a:shade val="15000"/>
+              </a:schemeClr>
+            </a:lnRef>
+            <a:fillRef idx="1">
+              <a:schemeClr val="accent1"/>
+            </a:fillRef>
+            <a:effectRef idx="0">
+              <a:schemeClr val="accent1"/>
+            </a:effectRef>
+            <a:fontRef idx="minor">
+              <a:schemeClr val="lt1"/>
+            </a:fontRef>
+          </p:style>
+          <p:txBody>
+            <a:bodyPr rtlCol="0" anchor="ctr"/>
+            <a:lstStyle/>
+            <a:p>
+              <a:pPr algn="ctr"/>
+              <a:endParaRPr lang="en-US"/>
+            </a:p>
+          </p:txBody>
+        </p:sp>
+        <p:cxnSp>
+          <p:nvCxnSpPr>
+            <p:cNvPr id="17" name="Straight Connector 16">
+              <a:extLst>
+                <a:ext uri="{FF2B5EF4-FFF2-40B4-BE49-F238E27FC236}">
+                  <a16:creationId xmlns:a16="http://schemas.microsoft.com/office/drawing/2014/main" id="{E6C8D6CA-3B06-E48A-B8F2-477D5D8E7BC4}"/>
+                </a:ext>
+              </a:extLst>
+            </p:cNvPr>
+            <p:cNvCxnSpPr>
+              <a:cxnSpLocks/>
+            </p:cNvCxnSpPr>
+            <p:nvPr/>
+          </p:nvCxnSpPr>
+          <p:spPr>
+            <a:xfrm>
+              <a:off x="325120" y="523815"/>
+              <a:ext cx="11866880" cy="0"/>
+            </a:xfrm>
+            <a:prstGeom prst="line">
+              <a:avLst/>
+            </a:prstGeom>
+            <a:ln w="6350">
+              <a:solidFill>
+                <a:schemeClr val="accent1">
+                  <a:lumMod val="75000"/>
+                </a:schemeClr>
+              </a:solidFill>
+            </a:ln>
+          </p:spPr>
+          <p:style>
+            <a:lnRef idx="2">
+              <a:schemeClr val="accent1"/>
+            </a:lnRef>
+            <a:fillRef idx="0">
+              <a:schemeClr val="accent1"/>
+            </a:fillRef>
+            <a:effectRef idx="1">
+              <a:schemeClr val="accent1"/>
+            </a:effectRef>
+            <a:fontRef idx="minor">
+              <a:schemeClr val="tx1"/>
+            </a:fontRef>
+          </p:style>
+        </p:cxnSp>
+        <p:cxnSp>
+          <p:nvCxnSpPr>
+            <p:cNvPr id="19" name="Straight Connector 18">
+              <a:extLst>
+                <a:ext uri="{FF2B5EF4-FFF2-40B4-BE49-F238E27FC236}">
+                  <a16:creationId xmlns:a16="http://schemas.microsoft.com/office/drawing/2014/main" id="{9A4683D8-C726-5823-7C8F-18D74A08D06B}"/>
+                </a:ext>
+              </a:extLst>
+            </p:cNvPr>
+            <p:cNvCxnSpPr>
+              <a:cxnSpLocks/>
+            </p:cNvCxnSpPr>
+            <p:nvPr/>
+          </p:nvCxnSpPr>
+          <p:spPr>
+            <a:xfrm>
+              <a:off x="325120" y="554295"/>
+              <a:ext cx="11866880" cy="0"/>
+            </a:xfrm>
+            <a:prstGeom prst="line">
+              <a:avLst/>
+            </a:prstGeom>
+            <a:ln w="6350">
+              <a:solidFill>
+                <a:schemeClr val="accent1">
+                  <a:lumMod val="75000"/>
+                </a:schemeClr>
+              </a:solidFill>
+            </a:ln>
+          </p:spPr>
+          <p:style>
+            <a:lnRef idx="2">
+              <a:schemeClr val="accent1"/>
+            </a:lnRef>
+            <a:fillRef idx="0">
+              <a:schemeClr val="accent1"/>
+            </a:fillRef>
+            <a:effectRef idx="1">
+              <a:schemeClr val="accent1"/>
+            </a:effectRef>
+            <a:fontRef idx="minor">
+              <a:schemeClr val="tx1"/>
+            </a:fontRef>
+          </p:style>
+        </p:cxnSp>
+      </p:grpSp>
+    </p:spTree>
+    <p:extLst>
+      <p:ext uri="{BB962C8B-B14F-4D97-AF65-F5344CB8AC3E}">
+        <p14:creationId xmlns:p14="http://schemas.microsoft.com/office/powerpoint/2010/main" val="1820383644"/>
+      </p:ext>
+    </p:extLst>
+  </p:cSld>
+  <p:clrMapOvr>
+    <a:masterClrMapping/>
+  </p:clrMapOvr>
+</p:sld>
+</file>
+
+<file path=ppt/slides/slide12.xml><?xml version="1.0" encoding="utf-8"?>
+<p:sld xmlns:a="http://schemas.openxmlformats.org/drawingml/2006/main" xmlns:r="http://schemas.openxmlformats.org/officeDocument/2006/relationships" xmlns:p="http://schemas.openxmlformats.org/presentationml/2006/main">
+  <p:cSld>
+    <p:spTree>
+      <p:nvGrpSpPr>
+        <p:cNvPr id="1" name="">
+          <a:extLst>
+            <a:ext uri="{FF2B5EF4-FFF2-40B4-BE49-F238E27FC236}">
+              <a16:creationId xmlns:a16="http://schemas.microsoft.com/office/drawing/2014/main" id="{292737CD-BD34-6640-284C-0EC6FE022F5F}"/>
+            </a:ext>
+          </a:extLst>
+        </p:cNvPr>
+        <p:cNvGrpSpPr/>
+        <p:nvPr/>
+      </p:nvGrpSpPr>
+      <p:grpSpPr>
+        <a:xfrm>
+          <a:off x="0" y="0"/>
+          <a:ext cx="0" cy="0"/>
+          <a:chOff x="0" y="0"/>
+          <a:chExt cx="0" cy="0"/>
+        </a:xfrm>
+      </p:grpSpPr>
+      <p:grpSp>
+        <p:nvGrpSpPr>
+          <p:cNvPr id="20" name="Group 19">
+            <a:extLst>
+              <a:ext uri="{FF2B5EF4-FFF2-40B4-BE49-F238E27FC236}">
+                <a16:creationId xmlns:a16="http://schemas.microsoft.com/office/drawing/2014/main" id="{F879E612-06B6-8B5D-BE8B-F06F13666AC2}"/>
+              </a:ext>
+            </a:extLst>
+          </p:cNvPr>
+          <p:cNvGrpSpPr/>
+          <p:nvPr/>
+        </p:nvGrpSpPr>
+        <p:grpSpPr>
+          <a:xfrm>
+            <a:off x="0" y="0"/>
+            <a:ext cx="12192000" cy="6858000"/>
+            <a:chOff x="0" y="0"/>
+            <a:chExt cx="12192000" cy="6858000"/>
+          </a:xfrm>
+        </p:grpSpPr>
+        <p:sp>
+          <p:nvSpPr>
+            <p:cNvPr id="9" name="TextBox 8">
+              <a:extLst>
+                <a:ext uri="{FF2B5EF4-FFF2-40B4-BE49-F238E27FC236}">
+                  <a16:creationId xmlns:a16="http://schemas.microsoft.com/office/drawing/2014/main" id="{D3697F0B-72AC-2145-C0A6-AF8F7C7FB2BE}"/>
+                </a:ext>
+              </a:extLst>
+            </p:cNvPr>
+            <p:cNvSpPr txBox="1"/>
+            <p:nvPr/>
+          </p:nvSpPr>
+          <p:spPr>
+            <a:xfrm>
+              <a:off x="325120" y="0"/>
+              <a:ext cx="11866880" cy="584775"/>
+            </a:xfrm>
+            <a:prstGeom prst="rect">
+              <a:avLst/>
+            </a:prstGeom>
+            <a:noFill/>
+          </p:spPr>
+          <p:txBody>
+            <a:bodyPr wrap="square" rtlCol="0">
+              <a:spAutoFit/>
+            </a:bodyPr>
+            <a:lstStyle/>
+            <a:p>
+              <a:r>
+                <a:rPr lang="en-US" sz="3200" b="1" dirty="0">
+                  <a:solidFill>
+                    <a:schemeClr val="accent1">
+                      <a:lumMod val="75000"/>
+                    </a:schemeClr>
+                  </a:solidFill>
+                </a:rPr>
+                <a:t>Conclusion</a:t>
+              </a:r>
+            </a:p>
+          </p:txBody>
+        </p:sp>
+        <p:cxnSp>
+          <p:nvCxnSpPr>
+            <p:cNvPr id="13" name="Straight Connector 12">
+              <a:extLst>
+                <a:ext uri="{FF2B5EF4-FFF2-40B4-BE49-F238E27FC236}">
+                  <a16:creationId xmlns:a16="http://schemas.microsoft.com/office/drawing/2014/main" id="{9494AD4A-921F-46E9-ABF3-9CE4C581704E}"/>
+                </a:ext>
+              </a:extLst>
+            </p:cNvPr>
+            <p:cNvCxnSpPr>
+              <a:cxnSpLocks/>
+            </p:cNvCxnSpPr>
+            <p:nvPr/>
+          </p:nvCxnSpPr>
+          <p:spPr>
+            <a:xfrm>
+              <a:off x="81280" y="538480"/>
+              <a:ext cx="12110720" cy="0"/>
+            </a:xfrm>
+            <a:prstGeom prst="line">
+              <a:avLst/>
+            </a:prstGeom>
+            <a:ln>
+              <a:solidFill>
+                <a:schemeClr val="tx2">
+                  <a:lumMod val="10000"/>
+                  <a:lumOff val="90000"/>
+                </a:schemeClr>
+              </a:solidFill>
+            </a:ln>
+          </p:spPr>
+          <p:style>
+            <a:lnRef idx="2">
+              <a:schemeClr val="accent1"/>
+            </a:lnRef>
+            <a:fillRef idx="0">
+              <a:schemeClr val="accent1"/>
+            </a:fillRef>
+            <a:effectRef idx="1">
+              <a:schemeClr val="accent1"/>
+            </a:effectRef>
+            <a:fontRef idx="minor">
+              <a:schemeClr val="tx1"/>
+            </a:fontRef>
+          </p:style>
+        </p:cxnSp>
+        <p:sp>
+          <p:nvSpPr>
+            <p:cNvPr id="15" name="Rectangle 14">
+              <a:extLst>
+                <a:ext uri="{FF2B5EF4-FFF2-40B4-BE49-F238E27FC236}">
+                  <a16:creationId xmlns:a16="http://schemas.microsoft.com/office/drawing/2014/main" id="{0846D333-9278-2398-E403-86035EABA8A0}"/>
+                </a:ext>
+              </a:extLst>
+            </p:cNvPr>
+            <p:cNvSpPr/>
+            <p:nvPr/>
+          </p:nvSpPr>
+          <p:spPr>
+            <a:xfrm>
+              <a:off x="0" y="0"/>
+              <a:ext cx="325120" cy="6858000"/>
+            </a:xfrm>
+            <a:prstGeom prst="rect">
+              <a:avLst/>
+            </a:prstGeom>
+            <a:gradFill flip="none" rotWithShape="1">
+              <a:gsLst>
+                <a:gs pos="0">
+                  <a:schemeClr val="accent1">
+                    <a:tint val="66000"/>
+                    <a:satMod val="160000"/>
+                  </a:schemeClr>
+                </a:gs>
+                <a:gs pos="50000">
+                  <a:schemeClr val="accent1">
+                    <a:tint val="44500"/>
+                    <a:satMod val="160000"/>
+                  </a:schemeClr>
+                </a:gs>
+                <a:gs pos="100000">
+                  <a:schemeClr val="accent1">
+                    <a:tint val="23500"/>
+                    <a:satMod val="160000"/>
+                  </a:schemeClr>
+                </a:gs>
+              </a:gsLst>
+              <a:lin ang="2700000" scaled="1"/>
+              <a:tileRect/>
+            </a:gradFill>
+            <a:ln>
+              <a:noFill/>
+            </a:ln>
+          </p:spPr>
+          <p:style>
+            <a:lnRef idx="2">
+              <a:schemeClr val="accent1">
+                <a:shade val="15000"/>
+              </a:schemeClr>
+            </a:lnRef>
+            <a:fillRef idx="1">
+              <a:schemeClr val="accent1"/>
+            </a:fillRef>
+            <a:effectRef idx="0">
+              <a:schemeClr val="accent1"/>
+            </a:effectRef>
+            <a:fontRef idx="minor">
+              <a:schemeClr val="lt1"/>
+            </a:fontRef>
+          </p:style>
+          <p:txBody>
+            <a:bodyPr rtlCol="0" anchor="ctr"/>
+            <a:lstStyle/>
+            <a:p>
+              <a:pPr algn="ctr"/>
+              <a:endParaRPr lang="en-US"/>
+            </a:p>
+          </p:txBody>
+        </p:sp>
+        <p:cxnSp>
+          <p:nvCxnSpPr>
+            <p:cNvPr id="17" name="Straight Connector 16">
+              <a:extLst>
+                <a:ext uri="{FF2B5EF4-FFF2-40B4-BE49-F238E27FC236}">
+                  <a16:creationId xmlns:a16="http://schemas.microsoft.com/office/drawing/2014/main" id="{FDB549A1-A0D8-43CA-7D79-12F7955FA7A6}"/>
+                </a:ext>
+              </a:extLst>
+            </p:cNvPr>
+            <p:cNvCxnSpPr>
+              <a:cxnSpLocks/>
+            </p:cNvCxnSpPr>
+            <p:nvPr/>
+          </p:nvCxnSpPr>
+          <p:spPr>
+            <a:xfrm>
+              <a:off x="325120" y="523815"/>
+              <a:ext cx="11866880" cy="0"/>
+            </a:xfrm>
+            <a:prstGeom prst="line">
+              <a:avLst/>
+            </a:prstGeom>
+            <a:ln w="6350">
+              <a:solidFill>
+                <a:schemeClr val="accent1">
+                  <a:lumMod val="75000"/>
+                </a:schemeClr>
+              </a:solidFill>
+            </a:ln>
+          </p:spPr>
+          <p:style>
+            <a:lnRef idx="2">
+              <a:schemeClr val="accent1"/>
+            </a:lnRef>
+            <a:fillRef idx="0">
+              <a:schemeClr val="accent1"/>
+            </a:fillRef>
+            <a:effectRef idx="1">
+              <a:schemeClr val="accent1"/>
+            </a:effectRef>
+            <a:fontRef idx="minor">
+              <a:schemeClr val="tx1"/>
+            </a:fontRef>
+          </p:style>
+        </p:cxnSp>
+        <p:cxnSp>
+          <p:nvCxnSpPr>
+            <p:cNvPr id="19" name="Straight Connector 18">
+              <a:extLst>
+                <a:ext uri="{FF2B5EF4-FFF2-40B4-BE49-F238E27FC236}">
+                  <a16:creationId xmlns:a16="http://schemas.microsoft.com/office/drawing/2014/main" id="{672D13A9-9F62-754D-332D-98A86009256E}"/>
+                </a:ext>
+              </a:extLst>
+            </p:cNvPr>
+            <p:cNvCxnSpPr>
+              <a:cxnSpLocks/>
+            </p:cNvCxnSpPr>
+            <p:nvPr/>
+          </p:nvCxnSpPr>
+          <p:spPr>
+            <a:xfrm>
+              <a:off x="325120" y="554295"/>
+              <a:ext cx="11866880" cy="0"/>
+            </a:xfrm>
+            <a:prstGeom prst="line">
+              <a:avLst/>
+            </a:prstGeom>
+            <a:ln w="6350">
+              <a:solidFill>
+                <a:schemeClr val="accent1">
+                  <a:lumMod val="75000"/>
+                </a:schemeClr>
+              </a:solidFill>
+            </a:ln>
+          </p:spPr>
+          <p:style>
+            <a:lnRef idx="2">
+              <a:schemeClr val="accent1"/>
+            </a:lnRef>
+            <a:fillRef idx="0">
+              <a:schemeClr val="accent1"/>
+            </a:fillRef>
+            <a:effectRef idx="1">
+              <a:schemeClr val="accent1"/>
+            </a:effectRef>
+            <a:fontRef idx="minor">
+              <a:schemeClr val="tx1"/>
+            </a:fontRef>
+          </p:style>
+        </p:cxnSp>
+      </p:grpSp>
+    </p:spTree>
+    <p:extLst>
+      <p:ext uri="{BB962C8B-B14F-4D97-AF65-F5344CB8AC3E}">
+        <p14:creationId xmlns:p14="http://schemas.microsoft.com/office/powerpoint/2010/main" val="2821102980"/>
+      </p:ext>
+    </p:extLst>
+  </p:cSld>
+  <p:clrMapOvr>
+    <a:masterClrMapping/>
+  </p:clrMapOvr>
+</p:sld>
+</file>
+
+<file path=ppt/slides/slide13.xml><?xml version="1.0" encoding="utf-8"?>
+<p:sld xmlns:a="http://schemas.openxmlformats.org/drawingml/2006/main" xmlns:r="http://schemas.openxmlformats.org/officeDocument/2006/relationships" xmlns:p="http://schemas.openxmlformats.org/presentationml/2006/main">
+  <p:cSld>
+    <p:spTree>
+      <p:nvGrpSpPr>
+        <p:cNvPr id="1" name="">
+          <a:extLst>
+            <a:ext uri="{FF2B5EF4-FFF2-40B4-BE49-F238E27FC236}">
+              <a16:creationId xmlns:a16="http://schemas.microsoft.com/office/drawing/2014/main" id="{6A652032-858B-B2B0-61BF-B1C37276EE5D}"/>
+            </a:ext>
+          </a:extLst>
+        </p:cNvPr>
+        <p:cNvGrpSpPr/>
+        <p:nvPr/>
+      </p:nvGrpSpPr>
+      <p:grpSpPr>
+        <a:xfrm>
+          <a:off x="0" y="0"/>
+          <a:ext cx="0" cy="0"/>
+          <a:chOff x="0" y="0"/>
+          <a:chExt cx="0" cy="0"/>
+        </a:xfrm>
+      </p:grpSpPr>
+      <p:grpSp>
+        <p:nvGrpSpPr>
+          <p:cNvPr id="20" name="Group 19">
+            <a:extLst>
+              <a:ext uri="{FF2B5EF4-FFF2-40B4-BE49-F238E27FC236}">
+                <a16:creationId xmlns:a16="http://schemas.microsoft.com/office/drawing/2014/main" id="{FCFB99A1-9389-51D3-AF71-1FFC44C8B978}"/>
+              </a:ext>
+            </a:extLst>
+          </p:cNvPr>
+          <p:cNvGrpSpPr/>
+          <p:nvPr/>
+        </p:nvGrpSpPr>
+        <p:grpSpPr>
+          <a:xfrm>
+            <a:off x="0" y="0"/>
+            <a:ext cx="12192000" cy="6858000"/>
+            <a:chOff x="0" y="0"/>
+            <a:chExt cx="12192000" cy="6858000"/>
+          </a:xfrm>
+        </p:grpSpPr>
+        <p:sp>
+          <p:nvSpPr>
+            <p:cNvPr id="9" name="TextBox 8">
+              <a:extLst>
+                <a:ext uri="{FF2B5EF4-FFF2-40B4-BE49-F238E27FC236}">
+                  <a16:creationId xmlns:a16="http://schemas.microsoft.com/office/drawing/2014/main" id="{B6EBD41B-931F-C2A3-DC91-41C3B981FAA4}"/>
+                </a:ext>
+              </a:extLst>
+            </p:cNvPr>
+            <p:cNvSpPr txBox="1"/>
+            <p:nvPr/>
+          </p:nvSpPr>
+          <p:spPr>
+            <a:xfrm>
+              <a:off x="325120" y="0"/>
+              <a:ext cx="11866880" cy="584775"/>
+            </a:xfrm>
+            <a:prstGeom prst="rect">
+              <a:avLst/>
+            </a:prstGeom>
+            <a:noFill/>
+          </p:spPr>
+          <p:txBody>
+            <a:bodyPr wrap="square" rtlCol="0">
+              <a:spAutoFit/>
+            </a:bodyPr>
+            <a:lstStyle/>
+            <a:p>
+              <a:r>
+                <a:rPr lang="en-US" sz="3200" b="1" dirty="0">
+                  <a:solidFill>
+                    <a:schemeClr val="accent1">
+                      <a:lumMod val="75000"/>
+                    </a:schemeClr>
+                  </a:solidFill>
+                </a:rPr>
+                <a:t>Relating Lending Club to CCS Medical</a:t>
+              </a:r>
+            </a:p>
+          </p:txBody>
+        </p:sp>
+        <p:cxnSp>
+          <p:nvCxnSpPr>
+            <p:cNvPr id="13" name="Straight Connector 12">
+              <a:extLst>
+                <a:ext uri="{FF2B5EF4-FFF2-40B4-BE49-F238E27FC236}">
+                  <a16:creationId xmlns:a16="http://schemas.microsoft.com/office/drawing/2014/main" id="{E9AB97FB-AD60-E4B0-CCC0-7A83CE59C2ED}"/>
+                </a:ext>
+              </a:extLst>
+            </p:cNvPr>
+            <p:cNvCxnSpPr>
+              <a:cxnSpLocks/>
+            </p:cNvCxnSpPr>
+            <p:nvPr/>
+          </p:nvCxnSpPr>
+          <p:spPr>
+            <a:xfrm>
+              <a:off x="81280" y="538480"/>
+              <a:ext cx="12110720" cy="0"/>
+            </a:xfrm>
+            <a:prstGeom prst="line">
+              <a:avLst/>
+            </a:prstGeom>
+            <a:ln>
+              <a:solidFill>
+                <a:schemeClr val="tx2">
+                  <a:lumMod val="10000"/>
+                  <a:lumOff val="90000"/>
+                </a:schemeClr>
+              </a:solidFill>
+            </a:ln>
+          </p:spPr>
+          <p:style>
+            <a:lnRef idx="2">
+              <a:schemeClr val="accent1"/>
+            </a:lnRef>
+            <a:fillRef idx="0">
+              <a:schemeClr val="accent1"/>
+            </a:fillRef>
+            <a:effectRef idx="1">
+              <a:schemeClr val="accent1"/>
+            </a:effectRef>
+            <a:fontRef idx="minor">
+              <a:schemeClr val="tx1"/>
+            </a:fontRef>
+          </p:style>
+        </p:cxnSp>
+        <p:sp>
+          <p:nvSpPr>
+            <p:cNvPr id="15" name="Rectangle 14">
+              <a:extLst>
+                <a:ext uri="{FF2B5EF4-FFF2-40B4-BE49-F238E27FC236}">
+                  <a16:creationId xmlns:a16="http://schemas.microsoft.com/office/drawing/2014/main" id="{79221776-DBCC-017C-3CCF-C87D1E6AF8ED}"/>
+                </a:ext>
+              </a:extLst>
+            </p:cNvPr>
+            <p:cNvSpPr/>
+            <p:nvPr/>
+          </p:nvSpPr>
+          <p:spPr>
+            <a:xfrm>
+              <a:off x="0" y="0"/>
+              <a:ext cx="325120" cy="6858000"/>
+            </a:xfrm>
+            <a:prstGeom prst="rect">
+              <a:avLst/>
+            </a:prstGeom>
+            <a:gradFill flip="none" rotWithShape="1">
+              <a:gsLst>
+                <a:gs pos="0">
+                  <a:schemeClr val="accent1">
+                    <a:tint val="66000"/>
+                    <a:satMod val="160000"/>
+                  </a:schemeClr>
+                </a:gs>
+                <a:gs pos="50000">
+                  <a:schemeClr val="accent1">
+                    <a:tint val="44500"/>
+                    <a:satMod val="160000"/>
+                  </a:schemeClr>
+                </a:gs>
+                <a:gs pos="100000">
+                  <a:schemeClr val="accent1">
+                    <a:tint val="23500"/>
+                    <a:satMod val="160000"/>
+                  </a:schemeClr>
+                </a:gs>
+              </a:gsLst>
+              <a:lin ang="2700000" scaled="1"/>
+              <a:tileRect/>
+            </a:gradFill>
+            <a:ln>
+              <a:noFill/>
+            </a:ln>
+          </p:spPr>
+          <p:style>
+            <a:lnRef idx="2">
+              <a:schemeClr val="accent1">
+                <a:shade val="15000"/>
+              </a:schemeClr>
+            </a:lnRef>
+            <a:fillRef idx="1">
+              <a:schemeClr val="accent1"/>
+            </a:fillRef>
+            <a:effectRef idx="0">
+              <a:schemeClr val="accent1"/>
+            </a:effectRef>
+            <a:fontRef idx="minor">
+              <a:schemeClr val="lt1"/>
+            </a:fontRef>
+          </p:style>
+          <p:txBody>
+            <a:bodyPr rtlCol="0" anchor="ctr"/>
+            <a:lstStyle/>
+            <a:p>
+              <a:pPr algn="ctr"/>
+              <a:endParaRPr lang="en-US"/>
+            </a:p>
+          </p:txBody>
+        </p:sp>
+        <p:cxnSp>
+          <p:nvCxnSpPr>
+            <p:cNvPr id="17" name="Straight Connector 16">
+              <a:extLst>
+                <a:ext uri="{FF2B5EF4-FFF2-40B4-BE49-F238E27FC236}">
+                  <a16:creationId xmlns:a16="http://schemas.microsoft.com/office/drawing/2014/main" id="{D32B5975-B416-0753-703A-754DAAC350C0}"/>
+                </a:ext>
+              </a:extLst>
+            </p:cNvPr>
+            <p:cNvCxnSpPr>
+              <a:cxnSpLocks/>
+            </p:cNvCxnSpPr>
+            <p:nvPr/>
+          </p:nvCxnSpPr>
+          <p:spPr>
+            <a:xfrm>
+              <a:off x="325120" y="523815"/>
+              <a:ext cx="11866880" cy="0"/>
+            </a:xfrm>
+            <a:prstGeom prst="line">
+              <a:avLst/>
+            </a:prstGeom>
+            <a:ln w="6350">
+              <a:solidFill>
+                <a:schemeClr val="accent1">
+                  <a:lumMod val="75000"/>
+                </a:schemeClr>
+              </a:solidFill>
+            </a:ln>
+          </p:spPr>
+          <p:style>
+            <a:lnRef idx="2">
+              <a:schemeClr val="accent1"/>
+            </a:lnRef>
+            <a:fillRef idx="0">
+              <a:schemeClr val="accent1"/>
+            </a:fillRef>
+            <a:effectRef idx="1">
+              <a:schemeClr val="accent1"/>
+            </a:effectRef>
+            <a:fontRef idx="minor">
+              <a:schemeClr val="tx1"/>
+            </a:fontRef>
+          </p:style>
+        </p:cxnSp>
+        <p:cxnSp>
+          <p:nvCxnSpPr>
+            <p:cNvPr id="19" name="Straight Connector 18">
+              <a:extLst>
+                <a:ext uri="{FF2B5EF4-FFF2-40B4-BE49-F238E27FC236}">
+                  <a16:creationId xmlns:a16="http://schemas.microsoft.com/office/drawing/2014/main" id="{887A99B7-5C73-2479-CE7C-BDB57C0B5EA9}"/>
+                </a:ext>
+              </a:extLst>
+            </p:cNvPr>
+            <p:cNvCxnSpPr>
+              <a:cxnSpLocks/>
+            </p:cNvCxnSpPr>
+            <p:nvPr/>
+          </p:nvCxnSpPr>
+          <p:spPr>
+            <a:xfrm>
+              <a:off x="325120" y="554295"/>
+              <a:ext cx="11866880" cy="0"/>
+            </a:xfrm>
+            <a:prstGeom prst="line">
+              <a:avLst/>
+            </a:prstGeom>
+            <a:ln w="6350">
+              <a:solidFill>
+                <a:schemeClr val="accent1">
+                  <a:lumMod val="75000"/>
+                </a:schemeClr>
+              </a:solidFill>
+            </a:ln>
+          </p:spPr>
+          <p:style>
+            <a:lnRef idx="2">
+              <a:schemeClr val="accent1"/>
+            </a:lnRef>
+            <a:fillRef idx="0">
+              <a:schemeClr val="accent1"/>
+            </a:fillRef>
+            <a:effectRef idx="1">
+              <a:schemeClr val="accent1"/>
+            </a:effectRef>
+            <a:fontRef idx="minor">
+              <a:schemeClr val="tx1"/>
+            </a:fontRef>
+          </p:style>
+        </p:cxnSp>
+      </p:grpSp>
+      <p:sp>
+        <p:nvSpPr>
+          <p:cNvPr id="5" name="TextBox 4">
+            <a:extLst>
+              <a:ext uri="{FF2B5EF4-FFF2-40B4-BE49-F238E27FC236}">
+                <a16:creationId xmlns:a16="http://schemas.microsoft.com/office/drawing/2014/main" id="{53309F75-482E-4A37-EC88-0D34B18F8C2F}"/>
+              </a:ext>
+            </a:extLst>
+          </p:cNvPr>
+          <p:cNvSpPr txBox="1"/>
+          <p:nvPr/>
+        </p:nvSpPr>
+        <p:spPr>
+          <a:xfrm>
+            <a:off x="3055257" y="2126681"/>
+            <a:ext cx="6110514" cy="2031325"/>
+          </a:xfrm>
+          <a:prstGeom prst="rect">
+            <a:avLst/>
+          </a:prstGeom>
+          <a:noFill/>
+        </p:spPr>
+        <p:txBody>
+          <a:bodyPr wrap="square">
+            <a:spAutoFit/>
+          </a:bodyPr>
+          <a:lstStyle/>
+          <a:p>
+            <a:pPr>
+              <a:buNone/>
+            </a:pPr>
+            <a:r>
+              <a:rPr lang="en-US" dirty="0"/>
+              <a:t>Even though the dataset is Lending Club (finance), </a:t>
+            </a:r>
+            <a:r>
+              <a:rPr lang="en-US" b="1" dirty="0"/>
+              <a:t>frame your thinking like healthcare</a:t>
+            </a:r>
+            <a:r>
+              <a:rPr lang="en-US" dirty="0"/>
+              <a:t>:</a:t>
+            </a:r>
+          </a:p>
+          <a:p>
+            <a:pPr>
+              <a:buFont typeface="Arial" panose="020B0604020202020204" pitchFamily="34" charset="0"/>
+              <a:buChar char="•"/>
+            </a:pPr>
+            <a:r>
+              <a:rPr lang="en-US" dirty="0"/>
+              <a:t>Patients = Borrowers</a:t>
+            </a:r>
+          </a:p>
+          <a:p>
+            <a:pPr>
+              <a:buFont typeface="Arial" panose="020B0604020202020204" pitchFamily="34" charset="0"/>
+              <a:buChar char="•"/>
+            </a:pPr>
+            <a:r>
+              <a:rPr lang="en-US" dirty="0"/>
+              <a:t>Adherence / treatment outcomes = Loan repayment</a:t>
+            </a:r>
+          </a:p>
+          <a:p>
+            <a:pPr>
+              <a:buFont typeface="Arial" panose="020B0604020202020204" pitchFamily="34" charset="0"/>
+              <a:buChar char="•"/>
+            </a:pPr>
+            <a:r>
+              <a:rPr lang="en-US" dirty="0"/>
+              <a:t>Risk stratification = Default prediction</a:t>
+            </a:r>
+            <a:br>
+              <a:rPr lang="en-US" dirty="0"/>
+            </a:br>
+            <a:r>
+              <a:rPr lang="en-US" dirty="0"/>
+              <a:t>This will help them see how your skills translate to their domain (predicting health risks, treatment adherence, etc.).</a:t>
+            </a:r>
+          </a:p>
+        </p:txBody>
+      </p:sp>
+    </p:spTree>
+    <p:extLst>
+      <p:ext uri="{BB962C8B-B14F-4D97-AF65-F5344CB8AC3E}">
+        <p14:creationId xmlns:p14="http://schemas.microsoft.com/office/powerpoint/2010/main" val="745802428"/>
+      </p:ext>
+    </p:extLst>
+  </p:cSld>
+  <p:clrMapOvr>
+    <a:masterClrMapping/>
+  </p:clrMapOvr>
+</p:sld>
+</file>
+
+<file path=ppt/slides/slide14.xml><?xml version="1.0" encoding="utf-8"?>
+<p:sld xmlns:a="http://schemas.openxmlformats.org/drawingml/2006/main" xmlns:r="http://schemas.openxmlformats.org/officeDocument/2006/relationships" xmlns:p="http://schemas.openxmlformats.org/presentationml/2006/main">
+  <p:cSld>
+    <p:spTree>
+      <p:nvGrpSpPr>
+        <p:cNvPr id="1" name="">
+          <a:extLst>
+            <a:ext uri="{FF2B5EF4-FFF2-40B4-BE49-F238E27FC236}">
+              <a16:creationId xmlns:a16="http://schemas.microsoft.com/office/drawing/2014/main" id="{43CF3EB7-94F0-880E-FB1E-C2496718DF7A}"/>
+            </a:ext>
+          </a:extLst>
+        </p:cNvPr>
+        <p:cNvGrpSpPr/>
+        <p:nvPr/>
+      </p:nvGrpSpPr>
+      <p:grpSpPr>
+        <a:xfrm>
+          <a:off x="0" y="0"/>
+          <a:ext cx="0" cy="0"/>
+          <a:chOff x="0" y="0"/>
+          <a:chExt cx="0" cy="0"/>
+        </a:xfrm>
+      </p:grpSpPr>
+      <p:sp>
+        <p:nvSpPr>
+          <p:cNvPr id="2" name="Rectangle 1">
+            <a:extLst>
+              <a:ext uri="{FF2B5EF4-FFF2-40B4-BE49-F238E27FC236}">
+                <a16:creationId xmlns:a16="http://schemas.microsoft.com/office/drawing/2014/main" id="{5D509E3C-0759-4917-BA0C-7AE2E17F7CEE}"/>
+              </a:ext>
+            </a:extLst>
+          </p:cNvPr>
+          <p:cNvSpPr/>
+          <p:nvPr/>
+        </p:nvSpPr>
+        <p:spPr>
+          <a:xfrm>
+            <a:off x="0" y="0"/>
+            <a:ext cx="325120" cy="6858000"/>
+          </a:xfrm>
+          <a:prstGeom prst="rect">
+            <a:avLst/>
+          </a:prstGeom>
+          <a:gradFill flip="none" rotWithShape="1">
+            <a:gsLst>
+              <a:gs pos="0">
+                <a:schemeClr val="accent1">
+                  <a:tint val="66000"/>
+                  <a:satMod val="160000"/>
+                </a:schemeClr>
+              </a:gs>
+              <a:gs pos="50000">
+                <a:schemeClr val="accent1">
+                  <a:tint val="44500"/>
+                  <a:satMod val="160000"/>
+                </a:schemeClr>
+              </a:gs>
+              <a:gs pos="100000">
+                <a:schemeClr val="accent1">
+                  <a:tint val="23500"/>
+                  <a:satMod val="160000"/>
+                </a:schemeClr>
+              </a:gs>
+            </a:gsLst>
+            <a:lin ang="2700000" scaled="1"/>
+            <a:tileRect/>
+          </a:gradFill>
+          <a:ln>
+            <a:noFill/>
+          </a:ln>
+        </p:spPr>
+        <p:style>
+          <a:lnRef idx="2">
+            <a:schemeClr val="accent1">
+              <a:shade val="15000"/>
+            </a:schemeClr>
+          </a:lnRef>
+          <a:fillRef idx="1">
+            <a:schemeClr val="accent1"/>
+          </a:fillRef>
+          <a:effectRef idx="0">
+            <a:schemeClr val="accent1"/>
+          </a:effectRef>
+          <a:fontRef idx="minor">
+            <a:schemeClr val="lt1"/>
+          </a:fontRef>
+        </p:style>
+        <p:txBody>
+          <a:bodyPr rtlCol="0" anchor="ctr"/>
+          <a:lstStyle/>
+          <a:p>
+            <a:pPr algn="ctr"/>
+            <a:endParaRPr lang="en-US"/>
+          </a:p>
+        </p:txBody>
+      </p:sp>
+    </p:spTree>
+    <p:extLst>
+      <p:ext uri="{BB962C8B-B14F-4D97-AF65-F5344CB8AC3E}">
+        <p14:creationId xmlns:p14="http://schemas.microsoft.com/office/powerpoint/2010/main" val="1891136165"/>
+      </p:ext>
+    </p:extLst>
+  </p:cSld>
+  <p:clrMapOvr>
+    <a:masterClrMapping/>
+  </p:clrMapOvr>
+</p:sld>
+</file>
+
+<file path=ppt/slides/slide15.xml><?xml version="1.0" encoding="utf-8"?>
+<p:sld xmlns:a="http://schemas.openxmlformats.org/drawingml/2006/main" xmlns:r="http://schemas.openxmlformats.org/officeDocument/2006/relationships" xmlns:p="http://schemas.openxmlformats.org/presentationml/2006/main">
+  <p:cSld>
+    <p:spTree>
+      <p:nvGrpSpPr>
+        <p:cNvPr id="1" name="">
+          <a:extLst>
+            <a:ext uri="{FF2B5EF4-FFF2-40B4-BE49-F238E27FC236}">
+              <a16:creationId xmlns:a16="http://schemas.microsoft.com/office/drawing/2014/main" id="{E4227E44-766B-B13C-258F-597DBFA57568}"/>
+            </a:ext>
+          </a:extLst>
+        </p:cNvPr>
+        <p:cNvGrpSpPr/>
+        <p:nvPr/>
+      </p:nvGrpSpPr>
+      <p:grpSpPr>
+        <a:xfrm>
+          <a:off x="0" y="0"/>
+          <a:ext cx="0" cy="0"/>
+          <a:chOff x="0" y="0"/>
+          <a:chExt cx="0" cy="0"/>
+        </a:xfrm>
+      </p:grpSpPr>
+      <p:grpSp>
+        <p:nvGrpSpPr>
+          <p:cNvPr id="20" name="Group 19">
+            <a:extLst>
+              <a:ext uri="{FF2B5EF4-FFF2-40B4-BE49-F238E27FC236}">
+                <a16:creationId xmlns:a16="http://schemas.microsoft.com/office/drawing/2014/main" id="{9BB948E4-59B2-7821-953E-E26331CC1110}"/>
+              </a:ext>
+            </a:extLst>
+          </p:cNvPr>
+          <p:cNvGrpSpPr/>
+          <p:nvPr/>
+        </p:nvGrpSpPr>
+        <p:grpSpPr>
+          <a:xfrm>
+            <a:off x="0" y="0"/>
+            <a:ext cx="12192000" cy="6858000"/>
+            <a:chOff x="0" y="0"/>
+            <a:chExt cx="12192000" cy="6858000"/>
+          </a:xfrm>
+        </p:grpSpPr>
+        <p:sp>
+          <p:nvSpPr>
+            <p:cNvPr id="9" name="TextBox 8">
+              <a:extLst>
+                <a:ext uri="{FF2B5EF4-FFF2-40B4-BE49-F238E27FC236}">
+                  <a16:creationId xmlns:a16="http://schemas.microsoft.com/office/drawing/2014/main" id="{B27AB6D1-18F7-65D4-8BCF-1C048F453354}"/>
+                </a:ext>
+              </a:extLst>
+            </p:cNvPr>
+            <p:cNvSpPr txBox="1"/>
+            <p:nvPr/>
+          </p:nvSpPr>
+          <p:spPr>
+            <a:xfrm>
+              <a:off x="325120" y="0"/>
+              <a:ext cx="11866880" cy="584775"/>
+            </a:xfrm>
+            <a:prstGeom prst="rect">
+              <a:avLst/>
+            </a:prstGeom>
+            <a:noFill/>
+          </p:spPr>
+          <p:txBody>
+            <a:bodyPr wrap="square" rtlCol="0">
+              <a:spAutoFit/>
+            </a:bodyPr>
+            <a:lstStyle/>
+            <a:p>
+              <a:r>
+                <a:rPr lang="en-US" sz="3200" b="1" dirty="0">
+                  <a:solidFill>
+                    <a:schemeClr val="accent1">
+                      <a:lumMod val="75000"/>
+                    </a:schemeClr>
+                  </a:solidFill>
+                </a:rPr>
+                <a:t>Appendix</a:t>
+              </a:r>
+            </a:p>
+          </p:txBody>
+        </p:sp>
+        <p:cxnSp>
+          <p:nvCxnSpPr>
+            <p:cNvPr id="13" name="Straight Connector 12">
+              <a:extLst>
+                <a:ext uri="{FF2B5EF4-FFF2-40B4-BE49-F238E27FC236}">
+                  <a16:creationId xmlns:a16="http://schemas.microsoft.com/office/drawing/2014/main" id="{9B629826-983A-78AB-A50F-2C1FD7122BEA}"/>
+                </a:ext>
+              </a:extLst>
+            </p:cNvPr>
+            <p:cNvCxnSpPr>
+              <a:cxnSpLocks/>
+            </p:cNvCxnSpPr>
+            <p:nvPr/>
+          </p:nvCxnSpPr>
+          <p:spPr>
+            <a:xfrm>
+              <a:off x="81280" y="538480"/>
+              <a:ext cx="12110720" cy="0"/>
+            </a:xfrm>
+            <a:prstGeom prst="line">
+              <a:avLst/>
+            </a:prstGeom>
+            <a:ln>
+              <a:solidFill>
+                <a:schemeClr val="tx2">
+                  <a:lumMod val="10000"/>
+                  <a:lumOff val="90000"/>
+                </a:schemeClr>
+              </a:solidFill>
+            </a:ln>
+          </p:spPr>
+          <p:style>
+            <a:lnRef idx="2">
+              <a:schemeClr val="accent1"/>
+            </a:lnRef>
+            <a:fillRef idx="0">
+              <a:schemeClr val="accent1"/>
+            </a:fillRef>
+            <a:effectRef idx="1">
+              <a:schemeClr val="accent1"/>
+            </a:effectRef>
+            <a:fontRef idx="minor">
+              <a:schemeClr val="tx1"/>
+            </a:fontRef>
+          </p:style>
+        </p:cxnSp>
+        <p:sp>
+          <p:nvSpPr>
+            <p:cNvPr id="15" name="Rectangle 14">
+              <a:extLst>
+                <a:ext uri="{FF2B5EF4-FFF2-40B4-BE49-F238E27FC236}">
+                  <a16:creationId xmlns:a16="http://schemas.microsoft.com/office/drawing/2014/main" id="{26722CA4-27F7-E9A2-DB66-D9ECDAA713F4}"/>
+                </a:ext>
+              </a:extLst>
+            </p:cNvPr>
+            <p:cNvSpPr/>
+            <p:nvPr/>
+          </p:nvSpPr>
+          <p:spPr>
+            <a:xfrm>
+              <a:off x="0" y="0"/>
+              <a:ext cx="325120" cy="6858000"/>
+            </a:xfrm>
+            <a:prstGeom prst="rect">
+              <a:avLst/>
+            </a:prstGeom>
+            <a:gradFill flip="none" rotWithShape="1">
+              <a:gsLst>
+                <a:gs pos="0">
+                  <a:schemeClr val="accent1">
+                    <a:tint val="66000"/>
+                    <a:satMod val="160000"/>
+                  </a:schemeClr>
+                </a:gs>
+                <a:gs pos="50000">
+                  <a:schemeClr val="accent1">
+                    <a:tint val="44500"/>
+                    <a:satMod val="160000"/>
+                  </a:schemeClr>
+                </a:gs>
+                <a:gs pos="100000">
+                  <a:schemeClr val="accent1">
+                    <a:tint val="23500"/>
+                    <a:satMod val="160000"/>
+                  </a:schemeClr>
+                </a:gs>
+              </a:gsLst>
+              <a:lin ang="2700000" scaled="1"/>
+              <a:tileRect/>
+            </a:gradFill>
+            <a:ln>
+              <a:noFill/>
+            </a:ln>
+          </p:spPr>
+          <p:style>
+            <a:lnRef idx="2">
+              <a:schemeClr val="accent1">
+                <a:shade val="15000"/>
+              </a:schemeClr>
+            </a:lnRef>
+            <a:fillRef idx="1">
+              <a:schemeClr val="accent1"/>
+            </a:fillRef>
+            <a:effectRef idx="0">
+              <a:schemeClr val="accent1"/>
+            </a:effectRef>
+            <a:fontRef idx="minor">
+              <a:schemeClr val="lt1"/>
+            </a:fontRef>
+          </p:style>
+          <p:txBody>
+            <a:bodyPr rtlCol="0" anchor="ctr"/>
+            <a:lstStyle/>
+            <a:p>
+              <a:pPr algn="ctr"/>
+              <a:endParaRPr lang="en-US"/>
+            </a:p>
+          </p:txBody>
+        </p:sp>
+        <p:cxnSp>
+          <p:nvCxnSpPr>
+            <p:cNvPr id="17" name="Straight Connector 16">
+              <a:extLst>
+                <a:ext uri="{FF2B5EF4-FFF2-40B4-BE49-F238E27FC236}">
+                  <a16:creationId xmlns:a16="http://schemas.microsoft.com/office/drawing/2014/main" id="{9177E3A8-71EF-773C-AE82-A013534851E3}"/>
+                </a:ext>
+              </a:extLst>
+            </p:cNvPr>
+            <p:cNvCxnSpPr>
+              <a:cxnSpLocks/>
+            </p:cNvCxnSpPr>
+            <p:nvPr/>
+          </p:nvCxnSpPr>
+          <p:spPr>
+            <a:xfrm>
+              <a:off x="325120" y="523815"/>
+              <a:ext cx="11866880" cy="0"/>
+            </a:xfrm>
+            <a:prstGeom prst="line">
+              <a:avLst/>
+            </a:prstGeom>
+            <a:ln w="6350">
+              <a:solidFill>
+                <a:schemeClr val="accent1">
+                  <a:lumMod val="75000"/>
+                </a:schemeClr>
+              </a:solidFill>
+            </a:ln>
+          </p:spPr>
+          <p:style>
+            <a:lnRef idx="2">
+              <a:schemeClr val="accent1"/>
+            </a:lnRef>
+            <a:fillRef idx="0">
+              <a:schemeClr val="accent1"/>
+            </a:fillRef>
+            <a:effectRef idx="1">
+              <a:schemeClr val="accent1"/>
+            </a:effectRef>
+            <a:fontRef idx="minor">
+              <a:schemeClr val="tx1"/>
+            </a:fontRef>
+          </p:style>
+        </p:cxnSp>
+        <p:cxnSp>
+          <p:nvCxnSpPr>
+            <p:cNvPr id="19" name="Straight Connector 18">
+              <a:extLst>
+                <a:ext uri="{FF2B5EF4-FFF2-40B4-BE49-F238E27FC236}">
+                  <a16:creationId xmlns:a16="http://schemas.microsoft.com/office/drawing/2014/main" id="{4F0ABF02-1B18-961C-92C3-780823A6DD9E}"/>
+                </a:ext>
+              </a:extLst>
+            </p:cNvPr>
+            <p:cNvCxnSpPr>
+              <a:cxnSpLocks/>
+            </p:cNvCxnSpPr>
+            <p:nvPr/>
+          </p:nvCxnSpPr>
+          <p:spPr>
+            <a:xfrm>
+              <a:off x="325120" y="554295"/>
+              <a:ext cx="11866880" cy="0"/>
+            </a:xfrm>
+            <a:prstGeom prst="line">
+              <a:avLst/>
+            </a:prstGeom>
+            <a:ln w="6350">
+              <a:solidFill>
+                <a:schemeClr val="accent1">
+                  <a:lumMod val="75000"/>
+                </a:schemeClr>
+              </a:solidFill>
+            </a:ln>
+          </p:spPr>
+          <p:style>
+            <a:lnRef idx="2">
+              <a:schemeClr val="accent1"/>
+            </a:lnRef>
+            <a:fillRef idx="0">
+              <a:schemeClr val="accent1"/>
+            </a:fillRef>
+            <a:effectRef idx="1">
+              <a:schemeClr val="accent1"/>
+            </a:effectRef>
+            <a:fontRef idx="minor">
+              <a:schemeClr val="tx1"/>
+            </a:fontRef>
+          </p:style>
+        </p:cxnSp>
+      </p:grpSp>
+    </p:spTree>
+    <p:extLst>
+      <p:ext uri="{BB962C8B-B14F-4D97-AF65-F5344CB8AC3E}">
+        <p14:creationId xmlns:p14="http://schemas.microsoft.com/office/powerpoint/2010/main" val="1482390472"/>
+      </p:ext>
+    </p:extLst>
+  </p:cSld>
+  <p:clrMapOvr>
+    <a:masterClrMapping/>
+  </p:clrMapOvr>
+</p:sld>
+</file>
+
 <file path=ppt/slides/slide2.xml><?xml version="1.0" encoding="utf-8"?>
+<p:sld xmlns:a="http://schemas.openxmlformats.org/drawingml/2006/main" xmlns:r="http://schemas.openxmlformats.org/officeDocument/2006/relationships" xmlns:p="http://schemas.openxmlformats.org/presentationml/2006/main">
+  <p:cSld>
+    <p:spTree>
+      <p:nvGrpSpPr>
+        <p:cNvPr id="1" name="">
+          <a:extLst>
+            <a:ext uri="{FF2B5EF4-FFF2-40B4-BE49-F238E27FC236}">
+              <a16:creationId xmlns:a16="http://schemas.microsoft.com/office/drawing/2014/main" id="{D8325DE1-38D4-37E7-0471-1FC83EAF3BA0}"/>
+            </a:ext>
+          </a:extLst>
+        </p:cNvPr>
+        <p:cNvGrpSpPr/>
+        <p:nvPr/>
+      </p:nvGrpSpPr>
+      <p:grpSpPr>
+        <a:xfrm>
+          <a:off x="0" y="0"/>
+          <a:ext cx="0" cy="0"/>
+          <a:chOff x="0" y="0"/>
+          <a:chExt cx="0" cy="0"/>
+        </a:xfrm>
+      </p:grpSpPr>
+      <p:grpSp>
+        <p:nvGrpSpPr>
+          <p:cNvPr id="20" name="Group 19">
+            <a:extLst>
+              <a:ext uri="{FF2B5EF4-FFF2-40B4-BE49-F238E27FC236}">
+                <a16:creationId xmlns:a16="http://schemas.microsoft.com/office/drawing/2014/main" id="{6C5C39A7-10AB-C0AC-CAF1-AF6E8D5F0BA2}"/>
+              </a:ext>
+            </a:extLst>
+          </p:cNvPr>
+          <p:cNvGrpSpPr/>
+          <p:nvPr/>
+        </p:nvGrpSpPr>
+        <p:grpSpPr>
+          <a:xfrm>
+            <a:off x="0" y="0"/>
+            <a:ext cx="12192000" cy="6858000"/>
+            <a:chOff x="0" y="0"/>
+            <a:chExt cx="12192000" cy="6858000"/>
+          </a:xfrm>
+        </p:grpSpPr>
+        <p:sp>
+          <p:nvSpPr>
+            <p:cNvPr id="9" name="TextBox 8">
+              <a:extLst>
+                <a:ext uri="{FF2B5EF4-FFF2-40B4-BE49-F238E27FC236}">
+                  <a16:creationId xmlns:a16="http://schemas.microsoft.com/office/drawing/2014/main" id="{E848E9B5-9034-E820-5FF6-A115DBEFAEC9}"/>
+                </a:ext>
+              </a:extLst>
+            </p:cNvPr>
+            <p:cNvSpPr txBox="1"/>
+            <p:nvPr/>
+          </p:nvSpPr>
+          <p:spPr>
+            <a:xfrm>
+              <a:off x="325120" y="0"/>
+              <a:ext cx="11866880" cy="584775"/>
+            </a:xfrm>
+            <a:prstGeom prst="rect">
+              <a:avLst/>
+            </a:prstGeom>
+            <a:noFill/>
+          </p:spPr>
+          <p:txBody>
+            <a:bodyPr wrap="square" rtlCol="0">
+              <a:spAutoFit/>
+            </a:bodyPr>
+            <a:lstStyle/>
+            <a:p>
+              <a:r>
+                <a:rPr lang="en-US" sz="3200" b="1" dirty="0">
+                  <a:solidFill>
+                    <a:schemeClr val="accent1">
+                      <a:lumMod val="75000"/>
+                    </a:schemeClr>
+                  </a:solidFill>
+                </a:rPr>
+                <a:t>Key Objectives of this Project</a:t>
+              </a:r>
+            </a:p>
+          </p:txBody>
+        </p:sp>
+        <p:cxnSp>
+          <p:nvCxnSpPr>
+            <p:cNvPr id="13" name="Straight Connector 12">
+              <a:extLst>
+                <a:ext uri="{FF2B5EF4-FFF2-40B4-BE49-F238E27FC236}">
+                  <a16:creationId xmlns:a16="http://schemas.microsoft.com/office/drawing/2014/main" id="{24738771-6BF6-65CB-E4E6-EE9DFD0B4962}"/>
+                </a:ext>
+              </a:extLst>
+            </p:cNvPr>
+            <p:cNvCxnSpPr>
+              <a:cxnSpLocks/>
+            </p:cNvCxnSpPr>
+            <p:nvPr/>
+          </p:nvCxnSpPr>
+          <p:spPr>
+            <a:xfrm>
+              <a:off x="81280" y="538480"/>
+              <a:ext cx="12110720" cy="0"/>
+            </a:xfrm>
+            <a:prstGeom prst="line">
+              <a:avLst/>
+            </a:prstGeom>
+            <a:ln>
+              <a:solidFill>
+                <a:schemeClr val="tx2">
+                  <a:lumMod val="10000"/>
+                  <a:lumOff val="90000"/>
+                </a:schemeClr>
+              </a:solidFill>
+            </a:ln>
+          </p:spPr>
+          <p:style>
+            <a:lnRef idx="2">
+              <a:schemeClr val="accent1"/>
+            </a:lnRef>
+            <a:fillRef idx="0">
+              <a:schemeClr val="accent1"/>
+            </a:fillRef>
+            <a:effectRef idx="1">
+              <a:schemeClr val="accent1"/>
+            </a:effectRef>
+            <a:fontRef idx="minor">
+              <a:schemeClr val="tx1"/>
+            </a:fontRef>
+          </p:style>
+        </p:cxnSp>
+        <p:sp>
+          <p:nvSpPr>
+            <p:cNvPr id="15" name="Rectangle 14">
+              <a:extLst>
+                <a:ext uri="{FF2B5EF4-FFF2-40B4-BE49-F238E27FC236}">
+                  <a16:creationId xmlns:a16="http://schemas.microsoft.com/office/drawing/2014/main" id="{42CCD1F7-E6DB-7904-F2EB-9E9509887A2C}"/>
+                </a:ext>
+              </a:extLst>
+            </p:cNvPr>
+            <p:cNvSpPr/>
+            <p:nvPr/>
+          </p:nvSpPr>
+          <p:spPr>
+            <a:xfrm>
+              <a:off x="0" y="0"/>
+              <a:ext cx="325120" cy="6858000"/>
+            </a:xfrm>
+            <a:prstGeom prst="rect">
+              <a:avLst/>
+            </a:prstGeom>
+            <a:gradFill flip="none" rotWithShape="1">
+              <a:gsLst>
+                <a:gs pos="0">
+                  <a:schemeClr val="accent1">
+                    <a:tint val="66000"/>
+                    <a:satMod val="160000"/>
+                  </a:schemeClr>
+                </a:gs>
+                <a:gs pos="50000">
+                  <a:schemeClr val="accent1">
+                    <a:tint val="44500"/>
+                    <a:satMod val="160000"/>
+                  </a:schemeClr>
+                </a:gs>
+                <a:gs pos="100000">
+                  <a:schemeClr val="accent1">
+                    <a:tint val="23500"/>
+                    <a:satMod val="160000"/>
+                  </a:schemeClr>
+                </a:gs>
+              </a:gsLst>
+              <a:lin ang="2700000" scaled="1"/>
+              <a:tileRect/>
+            </a:gradFill>
+            <a:ln>
+              <a:noFill/>
+            </a:ln>
+          </p:spPr>
+          <p:style>
+            <a:lnRef idx="2">
+              <a:schemeClr val="accent1">
+                <a:shade val="15000"/>
+              </a:schemeClr>
+            </a:lnRef>
+            <a:fillRef idx="1">
+              <a:schemeClr val="accent1"/>
+            </a:fillRef>
+            <a:effectRef idx="0">
+              <a:schemeClr val="accent1"/>
+            </a:effectRef>
+            <a:fontRef idx="minor">
+              <a:schemeClr val="lt1"/>
+            </a:fontRef>
+          </p:style>
+          <p:txBody>
+            <a:bodyPr rtlCol="0" anchor="ctr"/>
+            <a:lstStyle/>
+            <a:p>
+              <a:pPr algn="ctr"/>
+              <a:endParaRPr lang="en-US"/>
+            </a:p>
+          </p:txBody>
+        </p:sp>
+        <p:cxnSp>
+          <p:nvCxnSpPr>
+            <p:cNvPr id="17" name="Straight Connector 16">
+              <a:extLst>
+                <a:ext uri="{FF2B5EF4-FFF2-40B4-BE49-F238E27FC236}">
+                  <a16:creationId xmlns:a16="http://schemas.microsoft.com/office/drawing/2014/main" id="{8C3BAB3B-F559-6C0B-5208-52224B93AE42}"/>
+                </a:ext>
+              </a:extLst>
+            </p:cNvPr>
+            <p:cNvCxnSpPr>
+              <a:cxnSpLocks/>
+            </p:cNvCxnSpPr>
+            <p:nvPr/>
+          </p:nvCxnSpPr>
+          <p:spPr>
+            <a:xfrm>
+              <a:off x="325120" y="523815"/>
+              <a:ext cx="11866880" cy="0"/>
+            </a:xfrm>
+            <a:prstGeom prst="line">
+              <a:avLst/>
+            </a:prstGeom>
+            <a:ln w="6350">
+              <a:solidFill>
+                <a:schemeClr val="accent1">
+                  <a:lumMod val="75000"/>
+                </a:schemeClr>
+              </a:solidFill>
+            </a:ln>
+          </p:spPr>
+          <p:style>
+            <a:lnRef idx="2">
+              <a:schemeClr val="accent1"/>
+            </a:lnRef>
+            <a:fillRef idx="0">
+              <a:schemeClr val="accent1"/>
+            </a:fillRef>
+            <a:effectRef idx="1">
+              <a:schemeClr val="accent1"/>
+            </a:effectRef>
+            <a:fontRef idx="minor">
+              <a:schemeClr val="tx1"/>
+            </a:fontRef>
+          </p:style>
+        </p:cxnSp>
+        <p:cxnSp>
+          <p:nvCxnSpPr>
+            <p:cNvPr id="19" name="Straight Connector 18">
+              <a:extLst>
+                <a:ext uri="{FF2B5EF4-FFF2-40B4-BE49-F238E27FC236}">
+                  <a16:creationId xmlns:a16="http://schemas.microsoft.com/office/drawing/2014/main" id="{953F88D3-2C50-3930-8FF6-90C1B8683F7D}"/>
+                </a:ext>
+              </a:extLst>
+            </p:cNvPr>
+            <p:cNvCxnSpPr>
+              <a:cxnSpLocks/>
+            </p:cNvCxnSpPr>
+            <p:nvPr/>
+          </p:nvCxnSpPr>
+          <p:spPr>
+            <a:xfrm>
+              <a:off x="325120" y="554295"/>
+              <a:ext cx="11866880" cy="0"/>
+            </a:xfrm>
+            <a:prstGeom prst="line">
+              <a:avLst/>
+            </a:prstGeom>
+            <a:ln w="6350">
+              <a:solidFill>
+                <a:schemeClr val="accent1">
+                  <a:lumMod val="75000"/>
+                </a:schemeClr>
+              </a:solidFill>
+            </a:ln>
+          </p:spPr>
+          <p:style>
+            <a:lnRef idx="2">
+              <a:schemeClr val="accent1"/>
+            </a:lnRef>
+            <a:fillRef idx="0">
+              <a:schemeClr val="accent1"/>
+            </a:fillRef>
+            <a:effectRef idx="1">
+              <a:schemeClr val="accent1"/>
+            </a:effectRef>
+            <a:fontRef idx="minor">
+              <a:schemeClr val="tx1"/>
+            </a:fontRef>
+          </p:style>
+        </p:cxnSp>
+      </p:grpSp>
+      <p:sp>
+        <p:nvSpPr>
+          <p:cNvPr id="22" name="TextBox 21">
+            <a:extLst>
+              <a:ext uri="{FF2B5EF4-FFF2-40B4-BE49-F238E27FC236}">
+                <a16:creationId xmlns:a16="http://schemas.microsoft.com/office/drawing/2014/main" id="{C90A11F1-30CC-A9FF-FFBA-B2BE8BDB328C}"/>
+              </a:ext>
+            </a:extLst>
+          </p:cNvPr>
+          <p:cNvSpPr txBox="1"/>
+          <p:nvPr/>
+        </p:nvSpPr>
+        <p:spPr>
+          <a:xfrm>
+            <a:off x="482600" y="6334185"/>
+            <a:ext cx="6103256" cy="369332"/>
+          </a:xfrm>
+          <a:prstGeom prst="rect">
+            <a:avLst/>
+          </a:prstGeom>
+          <a:noFill/>
+        </p:spPr>
+        <p:txBody>
+          <a:bodyPr wrap="square">
+            <a:spAutoFit/>
+          </a:bodyPr>
+          <a:lstStyle/>
+          <a:p>
+            <a:r>
+              <a:rPr lang="en-US" dirty="0"/>
+              <a:t>https://</a:t>
+            </a:r>
+            <a:r>
+              <a:rPr lang="en-US" dirty="0" err="1"/>
+              <a:t>www.lendingclub.com</a:t>
+            </a:r>
+            <a:r>
+              <a:rPr lang="en-US" dirty="0"/>
+              <a:t>/</a:t>
+            </a:r>
+          </a:p>
+        </p:txBody>
+      </p:sp>
+      <p:sp>
+        <p:nvSpPr>
+          <p:cNvPr id="2" name="TextBox 1">
+            <a:extLst>
+              <a:ext uri="{FF2B5EF4-FFF2-40B4-BE49-F238E27FC236}">
+                <a16:creationId xmlns:a16="http://schemas.microsoft.com/office/drawing/2014/main" id="{7A8099D0-FD2C-7748-D73D-F251D6A6462E}"/>
+              </a:ext>
+            </a:extLst>
+          </p:cNvPr>
+          <p:cNvSpPr txBox="1"/>
+          <p:nvPr/>
+        </p:nvSpPr>
+        <p:spPr>
+          <a:xfrm>
+            <a:off x="482600" y="1047631"/>
+            <a:ext cx="8225971" cy="3416320"/>
+          </a:xfrm>
+          <a:prstGeom prst="rect">
+            <a:avLst/>
+          </a:prstGeom>
+          <a:noFill/>
+        </p:spPr>
+        <p:txBody>
+          <a:bodyPr wrap="square">
+            <a:spAutoFit/>
+          </a:bodyPr>
+          <a:lstStyle/>
+          <a:p>
+            <a:r>
+              <a:rPr lang="en-US" b="1" dirty="0"/>
+              <a:t>Problem Statement:</a:t>
+            </a:r>
+            <a:r>
+              <a:rPr lang="en-US" dirty="0"/>
+              <a:t> Why predicting defaults matters.</a:t>
+            </a:r>
+          </a:p>
+          <a:p>
+            <a:r>
+              <a:rPr lang="en-US" b="1" dirty="0"/>
+              <a:t>Data Overview: </a:t>
+            </a:r>
+            <a:r>
+              <a:rPr lang="en-US" dirty="0"/>
+              <a:t>Show a few key variables (income, loan amount, grade, employment length). Keep it simple.</a:t>
+            </a:r>
+          </a:p>
+          <a:p>
+            <a:r>
+              <a:rPr lang="en-US" b="1" dirty="0"/>
+              <a:t>Approach: </a:t>
+            </a:r>
+            <a:r>
+              <a:rPr lang="en-US" dirty="0"/>
+              <a:t>High-level explanation of how you built the model (don’t go into hyperparameters).</a:t>
+            </a:r>
+          </a:p>
+          <a:p>
+            <a:r>
+              <a:rPr lang="en-US" b="1" dirty="0"/>
+              <a:t>Insights: </a:t>
+            </a:r>
+            <a:r>
+              <a:rPr lang="en-US" dirty="0"/>
+              <a:t>Which features drive defaults (e.g., lower income, higher loan-to-income ratios).</a:t>
+            </a:r>
+          </a:p>
+          <a:p>
+            <a:r>
+              <a:rPr lang="en-US" b="1" dirty="0"/>
+              <a:t>Impact on Profit</a:t>
+            </a:r>
+            <a:r>
+              <a:rPr lang="en-US" dirty="0"/>
+              <a:t>: Simulate “without model” vs. “with model.”</a:t>
+            </a:r>
+          </a:p>
+          <a:p>
+            <a:r>
+              <a:rPr lang="en-US" b="1" dirty="0"/>
+              <a:t>Next Steps: </a:t>
+            </a:r>
+            <a:r>
+              <a:rPr lang="en-US" dirty="0"/>
+              <a:t>What you’d do with more time/data.</a:t>
+            </a:r>
+          </a:p>
+          <a:p>
+            <a:endParaRPr lang="en-US" dirty="0"/>
+          </a:p>
+          <a:p>
+            <a:endParaRPr lang="en-US" dirty="0"/>
+          </a:p>
+          <a:p>
+            <a:endParaRPr lang="en-US" dirty="0"/>
+          </a:p>
+        </p:txBody>
+      </p:sp>
+    </p:spTree>
+    <p:extLst>
+      <p:ext uri="{BB962C8B-B14F-4D97-AF65-F5344CB8AC3E}">
+        <p14:creationId xmlns:p14="http://schemas.microsoft.com/office/powerpoint/2010/main" val="2106727955"/>
+      </p:ext>
+    </p:extLst>
+  </p:cSld>
+  <p:clrMapOvr>
+    <a:masterClrMapping/>
+  </p:clrMapOvr>
+</p:sld>
+</file>
+
+<file path=ppt/slides/slide3.xml><?xml version="1.0" encoding="utf-8"?>
 <p:sld xmlns:a="http://schemas.openxmlformats.org/drawingml/2006/main" xmlns:r="http://schemas.openxmlformats.org/officeDocument/2006/relationships" xmlns:p="http://schemas.openxmlformats.org/presentationml/2006/main">
   <p:cSld>
     <p:spTree>
@@ -4002,7 +7280,7 @@
                     </a:schemeClr>
                   </a:solidFill>
                 </a:rPr>
-                <a:t>Who is Lending Club?</a:t>
+                <a:t>Business Problem</a:t>
               </a:r>
             </a:p>
           </p:txBody>
@@ -4219,10 +7497,10 @@
       </p:grpSp>
       <p:sp>
         <p:nvSpPr>
-          <p:cNvPr id="22" name="TextBox 21">
-            <a:extLst>
-              <a:ext uri="{FF2B5EF4-FFF2-40B4-BE49-F238E27FC236}">
-                <a16:creationId xmlns:a16="http://schemas.microsoft.com/office/drawing/2014/main" id="{E48C3F5A-68C6-60B9-C14B-10A705C40B0F}"/>
+          <p:cNvPr id="2" name="TextBox 1">
+            <a:extLst>
+              <a:ext uri="{FF2B5EF4-FFF2-40B4-BE49-F238E27FC236}">
+                <a16:creationId xmlns:a16="http://schemas.microsoft.com/office/drawing/2014/main" id="{E8469A8F-A59B-0A4C-DC63-374BB7DAAFBD}"/>
               </a:ext>
             </a:extLst>
           </p:cNvPr>
@@ -4231,8 +7509,8 @@
         </p:nvSpPr>
         <p:spPr>
           <a:xfrm>
-            <a:off x="482600" y="6334185"/>
-            <a:ext cx="6103256" cy="369332"/>
+            <a:off x="482600" y="759433"/>
+            <a:ext cx="8225971" cy="369332"/>
           </a:xfrm>
           <a:prstGeom prst="rect">
             <a:avLst/>
@@ -4246,26 +7524,24 @@
           <a:lstStyle/>
           <a:p>
             <a:r>
+              <a:rPr lang="en-US" dirty="0">
+                <a:hlinkClick r:id="rId2"/>
+              </a:rPr>
+              <a:t>Launched in May 2007</a:t>
+            </a:r>
+            <a:r>
               <a:rPr lang="en-US" dirty="0"/>
-              <a:t>https://</a:t>
-            </a:r>
-            <a:r>
-              <a:rPr lang="en-US" dirty="0" err="1"/>
-              <a:t>www.lendingclub.com</a:t>
-            </a:r>
-            <a:r>
-              <a:rPr lang="en-US" dirty="0"/>
-              <a:t>/</a:t>
+              <a:t> pioneering the peer-to-peer (P2P) lending model online</a:t>
             </a:r>
           </a:p>
         </p:txBody>
       </p:sp>
       <p:sp>
         <p:nvSpPr>
-          <p:cNvPr id="23" name="TextBox 22">
-            <a:extLst>
-              <a:ext uri="{FF2B5EF4-FFF2-40B4-BE49-F238E27FC236}">
-                <a16:creationId xmlns:a16="http://schemas.microsoft.com/office/drawing/2014/main" id="{EC0A55D2-1085-41BE-62AB-6FD4E5594894}"/>
+          <p:cNvPr id="4" name="TextBox 3">
+            <a:extLst>
+              <a:ext uri="{FF2B5EF4-FFF2-40B4-BE49-F238E27FC236}">
+                <a16:creationId xmlns:a16="http://schemas.microsoft.com/office/drawing/2014/main" id="{EDDDAB58-69D5-405C-218F-6EC0D16AD856}"/>
               </a:ext>
             </a:extLst>
           </p:cNvPr>
@@ -4274,8 +7550,8 @@
         </p:nvSpPr>
         <p:spPr>
           <a:xfrm>
-            <a:off x="482600" y="3059668"/>
-            <a:ext cx="6103256" cy="369332"/>
+            <a:off x="976085" y="1303423"/>
+            <a:ext cx="10548257" cy="646331"/>
           </a:xfrm>
           <a:prstGeom prst="rect">
             <a:avLst/>
@@ -4290,7 +7566,242 @@
           <a:p>
             <a:r>
               <a:rPr lang="en-US" dirty="0"/>
-              <a:t>Who is Lending Club’s customer?</a:t>
+              <a:t>peer-to-peer (P2P) lending allows individuals to request personal loans which would be funded by other individual investors via the platform </a:t>
+            </a:r>
+          </a:p>
+        </p:txBody>
+      </p:sp>
+      <p:sp>
+        <p:nvSpPr>
+          <p:cNvPr id="5" name="TextBox 4">
+            <a:extLst>
+              <a:ext uri="{FF2B5EF4-FFF2-40B4-BE49-F238E27FC236}">
+                <a16:creationId xmlns:a16="http://schemas.microsoft.com/office/drawing/2014/main" id="{F77597EA-BF50-0A10-713E-093BF4D532D2}"/>
+              </a:ext>
+            </a:extLst>
+          </p:cNvPr>
+          <p:cNvSpPr txBox="1"/>
+          <p:nvPr/>
+        </p:nvSpPr>
+        <p:spPr>
+          <a:xfrm>
+            <a:off x="482600" y="2074020"/>
+            <a:ext cx="10069286" cy="369332"/>
+          </a:xfrm>
+          <a:prstGeom prst="rect">
+            <a:avLst/>
+          </a:prstGeom>
+          <a:noFill/>
+        </p:spPr>
+        <p:txBody>
+          <a:bodyPr wrap="square">
+            <a:spAutoFit/>
+          </a:bodyPr>
+          <a:lstStyle/>
+          <a:p>
+            <a:r>
+              <a:rPr lang="en-US" dirty="0">
+                <a:hlinkClick r:id="rId3"/>
+              </a:rPr>
+              <a:t>Acquired Radius Bank on Feb 1, 2021</a:t>
+            </a:r>
+            <a:r>
+              <a:rPr lang="en-US" dirty="0"/>
+              <a:t> allowing Lending Club to become a national bank</a:t>
+            </a:r>
+          </a:p>
+        </p:txBody>
+      </p:sp>
+      <p:sp>
+        <p:nvSpPr>
+          <p:cNvPr id="6" name="TextBox 5">
+            <a:extLst>
+              <a:ext uri="{FF2B5EF4-FFF2-40B4-BE49-F238E27FC236}">
+                <a16:creationId xmlns:a16="http://schemas.microsoft.com/office/drawing/2014/main" id="{BE5C2F90-4F51-9ABD-7A87-B73BBF0FE24F}"/>
+              </a:ext>
+            </a:extLst>
+          </p:cNvPr>
+          <p:cNvSpPr txBox="1"/>
+          <p:nvPr/>
+        </p:nvSpPr>
+        <p:spPr>
+          <a:xfrm>
+            <a:off x="976084" y="2567618"/>
+            <a:ext cx="10548257" cy="369332"/>
+          </a:xfrm>
+          <a:prstGeom prst="rect">
+            <a:avLst/>
+          </a:prstGeom>
+          <a:noFill/>
+        </p:spPr>
+        <p:txBody>
+          <a:bodyPr wrap="square">
+            <a:spAutoFit/>
+          </a:bodyPr>
+          <a:lstStyle/>
+          <a:p>
+            <a:r>
+              <a:rPr lang="en-US" dirty="0"/>
+              <a:t>shut down its retail peer-to-peer investment platform by the end of 2020</a:t>
+            </a:r>
+          </a:p>
+        </p:txBody>
+      </p:sp>
+      <p:sp>
+        <p:nvSpPr>
+          <p:cNvPr id="14" name="Rectangle 5">
+            <a:extLst>
+              <a:ext uri="{FF2B5EF4-FFF2-40B4-BE49-F238E27FC236}">
+                <a16:creationId xmlns:a16="http://schemas.microsoft.com/office/drawing/2014/main" id="{E6A31C0B-5FE8-1F95-73B1-9DCCC285F153}"/>
+              </a:ext>
+            </a:extLst>
+          </p:cNvPr>
+          <p:cNvSpPr>
+            <a:spLocks noChangeArrowheads="1"/>
+          </p:cNvSpPr>
+          <p:nvPr/>
+        </p:nvSpPr>
+        <p:spPr bwMode="auto">
+          <a:xfrm>
+            <a:off x="736599" y="3554814"/>
+            <a:ext cx="12311744" cy="923330"/>
+          </a:xfrm>
+          <a:prstGeom prst="rect">
+            <a:avLst/>
+          </a:prstGeom>
+          <a:noFill/>
+          <a:ln>
+            <a:noFill/>
+          </a:ln>
+          <a:effectLst/>
+          <a:extLst>
+            <a:ext uri="{909E8E84-426E-40DD-AFC4-6F175D3DCCD1}">
+              <a14:hiddenFill xmlns:a14="http://schemas.microsoft.com/office/drawing/2010/main">
+                <a:solidFill>
+                  <a:schemeClr val="accent1"/>
+                </a:solidFill>
+              </a14:hiddenFill>
+            </a:ext>
+            <a:ext uri="{91240B29-F687-4F45-9708-019B960494DF}">
+              <a14:hiddenLine xmlns:a14="http://schemas.microsoft.com/office/drawing/2010/main" w="9525">
+                <a:solidFill>
+                  <a:schemeClr val="tx1"/>
+                </a:solidFill>
+                <a:miter lim="800000"/>
+                <a:headEnd/>
+                <a:tailEnd/>
+              </a14:hiddenLine>
+            </a:ext>
+            <a:ext uri="{AF507438-7753-43E0-B8FC-AC1667EBCBE1}">
+              <a14:hiddenEffects xmlns:a14="http://schemas.microsoft.com/office/drawing/2010/main">
+                <a:effectLst>
+                  <a:outerShdw dist="35921" dir="2700000" algn="ctr" rotWithShape="0">
+                    <a:schemeClr val="bg2"/>
+                  </a:outerShdw>
+                </a:effectLst>
+              </a14:hiddenEffects>
+            </a:ext>
+          </a:extLst>
+        </p:spPr>
+        <p:txBody>
+          <a:bodyPr vert="horz" wrap="square" lIns="91440" tIns="45720" rIns="91440" bIns="45720" numCol="1" anchor="ctr" anchorCtr="0" compatLnSpc="1">
+            <a:prstTxWarp prst="textNoShape">
+              <a:avLst/>
+            </a:prstTxWarp>
+            <a:spAutoFit/>
+          </a:bodyPr>
+          <a:lstStyle/>
+          <a:p>
+            <a:pPr marL="0" marR="0" lvl="0" indent="0" algn="l" defTabSz="914400" rtl="0" eaLnBrk="0" fontAlgn="base" latinLnBrk="0" hangingPunct="0">
+              <a:lnSpc>
+                <a:spcPct val="100000"/>
+              </a:lnSpc>
+              <a:spcBef>
+                <a:spcPct val="0"/>
+              </a:spcBef>
+              <a:spcAft>
+                <a:spcPct val="0"/>
+              </a:spcAft>
+              <a:buClrTx/>
+              <a:buSzTx/>
+              <a:buFontTx/>
+              <a:buChar char="•"/>
+              <a:tabLst/>
+            </a:pPr>
+            <a:r>
+              <a:rPr kumimoji="0" lang="en-US" altLang="en-US" sz="1800" b="0" i="0" u="none" strike="noStrike" cap="none" normalizeH="0" baseline="0">
+                <a:ln>
+                  <a:noFill/>
+                </a:ln>
+                <a:solidFill>
+                  <a:schemeClr val="tx1"/>
+                </a:solidFill>
+                <a:effectLst/>
+                <a:latin typeface="Arial" panose="020B0604020202020204" pitchFamily="34" charset="0"/>
+              </a:rPr>
+              <a:t>Why loan defaults matter to Lending Club (loss of principal, reduced profitability).</a:t>
+            </a:r>
+          </a:p>
+          <a:p>
+            <a:pPr marL="0" marR="0" lvl="0" indent="0" algn="l" defTabSz="914400" rtl="0" eaLnBrk="0" fontAlgn="base" latinLnBrk="0" hangingPunct="0">
+              <a:lnSpc>
+                <a:spcPct val="100000"/>
+              </a:lnSpc>
+              <a:spcBef>
+                <a:spcPct val="0"/>
+              </a:spcBef>
+              <a:spcAft>
+                <a:spcPct val="0"/>
+              </a:spcAft>
+              <a:buClrTx/>
+              <a:buSzTx/>
+              <a:buFontTx/>
+              <a:buChar char="•"/>
+              <a:tabLst/>
+            </a:pPr>
+            <a:r>
+              <a:rPr kumimoji="0" lang="en-US" altLang="en-US" sz="1800" b="0" i="0" u="none" strike="noStrike" cap="none" normalizeH="0" baseline="0">
+                <a:ln>
+                  <a:noFill/>
+                </a:ln>
+                <a:solidFill>
+                  <a:schemeClr val="tx1"/>
+                </a:solidFill>
+                <a:effectLst/>
+                <a:latin typeface="Arial" panose="020B0604020202020204" pitchFamily="34" charset="0"/>
+              </a:rPr>
+              <a:t>Objective: Identify borrowers most likely to default.</a:t>
+            </a:r>
+          </a:p>
+          <a:p>
+            <a:pPr marL="0" marR="0" lvl="0" indent="0" algn="l" defTabSz="914400" rtl="0" eaLnBrk="0" fontAlgn="base" latinLnBrk="0" hangingPunct="0">
+              <a:lnSpc>
+                <a:spcPct val="100000"/>
+              </a:lnSpc>
+              <a:spcBef>
+                <a:spcPct val="0"/>
+              </a:spcBef>
+              <a:spcAft>
+                <a:spcPct val="0"/>
+              </a:spcAft>
+              <a:buClrTx/>
+              <a:buSzTx/>
+              <a:buFontTx/>
+              <a:buChar char="•"/>
+              <a:tabLst/>
+            </a:pPr>
+            <a:r>
+              <a:rPr kumimoji="0" lang="en-US" altLang="en-US" sz="1800" b="0" i="0" u="none" strike="noStrike" cap="none" normalizeH="0" baseline="0">
+                <a:ln>
+                  <a:noFill/>
+                </a:ln>
+                <a:solidFill>
+                  <a:schemeClr val="tx1"/>
+                </a:solidFill>
+                <a:effectLst/>
+                <a:latin typeface="Arial" panose="020B0604020202020204" pitchFamily="34" charset="0"/>
+              </a:rPr>
+              <a:t>Desired outcome: Increase profits by improving lending decisions.</a:t>
             </a:r>
           </a:p>
         </p:txBody>
@@ -4308,7 +7819,7 @@
 </p:sld>
 </file>
 
-<file path=ppt/slides/slide3.xml><?xml version="1.0" encoding="utf-8"?>
+<file path=ppt/slides/slide4.xml><?xml version="1.0" encoding="utf-8"?>
 <p:sld xmlns:a="http://schemas.openxmlformats.org/drawingml/2006/main" xmlns:r="http://schemas.openxmlformats.org/officeDocument/2006/relationships" xmlns:p="http://schemas.openxmlformats.org/presentationml/2006/main">
   <p:cSld>
     <p:spTree>
@@ -4387,7 +7898,7 @@
                     </a:schemeClr>
                   </a:solidFill>
                 </a:rPr>
-                <a:t>Historical Data</a:t>
+                <a:t>Dataset Overview</a:t>
               </a:r>
             </a:p>
           </p:txBody>
@@ -4617,7 +8128,7 @@
         <p:spPr>
           <a:xfrm>
             <a:off x="1714610" y="2505670"/>
-            <a:ext cx="8348870" cy="923330"/>
+            <a:ext cx="8348870" cy="1200329"/>
           </a:xfrm>
           <a:prstGeom prst="rect">
             <a:avLst/>
@@ -4641,7 +8152,7 @@
           <a:p>
             <a:r>
               <a:rPr lang="en-US" dirty="0"/>
-              <a:t>The most recent data point is from nearly 17 years ago 2008-11-01</a:t>
+              <a:t>The most recent, “earliest credit line granted” date is from nearly 17 years ago 2008-11-01</a:t>
             </a:r>
           </a:p>
         </p:txBody>
@@ -4661,7 +8172,7 @@
         <p:spPr>
           <a:xfrm>
             <a:off x="325120" y="570110"/>
-            <a:ext cx="11678194" cy="646331"/>
+            <a:ext cx="11678194" cy="369332"/>
           </a:xfrm>
           <a:prstGeom prst="rect">
             <a:avLst/>
@@ -4675,16 +8186,240 @@
           <a:lstStyle/>
           <a:p>
             <a:r>
-              <a:rPr lang="en-US" b="0" i="0" dirty="0">
+              <a:rPr lang="en-US" dirty="0"/>
+              <a:t>This dataset is for approved loans, not for application loans that were denied</a:t>
+            </a:r>
+          </a:p>
+        </p:txBody>
+      </p:sp>
+      <p:sp>
+        <p:nvSpPr>
+          <p:cNvPr id="3" name="Rectangle 1">
+            <a:extLst>
+              <a:ext uri="{FF2B5EF4-FFF2-40B4-BE49-F238E27FC236}">
+                <a16:creationId xmlns:a16="http://schemas.microsoft.com/office/drawing/2014/main" id="{4B1FE23A-F561-DAE8-1FF2-A1BED3D78F82}"/>
+              </a:ext>
+            </a:extLst>
+          </p:cNvPr>
+          <p:cNvSpPr>
+            <a:spLocks noChangeArrowheads="1"/>
+          </p:cNvSpPr>
+          <p:nvPr/>
+        </p:nvSpPr>
+        <p:spPr bwMode="auto">
+          <a:xfrm>
+            <a:off x="1016000" y="4934857"/>
+            <a:ext cx="12192000" cy="0"/>
+          </a:xfrm>
+          <a:prstGeom prst="rect">
+            <a:avLst/>
+          </a:prstGeom>
+          <a:noFill/>
+          <a:ln>
+            <a:noFill/>
+          </a:ln>
+          <a:effectLst/>
+          <a:extLst>
+            <a:ext uri="{909E8E84-426E-40DD-AFC4-6F175D3DCCD1}">
+              <a14:hiddenFill xmlns:a14="http://schemas.microsoft.com/office/drawing/2010/main">
                 <a:solidFill>
-                  <a:srgbClr val="3C4858"/>
+                  <a:schemeClr val="accent1"/>
+                </a:solidFill>
+              </a14:hiddenFill>
+            </a:ext>
+            <a:ext uri="{91240B29-F687-4F45-9708-019B960494DF}">
+              <a14:hiddenLine xmlns:a14="http://schemas.microsoft.com/office/drawing/2010/main" w="9525">
+                <a:solidFill>
+                  <a:schemeClr val="tx1"/>
+                </a:solidFill>
+                <a:miter lim="800000"/>
+                <a:headEnd/>
+                <a:tailEnd/>
+              </a14:hiddenLine>
+            </a:ext>
+            <a:ext uri="{AF507438-7753-43E0-B8FC-AC1667EBCBE1}">
+              <a14:hiddenEffects xmlns:a14="http://schemas.microsoft.com/office/drawing/2010/main">
+                <a:effectLst>
+                  <a:outerShdw dist="35921" dir="2700000" algn="ctr" rotWithShape="0">
+                    <a:schemeClr val="bg2"/>
+                  </a:outerShdw>
+                </a:effectLst>
+              </a14:hiddenEffects>
+            </a:ext>
+          </a:extLst>
+        </p:spPr>
+        <p:txBody>
+          <a:bodyPr vert="horz" wrap="none" lIns="91440" tIns="45720" rIns="91440" bIns="45720" numCol="1" anchor="ctr" anchorCtr="0" compatLnSpc="1">
+            <a:prstTxWarp prst="textNoShape">
+              <a:avLst/>
+            </a:prstTxWarp>
+            <a:spAutoFit/>
+          </a:bodyPr>
+          <a:lstStyle/>
+          <a:p>
+            <a:pPr marL="0" marR="0" lvl="0" indent="0" algn="l" defTabSz="914400" rtl="0" eaLnBrk="0" fontAlgn="base" latinLnBrk="0" hangingPunct="0">
+              <a:lnSpc>
+                <a:spcPct val="100000"/>
+              </a:lnSpc>
+              <a:spcBef>
+                <a:spcPct val="0"/>
+              </a:spcBef>
+              <a:spcAft>
+                <a:spcPct val="0"/>
+              </a:spcAft>
+              <a:buClrTx/>
+              <a:buSzTx/>
+              <a:buFontTx/>
+              <a:buChar char="•"/>
+              <a:tabLst/>
+            </a:pPr>
+            <a:r>
+              <a:rPr kumimoji="0" lang="en-US" altLang="en-US" sz="1800" b="0" i="0" u="none" strike="noStrike" cap="none" normalizeH="0" baseline="0">
+                <a:ln>
+                  <a:noFill/>
+                </a:ln>
+                <a:solidFill>
+                  <a:schemeClr val="tx1"/>
                 </a:solidFill>
                 <a:effectLst/>
-                <a:latin typeface="Nunito" pitchFamily="2" charset="77"/>
+                <a:latin typeface="Arial" panose="020B0604020202020204" pitchFamily="34" charset="0"/>
               </a:rPr>
-              <a:t>It is important to keep that last part in mind, since this data set only represents loans actually made, i.e. do not mistake this data for loan applications!!!</a:t>
-            </a:r>
-            <a:endParaRPr lang="en-US" dirty="0"/>
+              <a:t>Source: Lending Club historical loan data.</a:t>
+            </a:r>
+          </a:p>
+          <a:p>
+            <a:pPr marL="0" marR="0" lvl="0" indent="0" algn="l" defTabSz="914400" rtl="0" eaLnBrk="0" fontAlgn="base" latinLnBrk="0" hangingPunct="0">
+              <a:lnSpc>
+                <a:spcPct val="100000"/>
+              </a:lnSpc>
+              <a:spcBef>
+                <a:spcPct val="0"/>
+              </a:spcBef>
+              <a:spcAft>
+                <a:spcPct val="0"/>
+              </a:spcAft>
+              <a:buClrTx/>
+              <a:buSzTx/>
+              <a:buFontTx/>
+              <a:buChar char="•"/>
+              <a:tabLst/>
+            </a:pPr>
+            <a:r>
+              <a:rPr kumimoji="0" lang="en-US" altLang="en-US" sz="1800" b="0" i="0" u="none" strike="noStrike" cap="none" normalizeH="0" baseline="0">
+                <a:ln>
+                  <a:noFill/>
+                </a:ln>
+                <a:solidFill>
+                  <a:schemeClr val="tx1"/>
+                </a:solidFill>
+                <a:effectLst/>
+                <a:latin typeface="Arial" panose="020B0604020202020204" pitchFamily="34" charset="0"/>
+              </a:rPr>
+              <a:t>Key features: loan amount, income, employment length, grade, interest rate, loan status, etc.</a:t>
+            </a:r>
+          </a:p>
+          <a:p>
+            <a:pPr marL="0" marR="0" lvl="0" indent="0" algn="l" defTabSz="914400" rtl="0" eaLnBrk="0" fontAlgn="base" latinLnBrk="0" hangingPunct="0">
+              <a:lnSpc>
+                <a:spcPct val="100000"/>
+              </a:lnSpc>
+              <a:spcBef>
+                <a:spcPct val="0"/>
+              </a:spcBef>
+              <a:spcAft>
+                <a:spcPct val="0"/>
+              </a:spcAft>
+              <a:buClrTx/>
+              <a:buSzTx/>
+              <a:buFontTx/>
+              <a:buChar char="•"/>
+              <a:tabLst/>
+            </a:pPr>
+            <a:r>
+              <a:rPr kumimoji="0" lang="en-US" altLang="en-US" sz="1800" b="0" i="0" u="none" strike="noStrike" cap="none" normalizeH="0" baseline="0">
+                <a:ln>
+                  <a:noFill/>
+                </a:ln>
+                <a:solidFill>
+                  <a:schemeClr val="tx1"/>
+                </a:solidFill>
+                <a:effectLst/>
+                <a:latin typeface="Arial" panose="020B0604020202020204" pitchFamily="34" charset="0"/>
+              </a:rPr>
+              <a:t>Size: ~10,000 records (subset shown).</a:t>
+            </a:r>
+          </a:p>
+          <a:p>
+            <a:pPr marL="0" marR="0" lvl="0" indent="0" algn="l" defTabSz="914400" rtl="0" eaLnBrk="0" fontAlgn="base" latinLnBrk="0" hangingPunct="0">
+              <a:lnSpc>
+                <a:spcPct val="100000"/>
+              </a:lnSpc>
+              <a:spcBef>
+                <a:spcPct val="0"/>
+              </a:spcBef>
+              <a:spcAft>
+                <a:spcPct val="0"/>
+              </a:spcAft>
+              <a:buClrTx/>
+              <a:buSzTx/>
+              <a:buFontTx/>
+              <a:buChar char="•"/>
+              <a:tabLst/>
+            </a:pPr>
+            <a:r>
+              <a:rPr kumimoji="0" lang="en-US" altLang="en-US" sz="1800" b="0" i="0" u="none" strike="noStrike" cap="none" normalizeH="0" baseline="0">
+                <a:ln>
+                  <a:noFill/>
+                </a:ln>
+                <a:solidFill>
+                  <a:schemeClr val="tx1"/>
+                </a:solidFill>
+                <a:effectLst/>
+                <a:latin typeface="Arial" panose="020B0604020202020204" pitchFamily="34" charset="0"/>
+              </a:rPr>
+              <a:t>Note assumptions about missing or incomplete data.</a:t>
+            </a:r>
+          </a:p>
+        </p:txBody>
+      </p:sp>
+      <p:sp>
+        <p:nvSpPr>
+          <p:cNvPr id="6" name="TextBox 5">
+            <a:extLst>
+              <a:ext uri="{FF2B5EF4-FFF2-40B4-BE49-F238E27FC236}">
+                <a16:creationId xmlns:a16="http://schemas.microsoft.com/office/drawing/2014/main" id="{C2429CD9-17F1-637D-26F2-35787FE6DFC4}"/>
+              </a:ext>
+            </a:extLst>
+          </p:cNvPr>
+          <p:cNvSpPr txBox="1"/>
+          <p:nvPr/>
+        </p:nvSpPr>
+        <p:spPr>
+          <a:xfrm>
+            <a:off x="1001486" y="6103224"/>
+            <a:ext cx="6110514" cy="369332"/>
+          </a:xfrm>
+          <a:prstGeom prst="rect">
+            <a:avLst/>
+          </a:prstGeom>
+          <a:noFill/>
+        </p:spPr>
+        <p:txBody>
+          <a:bodyPr wrap="square">
+            <a:spAutoFit/>
+          </a:bodyPr>
+          <a:lstStyle/>
+          <a:p>
+            <a:r>
+              <a:rPr lang="en-US" sz="1800" b="1" dirty="0">
+                <a:solidFill>
+                  <a:schemeClr val="accent1">
+                    <a:lumMod val="75000"/>
+                  </a:schemeClr>
+                </a:solidFill>
+              </a:rPr>
+              <a:t>Data Wrangling</a:t>
+            </a:r>
           </a:p>
         </p:txBody>
       </p:sp>
@@ -4701,7 +8436,7 @@
 </p:sld>
 </file>
 
-<file path=ppt/slides/slide4.xml><?xml version="1.0" encoding="utf-8"?>
+<file path=ppt/slides/slide5.xml><?xml version="1.0" encoding="utf-8"?>
 <p:sld xmlns:a="http://schemas.openxmlformats.org/drawingml/2006/main" xmlns:r="http://schemas.openxmlformats.org/officeDocument/2006/relationships" xmlns:p="http://schemas.openxmlformats.org/presentationml/2006/main">
   <p:cSld>
     <p:spTree>
@@ -4709,7 +8444,7 @@
         <p:cNvPr id="1" name="">
           <a:extLst>
             <a:ext uri="{FF2B5EF4-FFF2-40B4-BE49-F238E27FC236}">
-              <a16:creationId xmlns:a16="http://schemas.microsoft.com/office/drawing/2014/main" id="{43CF3EB7-94F0-880E-FB1E-C2496718DF7A}"/>
+              <a16:creationId xmlns:a16="http://schemas.microsoft.com/office/drawing/2014/main" id="{B9A68CDE-0C0E-3C55-F4DD-44EAD37137E5}"/>
             </a:ext>
           </a:extLst>
         </p:cNvPr>
@@ -4724,83 +8459,2004 @@
           <a:chExt cx="0" cy="0"/>
         </a:xfrm>
       </p:grpSpPr>
-      <p:sp>
-        <p:nvSpPr>
-          <p:cNvPr id="2" name="Rectangle 1">
-            <a:extLst>
-              <a:ext uri="{FF2B5EF4-FFF2-40B4-BE49-F238E27FC236}">
-                <a16:creationId xmlns:a16="http://schemas.microsoft.com/office/drawing/2014/main" id="{5D509E3C-0759-4917-BA0C-7AE2E17F7CEE}"/>
-              </a:ext>
-            </a:extLst>
-          </p:cNvPr>
-          <p:cNvSpPr/>
+      <p:grpSp>
+        <p:nvGrpSpPr>
+          <p:cNvPr id="20" name="Group 19">
+            <a:extLst>
+              <a:ext uri="{FF2B5EF4-FFF2-40B4-BE49-F238E27FC236}">
+                <a16:creationId xmlns:a16="http://schemas.microsoft.com/office/drawing/2014/main" id="{405A7B6B-EF27-2599-0DE7-D0F728844826}"/>
+              </a:ext>
+            </a:extLst>
+          </p:cNvPr>
+          <p:cNvGrpSpPr/>
           <p:nvPr/>
-        </p:nvSpPr>
-        <p:spPr>
+        </p:nvGrpSpPr>
+        <p:grpSpPr>
           <a:xfrm>
             <a:off x="0" y="0"/>
-            <a:ext cx="325120" cy="6858000"/>
+            <a:ext cx="12192000" cy="6858000"/>
+            <a:chOff x="0" y="0"/>
+            <a:chExt cx="12192000" cy="6858000"/>
+          </a:xfrm>
+        </p:grpSpPr>
+        <p:sp>
+          <p:nvSpPr>
+            <p:cNvPr id="9" name="TextBox 8">
+              <a:extLst>
+                <a:ext uri="{FF2B5EF4-FFF2-40B4-BE49-F238E27FC236}">
+                  <a16:creationId xmlns:a16="http://schemas.microsoft.com/office/drawing/2014/main" id="{4E358A7F-F443-BED4-EAE8-59FB2CE50D74}"/>
+                </a:ext>
+              </a:extLst>
+            </p:cNvPr>
+            <p:cNvSpPr txBox="1"/>
+            <p:nvPr/>
+          </p:nvSpPr>
+          <p:spPr>
+            <a:xfrm>
+              <a:off x="325120" y="0"/>
+              <a:ext cx="11866880" cy="584775"/>
+            </a:xfrm>
+            <a:prstGeom prst="rect">
+              <a:avLst/>
+            </a:prstGeom>
+            <a:noFill/>
+          </p:spPr>
+          <p:txBody>
+            <a:bodyPr wrap="square" rtlCol="0">
+              <a:spAutoFit/>
+            </a:bodyPr>
+            <a:lstStyle/>
+            <a:p>
+              <a:r>
+                <a:rPr lang="en-US" sz="3200" b="1" dirty="0">
+                  <a:solidFill>
+                    <a:schemeClr val="accent1">
+                      <a:lumMod val="75000"/>
+                    </a:schemeClr>
+                  </a:solidFill>
+                </a:rPr>
+                <a:t>EDA Highlights</a:t>
+              </a:r>
+            </a:p>
+          </p:txBody>
+        </p:sp>
+        <p:cxnSp>
+          <p:nvCxnSpPr>
+            <p:cNvPr id="13" name="Straight Connector 12">
+              <a:extLst>
+                <a:ext uri="{FF2B5EF4-FFF2-40B4-BE49-F238E27FC236}">
+                  <a16:creationId xmlns:a16="http://schemas.microsoft.com/office/drawing/2014/main" id="{BC8FA20B-99A7-2912-8BDB-00E85E753CAA}"/>
+                </a:ext>
+              </a:extLst>
+            </p:cNvPr>
+            <p:cNvCxnSpPr>
+              <a:cxnSpLocks/>
+            </p:cNvCxnSpPr>
+            <p:nvPr/>
+          </p:nvCxnSpPr>
+          <p:spPr>
+            <a:xfrm>
+              <a:off x="81280" y="538480"/>
+              <a:ext cx="12110720" cy="0"/>
+            </a:xfrm>
+            <a:prstGeom prst="line">
+              <a:avLst/>
+            </a:prstGeom>
+            <a:ln>
+              <a:solidFill>
+                <a:schemeClr val="tx2">
+                  <a:lumMod val="10000"/>
+                  <a:lumOff val="90000"/>
+                </a:schemeClr>
+              </a:solidFill>
+            </a:ln>
+          </p:spPr>
+          <p:style>
+            <a:lnRef idx="2">
+              <a:schemeClr val="accent1"/>
+            </a:lnRef>
+            <a:fillRef idx="0">
+              <a:schemeClr val="accent1"/>
+            </a:fillRef>
+            <a:effectRef idx="1">
+              <a:schemeClr val="accent1"/>
+            </a:effectRef>
+            <a:fontRef idx="minor">
+              <a:schemeClr val="tx1"/>
+            </a:fontRef>
+          </p:style>
+        </p:cxnSp>
+        <p:sp>
+          <p:nvSpPr>
+            <p:cNvPr id="15" name="Rectangle 14">
+              <a:extLst>
+                <a:ext uri="{FF2B5EF4-FFF2-40B4-BE49-F238E27FC236}">
+                  <a16:creationId xmlns:a16="http://schemas.microsoft.com/office/drawing/2014/main" id="{FEDC6297-50E4-B94A-3A80-45D6578D060F}"/>
+                </a:ext>
+              </a:extLst>
+            </p:cNvPr>
+            <p:cNvSpPr/>
+            <p:nvPr/>
+          </p:nvSpPr>
+          <p:spPr>
+            <a:xfrm>
+              <a:off x="0" y="0"/>
+              <a:ext cx="325120" cy="6858000"/>
+            </a:xfrm>
+            <a:prstGeom prst="rect">
+              <a:avLst/>
+            </a:prstGeom>
+            <a:gradFill flip="none" rotWithShape="1">
+              <a:gsLst>
+                <a:gs pos="0">
+                  <a:schemeClr val="accent1">
+                    <a:tint val="66000"/>
+                    <a:satMod val="160000"/>
+                  </a:schemeClr>
+                </a:gs>
+                <a:gs pos="50000">
+                  <a:schemeClr val="accent1">
+                    <a:tint val="44500"/>
+                    <a:satMod val="160000"/>
+                  </a:schemeClr>
+                </a:gs>
+                <a:gs pos="100000">
+                  <a:schemeClr val="accent1">
+                    <a:tint val="23500"/>
+                    <a:satMod val="160000"/>
+                  </a:schemeClr>
+                </a:gs>
+              </a:gsLst>
+              <a:lin ang="2700000" scaled="1"/>
+              <a:tileRect/>
+            </a:gradFill>
+            <a:ln>
+              <a:noFill/>
+            </a:ln>
+          </p:spPr>
+          <p:style>
+            <a:lnRef idx="2">
+              <a:schemeClr val="accent1">
+                <a:shade val="15000"/>
+              </a:schemeClr>
+            </a:lnRef>
+            <a:fillRef idx="1">
+              <a:schemeClr val="accent1"/>
+            </a:fillRef>
+            <a:effectRef idx="0">
+              <a:schemeClr val="accent1"/>
+            </a:effectRef>
+            <a:fontRef idx="minor">
+              <a:schemeClr val="lt1"/>
+            </a:fontRef>
+          </p:style>
+          <p:txBody>
+            <a:bodyPr rtlCol="0" anchor="ctr"/>
+            <a:lstStyle/>
+            <a:p>
+              <a:pPr algn="ctr"/>
+              <a:endParaRPr lang="en-US"/>
+            </a:p>
+          </p:txBody>
+        </p:sp>
+        <p:cxnSp>
+          <p:nvCxnSpPr>
+            <p:cNvPr id="17" name="Straight Connector 16">
+              <a:extLst>
+                <a:ext uri="{FF2B5EF4-FFF2-40B4-BE49-F238E27FC236}">
+                  <a16:creationId xmlns:a16="http://schemas.microsoft.com/office/drawing/2014/main" id="{93C82487-CDBB-B2F4-7AE8-00EDF4E783D3}"/>
+                </a:ext>
+              </a:extLst>
+            </p:cNvPr>
+            <p:cNvCxnSpPr>
+              <a:cxnSpLocks/>
+            </p:cNvCxnSpPr>
+            <p:nvPr/>
+          </p:nvCxnSpPr>
+          <p:spPr>
+            <a:xfrm>
+              <a:off x="325120" y="523815"/>
+              <a:ext cx="11866880" cy="0"/>
+            </a:xfrm>
+            <a:prstGeom prst="line">
+              <a:avLst/>
+            </a:prstGeom>
+            <a:ln w="6350">
+              <a:solidFill>
+                <a:schemeClr val="accent1">
+                  <a:lumMod val="75000"/>
+                </a:schemeClr>
+              </a:solidFill>
+            </a:ln>
+          </p:spPr>
+          <p:style>
+            <a:lnRef idx="2">
+              <a:schemeClr val="accent1"/>
+            </a:lnRef>
+            <a:fillRef idx="0">
+              <a:schemeClr val="accent1"/>
+            </a:fillRef>
+            <a:effectRef idx="1">
+              <a:schemeClr val="accent1"/>
+            </a:effectRef>
+            <a:fontRef idx="minor">
+              <a:schemeClr val="tx1"/>
+            </a:fontRef>
+          </p:style>
+        </p:cxnSp>
+        <p:cxnSp>
+          <p:nvCxnSpPr>
+            <p:cNvPr id="19" name="Straight Connector 18">
+              <a:extLst>
+                <a:ext uri="{FF2B5EF4-FFF2-40B4-BE49-F238E27FC236}">
+                  <a16:creationId xmlns:a16="http://schemas.microsoft.com/office/drawing/2014/main" id="{9573D367-7FC0-8DE1-00AA-4CA06389258D}"/>
+                </a:ext>
+              </a:extLst>
+            </p:cNvPr>
+            <p:cNvCxnSpPr>
+              <a:cxnSpLocks/>
+            </p:cNvCxnSpPr>
+            <p:nvPr/>
+          </p:nvCxnSpPr>
+          <p:spPr>
+            <a:xfrm>
+              <a:off x="325120" y="554295"/>
+              <a:ext cx="11866880" cy="0"/>
+            </a:xfrm>
+            <a:prstGeom prst="line">
+              <a:avLst/>
+            </a:prstGeom>
+            <a:ln w="6350">
+              <a:solidFill>
+                <a:schemeClr val="accent1">
+                  <a:lumMod val="75000"/>
+                </a:schemeClr>
+              </a:solidFill>
+            </a:ln>
+          </p:spPr>
+          <p:style>
+            <a:lnRef idx="2">
+              <a:schemeClr val="accent1"/>
+            </a:lnRef>
+            <a:fillRef idx="0">
+              <a:schemeClr val="accent1"/>
+            </a:fillRef>
+            <a:effectRef idx="1">
+              <a:schemeClr val="accent1"/>
+            </a:effectRef>
+            <a:fontRef idx="minor">
+              <a:schemeClr val="tx1"/>
+            </a:fontRef>
+          </p:style>
+        </p:cxnSp>
+      </p:grpSp>
+      <p:sp>
+        <p:nvSpPr>
+          <p:cNvPr id="5" name="Rectangle 1">
+            <a:extLst>
+              <a:ext uri="{FF2B5EF4-FFF2-40B4-BE49-F238E27FC236}">
+                <a16:creationId xmlns:a16="http://schemas.microsoft.com/office/drawing/2014/main" id="{0B0C635B-E127-E465-E35C-01A19ADDF7B4}"/>
+              </a:ext>
+            </a:extLst>
+          </p:cNvPr>
+          <p:cNvSpPr>
+            <a:spLocks noChangeArrowheads="1"/>
+          </p:cNvSpPr>
+          <p:nvPr/>
+        </p:nvSpPr>
+        <p:spPr bwMode="auto">
+          <a:xfrm>
+            <a:off x="426720" y="1320800"/>
+            <a:ext cx="12192000" cy="0"/>
           </a:xfrm>
           <a:prstGeom prst="rect">
             <a:avLst/>
           </a:prstGeom>
-          <a:gradFill flip="none" rotWithShape="1">
-            <a:gsLst>
-              <a:gs pos="0">
-                <a:schemeClr val="accent1">
-                  <a:tint val="66000"/>
-                  <a:satMod val="160000"/>
-                </a:schemeClr>
-              </a:gs>
-              <a:gs pos="50000">
-                <a:schemeClr val="accent1">
-                  <a:tint val="44500"/>
-                  <a:satMod val="160000"/>
-                </a:schemeClr>
-              </a:gs>
-              <a:gs pos="100000">
-                <a:schemeClr val="accent1">
-                  <a:tint val="23500"/>
-                  <a:satMod val="160000"/>
-                </a:schemeClr>
-              </a:gs>
-            </a:gsLst>
-            <a:lin ang="2700000" scaled="1"/>
-            <a:tileRect/>
-          </a:gradFill>
+          <a:noFill/>
           <a:ln>
             <a:noFill/>
           </a:ln>
+          <a:effectLst/>
+          <a:extLst>
+            <a:ext uri="{909E8E84-426E-40DD-AFC4-6F175D3DCCD1}">
+              <a14:hiddenFill xmlns:a14="http://schemas.microsoft.com/office/drawing/2010/main">
+                <a:solidFill>
+                  <a:schemeClr val="accent1"/>
+                </a:solidFill>
+              </a14:hiddenFill>
+            </a:ext>
+            <a:ext uri="{91240B29-F687-4F45-9708-019B960494DF}">
+              <a14:hiddenLine xmlns:a14="http://schemas.microsoft.com/office/drawing/2010/main" w="9525">
+                <a:solidFill>
+                  <a:schemeClr val="tx1"/>
+                </a:solidFill>
+                <a:miter lim="800000"/>
+                <a:headEnd/>
+                <a:tailEnd/>
+              </a14:hiddenLine>
+            </a:ext>
+            <a:ext uri="{AF507438-7753-43E0-B8FC-AC1667EBCBE1}">
+              <a14:hiddenEffects xmlns:a14="http://schemas.microsoft.com/office/drawing/2010/main">
+                <a:effectLst>
+                  <a:outerShdw dist="35921" dir="2700000" algn="ctr" rotWithShape="0">
+                    <a:schemeClr val="bg2"/>
+                  </a:outerShdw>
+                </a:effectLst>
+              </a14:hiddenEffects>
+            </a:ext>
+          </a:extLst>
         </p:spPr>
-        <p:style>
-          <a:lnRef idx="2">
-            <a:schemeClr val="accent1">
-              <a:shade val="15000"/>
-            </a:schemeClr>
-          </a:lnRef>
-          <a:fillRef idx="1">
-            <a:schemeClr val="accent1"/>
-          </a:fillRef>
-          <a:effectRef idx="0">
-            <a:schemeClr val="accent1"/>
-          </a:effectRef>
-          <a:fontRef idx="minor">
-            <a:schemeClr val="lt1"/>
-          </a:fontRef>
-        </p:style>
         <p:txBody>
-          <a:bodyPr rtlCol="0" anchor="ctr"/>
+          <a:bodyPr vert="horz" wrap="none" lIns="91440" tIns="45720" rIns="91440" bIns="45720" numCol="1" anchor="ctr" anchorCtr="0" compatLnSpc="1">
+            <a:prstTxWarp prst="textNoShape">
+              <a:avLst/>
+            </a:prstTxWarp>
+            <a:spAutoFit/>
+          </a:bodyPr>
           <a:lstStyle/>
           <a:p>
-            <a:pPr algn="ctr"/>
-            <a:endParaRPr lang="en-US"/>
+            <a:pPr marL="0" marR="0" lvl="0" indent="0" algn="l" defTabSz="914400" rtl="0" eaLnBrk="0" fontAlgn="base" latinLnBrk="0" hangingPunct="0">
+              <a:lnSpc>
+                <a:spcPct val="100000"/>
+              </a:lnSpc>
+              <a:spcBef>
+                <a:spcPct val="0"/>
+              </a:spcBef>
+              <a:spcAft>
+                <a:spcPct val="0"/>
+              </a:spcAft>
+              <a:buClrTx/>
+              <a:buSzTx/>
+              <a:buFontTx/>
+              <a:buChar char="•"/>
+              <a:tabLst/>
+            </a:pPr>
+            <a:r>
+              <a:rPr kumimoji="0" lang="en-US" altLang="en-US" sz="1800" b="0" i="0" u="none" strike="noStrike" cap="none" normalizeH="0" baseline="0" dirty="0">
+                <a:ln>
+                  <a:noFill/>
+                </a:ln>
+                <a:solidFill>
+                  <a:schemeClr val="tx1"/>
+                </a:solidFill>
+                <a:effectLst/>
+                <a:latin typeface="Arial" panose="020B0604020202020204" pitchFamily="34" charset="0"/>
+              </a:rPr>
+              <a:t>Example borrower profile (first row).</a:t>
+            </a:r>
+          </a:p>
+          <a:p>
+            <a:pPr marL="0" marR="0" lvl="0" indent="0" algn="l" defTabSz="914400" rtl="0" eaLnBrk="0" fontAlgn="base" latinLnBrk="0" hangingPunct="0">
+              <a:lnSpc>
+                <a:spcPct val="100000"/>
+              </a:lnSpc>
+              <a:spcBef>
+                <a:spcPct val="0"/>
+              </a:spcBef>
+              <a:spcAft>
+                <a:spcPct val="0"/>
+              </a:spcAft>
+              <a:buClrTx/>
+              <a:buSzTx/>
+              <a:buFontTx/>
+              <a:buChar char="•"/>
+              <a:tabLst/>
+            </a:pPr>
+            <a:r>
+              <a:rPr kumimoji="0" lang="en-US" altLang="en-US" sz="1800" b="0" i="0" u="none" strike="noStrike" cap="none" normalizeH="0" baseline="0" dirty="0">
+                <a:ln>
+                  <a:noFill/>
+                </a:ln>
+                <a:solidFill>
+                  <a:schemeClr val="tx1"/>
+                </a:solidFill>
+                <a:effectLst/>
+                <a:latin typeface="Arial" panose="020B0604020202020204" pitchFamily="34" charset="0"/>
+              </a:rPr>
+              <a:t>Key distributions (loan amounts, grades, income).</a:t>
+            </a:r>
+          </a:p>
+          <a:p>
+            <a:pPr marL="0" marR="0" lvl="0" indent="0" algn="l" defTabSz="914400" rtl="0" eaLnBrk="0" fontAlgn="base" latinLnBrk="0" hangingPunct="0">
+              <a:lnSpc>
+                <a:spcPct val="100000"/>
+              </a:lnSpc>
+              <a:spcBef>
+                <a:spcPct val="0"/>
+              </a:spcBef>
+              <a:spcAft>
+                <a:spcPct val="0"/>
+              </a:spcAft>
+              <a:buClrTx/>
+              <a:buSzTx/>
+              <a:buFontTx/>
+              <a:buChar char="•"/>
+              <a:tabLst/>
+            </a:pPr>
+            <a:r>
+              <a:rPr kumimoji="0" lang="en-US" altLang="en-US" sz="1800" b="0" i="0" u="none" strike="noStrike" cap="none" normalizeH="0" baseline="0" dirty="0">
+                <a:ln>
+                  <a:noFill/>
+                </a:ln>
+                <a:solidFill>
+                  <a:schemeClr val="tx1"/>
+                </a:solidFill>
+                <a:effectLst/>
+                <a:latin typeface="Arial" panose="020B0604020202020204" pitchFamily="34" charset="0"/>
+              </a:rPr>
+              <a:t>Early patterns: e.g., higher grade loans = lower default risk.</a:t>
+            </a:r>
           </a:p>
         </p:txBody>
       </p:sp>
     </p:spTree>
     <p:extLst>
       <p:ext uri="{BB962C8B-B14F-4D97-AF65-F5344CB8AC3E}">
-        <p14:creationId xmlns:p14="http://schemas.microsoft.com/office/powerpoint/2010/main" val="1891136165"/>
+        <p14:creationId xmlns:p14="http://schemas.microsoft.com/office/powerpoint/2010/main" val="3995160392"/>
+      </p:ext>
+    </p:extLst>
+  </p:cSld>
+  <p:clrMapOvr>
+    <a:masterClrMapping/>
+  </p:clrMapOvr>
+</p:sld>
+</file>
+
+<file path=ppt/slides/slide6.xml><?xml version="1.0" encoding="utf-8"?>
+<p:sld xmlns:a="http://schemas.openxmlformats.org/drawingml/2006/main" xmlns:r="http://schemas.openxmlformats.org/officeDocument/2006/relationships" xmlns:p="http://schemas.openxmlformats.org/presentationml/2006/main">
+  <p:cSld>
+    <p:spTree>
+      <p:nvGrpSpPr>
+        <p:cNvPr id="1" name="">
+          <a:extLst>
+            <a:ext uri="{FF2B5EF4-FFF2-40B4-BE49-F238E27FC236}">
+              <a16:creationId xmlns:a16="http://schemas.microsoft.com/office/drawing/2014/main" id="{7CA886E5-5805-E9B2-5BCA-E6EF06A6915B}"/>
+            </a:ext>
+          </a:extLst>
+        </p:cNvPr>
+        <p:cNvGrpSpPr/>
+        <p:nvPr/>
+      </p:nvGrpSpPr>
+      <p:grpSpPr>
+        <a:xfrm>
+          <a:off x="0" y="0"/>
+          <a:ext cx="0" cy="0"/>
+          <a:chOff x="0" y="0"/>
+          <a:chExt cx="0" cy="0"/>
+        </a:xfrm>
+      </p:grpSpPr>
+      <p:grpSp>
+        <p:nvGrpSpPr>
+          <p:cNvPr id="20" name="Group 19">
+            <a:extLst>
+              <a:ext uri="{FF2B5EF4-FFF2-40B4-BE49-F238E27FC236}">
+                <a16:creationId xmlns:a16="http://schemas.microsoft.com/office/drawing/2014/main" id="{04DD35AF-3215-55D7-2FB1-357260F2E9B5}"/>
+              </a:ext>
+            </a:extLst>
+          </p:cNvPr>
+          <p:cNvGrpSpPr/>
+          <p:nvPr/>
+        </p:nvGrpSpPr>
+        <p:grpSpPr>
+          <a:xfrm>
+            <a:off x="0" y="0"/>
+            <a:ext cx="12192000" cy="6858000"/>
+            <a:chOff x="0" y="0"/>
+            <a:chExt cx="12192000" cy="6858000"/>
+          </a:xfrm>
+        </p:grpSpPr>
+        <p:sp>
+          <p:nvSpPr>
+            <p:cNvPr id="9" name="TextBox 8">
+              <a:extLst>
+                <a:ext uri="{FF2B5EF4-FFF2-40B4-BE49-F238E27FC236}">
+                  <a16:creationId xmlns:a16="http://schemas.microsoft.com/office/drawing/2014/main" id="{FAD13C76-DC6A-8A66-C3FF-7014464155BB}"/>
+                </a:ext>
+              </a:extLst>
+            </p:cNvPr>
+            <p:cNvSpPr txBox="1"/>
+            <p:nvPr/>
+          </p:nvSpPr>
+          <p:spPr>
+            <a:xfrm>
+              <a:off x="325120" y="0"/>
+              <a:ext cx="11866880" cy="584775"/>
+            </a:xfrm>
+            <a:prstGeom prst="rect">
+              <a:avLst/>
+            </a:prstGeom>
+            <a:noFill/>
+          </p:spPr>
+          <p:txBody>
+            <a:bodyPr wrap="square" rtlCol="0">
+              <a:spAutoFit/>
+            </a:bodyPr>
+            <a:lstStyle/>
+            <a:p>
+              <a:r>
+                <a:rPr lang="en-US" sz="3200" b="1" dirty="0">
+                  <a:solidFill>
+                    <a:schemeClr val="accent1">
+                      <a:lumMod val="75000"/>
+                    </a:schemeClr>
+                  </a:solidFill>
+                </a:rPr>
+                <a:t>Modeling Approach</a:t>
+              </a:r>
+            </a:p>
+          </p:txBody>
+        </p:sp>
+        <p:cxnSp>
+          <p:nvCxnSpPr>
+            <p:cNvPr id="13" name="Straight Connector 12">
+              <a:extLst>
+                <a:ext uri="{FF2B5EF4-FFF2-40B4-BE49-F238E27FC236}">
+                  <a16:creationId xmlns:a16="http://schemas.microsoft.com/office/drawing/2014/main" id="{CBDB256C-8224-0FD2-7044-97568AB62B5C}"/>
+                </a:ext>
+              </a:extLst>
+            </p:cNvPr>
+            <p:cNvCxnSpPr>
+              <a:cxnSpLocks/>
+            </p:cNvCxnSpPr>
+            <p:nvPr/>
+          </p:nvCxnSpPr>
+          <p:spPr>
+            <a:xfrm>
+              <a:off x="81280" y="538480"/>
+              <a:ext cx="12110720" cy="0"/>
+            </a:xfrm>
+            <a:prstGeom prst="line">
+              <a:avLst/>
+            </a:prstGeom>
+            <a:ln>
+              <a:solidFill>
+                <a:schemeClr val="tx2">
+                  <a:lumMod val="10000"/>
+                  <a:lumOff val="90000"/>
+                </a:schemeClr>
+              </a:solidFill>
+            </a:ln>
+          </p:spPr>
+          <p:style>
+            <a:lnRef idx="2">
+              <a:schemeClr val="accent1"/>
+            </a:lnRef>
+            <a:fillRef idx="0">
+              <a:schemeClr val="accent1"/>
+            </a:fillRef>
+            <a:effectRef idx="1">
+              <a:schemeClr val="accent1"/>
+            </a:effectRef>
+            <a:fontRef idx="minor">
+              <a:schemeClr val="tx1"/>
+            </a:fontRef>
+          </p:style>
+        </p:cxnSp>
+        <p:sp>
+          <p:nvSpPr>
+            <p:cNvPr id="15" name="Rectangle 14">
+              <a:extLst>
+                <a:ext uri="{FF2B5EF4-FFF2-40B4-BE49-F238E27FC236}">
+                  <a16:creationId xmlns:a16="http://schemas.microsoft.com/office/drawing/2014/main" id="{05AC46E1-40AC-D98B-4E45-DE7DC3AD4E4B}"/>
+                </a:ext>
+              </a:extLst>
+            </p:cNvPr>
+            <p:cNvSpPr/>
+            <p:nvPr/>
+          </p:nvSpPr>
+          <p:spPr>
+            <a:xfrm>
+              <a:off x="0" y="0"/>
+              <a:ext cx="325120" cy="6858000"/>
+            </a:xfrm>
+            <a:prstGeom prst="rect">
+              <a:avLst/>
+            </a:prstGeom>
+            <a:gradFill flip="none" rotWithShape="1">
+              <a:gsLst>
+                <a:gs pos="0">
+                  <a:schemeClr val="accent1">
+                    <a:tint val="66000"/>
+                    <a:satMod val="160000"/>
+                  </a:schemeClr>
+                </a:gs>
+                <a:gs pos="50000">
+                  <a:schemeClr val="accent1">
+                    <a:tint val="44500"/>
+                    <a:satMod val="160000"/>
+                  </a:schemeClr>
+                </a:gs>
+                <a:gs pos="100000">
+                  <a:schemeClr val="accent1">
+                    <a:tint val="23500"/>
+                    <a:satMod val="160000"/>
+                  </a:schemeClr>
+                </a:gs>
+              </a:gsLst>
+              <a:lin ang="2700000" scaled="1"/>
+              <a:tileRect/>
+            </a:gradFill>
+            <a:ln>
+              <a:noFill/>
+            </a:ln>
+          </p:spPr>
+          <p:style>
+            <a:lnRef idx="2">
+              <a:schemeClr val="accent1">
+                <a:shade val="15000"/>
+              </a:schemeClr>
+            </a:lnRef>
+            <a:fillRef idx="1">
+              <a:schemeClr val="accent1"/>
+            </a:fillRef>
+            <a:effectRef idx="0">
+              <a:schemeClr val="accent1"/>
+            </a:effectRef>
+            <a:fontRef idx="minor">
+              <a:schemeClr val="lt1"/>
+            </a:fontRef>
+          </p:style>
+          <p:txBody>
+            <a:bodyPr rtlCol="0" anchor="ctr"/>
+            <a:lstStyle/>
+            <a:p>
+              <a:pPr algn="ctr"/>
+              <a:endParaRPr lang="en-US"/>
+            </a:p>
+          </p:txBody>
+        </p:sp>
+        <p:cxnSp>
+          <p:nvCxnSpPr>
+            <p:cNvPr id="17" name="Straight Connector 16">
+              <a:extLst>
+                <a:ext uri="{FF2B5EF4-FFF2-40B4-BE49-F238E27FC236}">
+                  <a16:creationId xmlns:a16="http://schemas.microsoft.com/office/drawing/2014/main" id="{ACD4FDC4-F450-9A42-B25F-3FF8F268EB27}"/>
+                </a:ext>
+              </a:extLst>
+            </p:cNvPr>
+            <p:cNvCxnSpPr>
+              <a:cxnSpLocks/>
+            </p:cNvCxnSpPr>
+            <p:nvPr/>
+          </p:nvCxnSpPr>
+          <p:spPr>
+            <a:xfrm>
+              <a:off x="325120" y="523815"/>
+              <a:ext cx="11866880" cy="0"/>
+            </a:xfrm>
+            <a:prstGeom prst="line">
+              <a:avLst/>
+            </a:prstGeom>
+            <a:ln w="6350">
+              <a:solidFill>
+                <a:schemeClr val="accent1">
+                  <a:lumMod val="75000"/>
+                </a:schemeClr>
+              </a:solidFill>
+            </a:ln>
+          </p:spPr>
+          <p:style>
+            <a:lnRef idx="2">
+              <a:schemeClr val="accent1"/>
+            </a:lnRef>
+            <a:fillRef idx="0">
+              <a:schemeClr val="accent1"/>
+            </a:fillRef>
+            <a:effectRef idx="1">
+              <a:schemeClr val="accent1"/>
+            </a:effectRef>
+            <a:fontRef idx="minor">
+              <a:schemeClr val="tx1"/>
+            </a:fontRef>
+          </p:style>
+        </p:cxnSp>
+        <p:cxnSp>
+          <p:nvCxnSpPr>
+            <p:cNvPr id="19" name="Straight Connector 18">
+              <a:extLst>
+                <a:ext uri="{FF2B5EF4-FFF2-40B4-BE49-F238E27FC236}">
+                  <a16:creationId xmlns:a16="http://schemas.microsoft.com/office/drawing/2014/main" id="{5F432DB3-1423-DAF5-9E5D-0D939D59E748}"/>
+                </a:ext>
+              </a:extLst>
+            </p:cNvPr>
+            <p:cNvCxnSpPr>
+              <a:cxnSpLocks/>
+            </p:cNvCxnSpPr>
+            <p:nvPr/>
+          </p:nvCxnSpPr>
+          <p:spPr>
+            <a:xfrm>
+              <a:off x="325120" y="554295"/>
+              <a:ext cx="11866880" cy="0"/>
+            </a:xfrm>
+            <a:prstGeom prst="line">
+              <a:avLst/>
+            </a:prstGeom>
+            <a:ln w="6350">
+              <a:solidFill>
+                <a:schemeClr val="accent1">
+                  <a:lumMod val="75000"/>
+                </a:schemeClr>
+              </a:solidFill>
+            </a:ln>
+          </p:spPr>
+          <p:style>
+            <a:lnRef idx="2">
+              <a:schemeClr val="accent1"/>
+            </a:lnRef>
+            <a:fillRef idx="0">
+              <a:schemeClr val="accent1"/>
+            </a:fillRef>
+            <a:effectRef idx="1">
+              <a:schemeClr val="accent1"/>
+            </a:effectRef>
+            <a:fontRef idx="minor">
+              <a:schemeClr val="tx1"/>
+            </a:fontRef>
+          </p:style>
+        </p:cxnSp>
+      </p:grpSp>
+      <p:sp>
+        <p:nvSpPr>
+          <p:cNvPr id="3" name="TextBox 2">
+            <a:extLst>
+              <a:ext uri="{FF2B5EF4-FFF2-40B4-BE49-F238E27FC236}">
+                <a16:creationId xmlns:a16="http://schemas.microsoft.com/office/drawing/2014/main" id="{C1D9D5C8-1C8E-846D-0215-3FE57E89C489}"/>
+              </a:ext>
+            </a:extLst>
+          </p:cNvPr>
+          <p:cNvSpPr txBox="1"/>
+          <p:nvPr/>
+        </p:nvSpPr>
+        <p:spPr>
+          <a:xfrm>
+            <a:off x="3055257" y="2265180"/>
+            <a:ext cx="6110514" cy="1754326"/>
+          </a:xfrm>
+          <a:prstGeom prst="rect">
+            <a:avLst/>
+          </a:prstGeom>
+          <a:noFill/>
+        </p:spPr>
+        <p:txBody>
+          <a:bodyPr wrap="square">
+            <a:spAutoFit/>
+          </a:bodyPr>
+          <a:lstStyle/>
+          <a:p>
+            <a:pPr>
+              <a:buNone/>
+            </a:pPr>
+            <a:r>
+              <a:rPr lang="en-US" b="1" dirty="0"/>
+              <a:t>Modeling Approach</a:t>
+            </a:r>
+          </a:p>
+          <a:p>
+            <a:pPr>
+              <a:buFont typeface="Arial" panose="020B0604020202020204" pitchFamily="34" charset="0"/>
+              <a:buChar char="•"/>
+            </a:pPr>
+            <a:r>
+              <a:rPr lang="en-US" dirty="0"/>
+              <a:t>Step 1: Baseline logistic regression (interpretable).</a:t>
+            </a:r>
+          </a:p>
+          <a:p>
+            <a:pPr>
+              <a:buFont typeface="Arial" panose="020B0604020202020204" pitchFamily="34" charset="0"/>
+              <a:buChar char="•"/>
+            </a:pPr>
+            <a:r>
+              <a:rPr lang="en-US" dirty="0"/>
+              <a:t>Step 2: Tree-based models (Random Forest, </a:t>
+            </a:r>
+            <a:r>
+              <a:rPr lang="en-US" dirty="0" err="1"/>
+              <a:t>XGBoost</a:t>
+            </a:r>
+            <a:r>
+              <a:rPr lang="en-US" dirty="0"/>
+              <a:t>) for higher predictive power.</a:t>
+            </a:r>
+          </a:p>
+          <a:p>
+            <a:pPr>
+              <a:buFont typeface="Arial" panose="020B0604020202020204" pitchFamily="34" charset="0"/>
+              <a:buChar char="•"/>
+            </a:pPr>
+            <a:r>
+              <a:rPr lang="en-US" dirty="0"/>
+              <a:t>Focus on balancing </a:t>
+            </a:r>
+            <a:r>
+              <a:rPr lang="en-US" b="1" dirty="0"/>
+              <a:t>precision vs. recall</a:t>
+            </a:r>
+            <a:r>
+              <a:rPr lang="en-US" dirty="0"/>
+              <a:t> for default class.</a:t>
+            </a:r>
+          </a:p>
+          <a:p>
+            <a:pPr>
+              <a:buFont typeface="Arial" panose="020B0604020202020204" pitchFamily="34" charset="0"/>
+              <a:buChar char="•"/>
+            </a:pPr>
+            <a:r>
+              <a:rPr lang="en-US" dirty="0"/>
+              <a:t>Evaluation metrics: ROC-AUC, PR-AUC, confusion </a:t>
+            </a:r>
+            <a:r>
+              <a:rPr lang="en-US" dirty="0" err="1"/>
+              <a:t>matri</a:t>
+            </a:r>
+            <a:endParaRPr lang="en-US" dirty="0"/>
+          </a:p>
+        </p:txBody>
+      </p:sp>
+    </p:spTree>
+    <p:extLst>
+      <p:ext uri="{BB962C8B-B14F-4D97-AF65-F5344CB8AC3E}">
+        <p14:creationId xmlns:p14="http://schemas.microsoft.com/office/powerpoint/2010/main" val="193952066"/>
+      </p:ext>
+    </p:extLst>
+  </p:cSld>
+  <p:clrMapOvr>
+    <a:masterClrMapping/>
+  </p:clrMapOvr>
+</p:sld>
+</file>
+
+<file path=ppt/slides/slide7.xml><?xml version="1.0" encoding="utf-8"?>
+<p:sld xmlns:a="http://schemas.openxmlformats.org/drawingml/2006/main" xmlns:r="http://schemas.openxmlformats.org/officeDocument/2006/relationships" xmlns:p="http://schemas.openxmlformats.org/presentationml/2006/main">
+  <p:cSld>
+    <p:spTree>
+      <p:nvGrpSpPr>
+        <p:cNvPr id="1" name="">
+          <a:extLst>
+            <a:ext uri="{FF2B5EF4-FFF2-40B4-BE49-F238E27FC236}">
+              <a16:creationId xmlns:a16="http://schemas.microsoft.com/office/drawing/2014/main" id="{78D7DF7A-80B7-79B2-E955-7BE64C72FB88}"/>
+            </a:ext>
+          </a:extLst>
+        </p:cNvPr>
+        <p:cNvGrpSpPr/>
+        <p:nvPr/>
+      </p:nvGrpSpPr>
+      <p:grpSpPr>
+        <a:xfrm>
+          <a:off x="0" y="0"/>
+          <a:ext cx="0" cy="0"/>
+          <a:chOff x="0" y="0"/>
+          <a:chExt cx="0" cy="0"/>
+        </a:xfrm>
+      </p:grpSpPr>
+      <p:grpSp>
+        <p:nvGrpSpPr>
+          <p:cNvPr id="20" name="Group 19">
+            <a:extLst>
+              <a:ext uri="{FF2B5EF4-FFF2-40B4-BE49-F238E27FC236}">
+                <a16:creationId xmlns:a16="http://schemas.microsoft.com/office/drawing/2014/main" id="{6D9B3F8A-504C-2C6E-3718-EAD3CC57DBDF}"/>
+              </a:ext>
+            </a:extLst>
+          </p:cNvPr>
+          <p:cNvGrpSpPr/>
+          <p:nvPr/>
+        </p:nvGrpSpPr>
+        <p:grpSpPr>
+          <a:xfrm>
+            <a:off x="0" y="0"/>
+            <a:ext cx="12192000" cy="6858000"/>
+            <a:chOff x="0" y="0"/>
+            <a:chExt cx="12192000" cy="6858000"/>
+          </a:xfrm>
+        </p:grpSpPr>
+        <p:sp>
+          <p:nvSpPr>
+            <p:cNvPr id="9" name="TextBox 8">
+              <a:extLst>
+                <a:ext uri="{FF2B5EF4-FFF2-40B4-BE49-F238E27FC236}">
+                  <a16:creationId xmlns:a16="http://schemas.microsoft.com/office/drawing/2014/main" id="{A3345F51-3FE1-4117-8AFE-8D42373215C5}"/>
+                </a:ext>
+              </a:extLst>
+            </p:cNvPr>
+            <p:cNvSpPr txBox="1"/>
+            <p:nvPr/>
+          </p:nvSpPr>
+          <p:spPr>
+            <a:xfrm>
+              <a:off x="325120" y="0"/>
+              <a:ext cx="11866880" cy="584775"/>
+            </a:xfrm>
+            <a:prstGeom prst="rect">
+              <a:avLst/>
+            </a:prstGeom>
+            <a:noFill/>
+          </p:spPr>
+          <p:txBody>
+            <a:bodyPr wrap="square" rtlCol="0">
+              <a:spAutoFit/>
+            </a:bodyPr>
+            <a:lstStyle/>
+            <a:p>
+              <a:r>
+                <a:rPr lang="en-US" sz="3200" b="1" dirty="0">
+                  <a:solidFill>
+                    <a:schemeClr val="accent1">
+                      <a:lumMod val="75000"/>
+                    </a:schemeClr>
+                  </a:solidFill>
+                </a:rPr>
+                <a:t>Modeling Approach</a:t>
+              </a:r>
+            </a:p>
+          </p:txBody>
+        </p:sp>
+        <p:cxnSp>
+          <p:nvCxnSpPr>
+            <p:cNvPr id="13" name="Straight Connector 12">
+              <a:extLst>
+                <a:ext uri="{FF2B5EF4-FFF2-40B4-BE49-F238E27FC236}">
+                  <a16:creationId xmlns:a16="http://schemas.microsoft.com/office/drawing/2014/main" id="{A676F49C-56EF-EBFC-3EA5-1CC6E2959F82}"/>
+                </a:ext>
+              </a:extLst>
+            </p:cNvPr>
+            <p:cNvCxnSpPr>
+              <a:cxnSpLocks/>
+            </p:cNvCxnSpPr>
+            <p:nvPr/>
+          </p:nvCxnSpPr>
+          <p:spPr>
+            <a:xfrm>
+              <a:off x="81280" y="538480"/>
+              <a:ext cx="12110720" cy="0"/>
+            </a:xfrm>
+            <a:prstGeom prst="line">
+              <a:avLst/>
+            </a:prstGeom>
+            <a:ln>
+              <a:solidFill>
+                <a:schemeClr val="tx2">
+                  <a:lumMod val="10000"/>
+                  <a:lumOff val="90000"/>
+                </a:schemeClr>
+              </a:solidFill>
+            </a:ln>
+          </p:spPr>
+          <p:style>
+            <a:lnRef idx="2">
+              <a:schemeClr val="accent1"/>
+            </a:lnRef>
+            <a:fillRef idx="0">
+              <a:schemeClr val="accent1"/>
+            </a:fillRef>
+            <a:effectRef idx="1">
+              <a:schemeClr val="accent1"/>
+            </a:effectRef>
+            <a:fontRef idx="minor">
+              <a:schemeClr val="tx1"/>
+            </a:fontRef>
+          </p:style>
+        </p:cxnSp>
+        <p:sp>
+          <p:nvSpPr>
+            <p:cNvPr id="15" name="Rectangle 14">
+              <a:extLst>
+                <a:ext uri="{FF2B5EF4-FFF2-40B4-BE49-F238E27FC236}">
+                  <a16:creationId xmlns:a16="http://schemas.microsoft.com/office/drawing/2014/main" id="{1E106E0C-A4E0-16A4-A6BD-6FA6D0BB668F}"/>
+                </a:ext>
+              </a:extLst>
+            </p:cNvPr>
+            <p:cNvSpPr/>
+            <p:nvPr/>
+          </p:nvSpPr>
+          <p:spPr>
+            <a:xfrm>
+              <a:off x="0" y="0"/>
+              <a:ext cx="325120" cy="6858000"/>
+            </a:xfrm>
+            <a:prstGeom prst="rect">
+              <a:avLst/>
+            </a:prstGeom>
+            <a:gradFill flip="none" rotWithShape="1">
+              <a:gsLst>
+                <a:gs pos="0">
+                  <a:schemeClr val="accent1">
+                    <a:tint val="66000"/>
+                    <a:satMod val="160000"/>
+                  </a:schemeClr>
+                </a:gs>
+                <a:gs pos="50000">
+                  <a:schemeClr val="accent1">
+                    <a:tint val="44500"/>
+                    <a:satMod val="160000"/>
+                  </a:schemeClr>
+                </a:gs>
+                <a:gs pos="100000">
+                  <a:schemeClr val="accent1">
+                    <a:tint val="23500"/>
+                    <a:satMod val="160000"/>
+                  </a:schemeClr>
+                </a:gs>
+              </a:gsLst>
+              <a:lin ang="2700000" scaled="1"/>
+              <a:tileRect/>
+            </a:gradFill>
+            <a:ln>
+              <a:noFill/>
+            </a:ln>
+          </p:spPr>
+          <p:style>
+            <a:lnRef idx="2">
+              <a:schemeClr val="accent1">
+                <a:shade val="15000"/>
+              </a:schemeClr>
+            </a:lnRef>
+            <a:fillRef idx="1">
+              <a:schemeClr val="accent1"/>
+            </a:fillRef>
+            <a:effectRef idx="0">
+              <a:schemeClr val="accent1"/>
+            </a:effectRef>
+            <a:fontRef idx="minor">
+              <a:schemeClr val="lt1"/>
+            </a:fontRef>
+          </p:style>
+          <p:txBody>
+            <a:bodyPr rtlCol="0" anchor="ctr"/>
+            <a:lstStyle/>
+            <a:p>
+              <a:pPr algn="ctr"/>
+              <a:endParaRPr lang="en-US"/>
+            </a:p>
+          </p:txBody>
+        </p:sp>
+        <p:cxnSp>
+          <p:nvCxnSpPr>
+            <p:cNvPr id="17" name="Straight Connector 16">
+              <a:extLst>
+                <a:ext uri="{FF2B5EF4-FFF2-40B4-BE49-F238E27FC236}">
+                  <a16:creationId xmlns:a16="http://schemas.microsoft.com/office/drawing/2014/main" id="{CA26DA2A-0397-3423-5615-2944A24898E9}"/>
+                </a:ext>
+              </a:extLst>
+            </p:cNvPr>
+            <p:cNvCxnSpPr>
+              <a:cxnSpLocks/>
+            </p:cNvCxnSpPr>
+            <p:nvPr/>
+          </p:nvCxnSpPr>
+          <p:spPr>
+            <a:xfrm>
+              <a:off x="325120" y="523815"/>
+              <a:ext cx="11866880" cy="0"/>
+            </a:xfrm>
+            <a:prstGeom prst="line">
+              <a:avLst/>
+            </a:prstGeom>
+            <a:ln w="6350">
+              <a:solidFill>
+                <a:schemeClr val="accent1">
+                  <a:lumMod val="75000"/>
+                </a:schemeClr>
+              </a:solidFill>
+            </a:ln>
+          </p:spPr>
+          <p:style>
+            <a:lnRef idx="2">
+              <a:schemeClr val="accent1"/>
+            </a:lnRef>
+            <a:fillRef idx="0">
+              <a:schemeClr val="accent1"/>
+            </a:fillRef>
+            <a:effectRef idx="1">
+              <a:schemeClr val="accent1"/>
+            </a:effectRef>
+            <a:fontRef idx="minor">
+              <a:schemeClr val="tx1"/>
+            </a:fontRef>
+          </p:style>
+        </p:cxnSp>
+        <p:cxnSp>
+          <p:nvCxnSpPr>
+            <p:cNvPr id="19" name="Straight Connector 18">
+              <a:extLst>
+                <a:ext uri="{FF2B5EF4-FFF2-40B4-BE49-F238E27FC236}">
+                  <a16:creationId xmlns:a16="http://schemas.microsoft.com/office/drawing/2014/main" id="{63459080-28D0-0BC8-B2F2-0CD465329839}"/>
+                </a:ext>
+              </a:extLst>
+            </p:cNvPr>
+            <p:cNvCxnSpPr>
+              <a:cxnSpLocks/>
+            </p:cNvCxnSpPr>
+            <p:nvPr/>
+          </p:nvCxnSpPr>
+          <p:spPr>
+            <a:xfrm>
+              <a:off x="325120" y="554295"/>
+              <a:ext cx="11866880" cy="0"/>
+            </a:xfrm>
+            <a:prstGeom prst="line">
+              <a:avLst/>
+            </a:prstGeom>
+            <a:ln w="6350">
+              <a:solidFill>
+                <a:schemeClr val="accent1">
+                  <a:lumMod val="75000"/>
+                </a:schemeClr>
+              </a:solidFill>
+            </a:ln>
+          </p:spPr>
+          <p:style>
+            <a:lnRef idx="2">
+              <a:schemeClr val="accent1"/>
+            </a:lnRef>
+            <a:fillRef idx="0">
+              <a:schemeClr val="accent1"/>
+            </a:fillRef>
+            <a:effectRef idx="1">
+              <a:schemeClr val="accent1"/>
+            </a:effectRef>
+            <a:fontRef idx="minor">
+              <a:schemeClr val="tx1"/>
+            </a:fontRef>
+          </p:style>
+        </p:cxnSp>
+      </p:grpSp>
+    </p:spTree>
+    <p:extLst>
+      <p:ext uri="{BB962C8B-B14F-4D97-AF65-F5344CB8AC3E}">
+        <p14:creationId xmlns:p14="http://schemas.microsoft.com/office/powerpoint/2010/main" val="3398109030"/>
+      </p:ext>
+    </p:extLst>
+  </p:cSld>
+  <p:clrMapOvr>
+    <a:masterClrMapping/>
+  </p:clrMapOvr>
+</p:sld>
+</file>
+
+<file path=ppt/slides/slide8.xml><?xml version="1.0" encoding="utf-8"?>
+<p:sld xmlns:a="http://schemas.openxmlformats.org/drawingml/2006/main" xmlns:r="http://schemas.openxmlformats.org/officeDocument/2006/relationships" xmlns:p="http://schemas.openxmlformats.org/presentationml/2006/main">
+  <p:cSld>
+    <p:spTree>
+      <p:nvGrpSpPr>
+        <p:cNvPr id="1" name="">
+          <a:extLst>
+            <a:ext uri="{FF2B5EF4-FFF2-40B4-BE49-F238E27FC236}">
+              <a16:creationId xmlns:a16="http://schemas.microsoft.com/office/drawing/2014/main" id="{94705D91-1A8F-C922-DDFB-5E632249D7DF}"/>
+            </a:ext>
+          </a:extLst>
+        </p:cNvPr>
+        <p:cNvGrpSpPr/>
+        <p:nvPr/>
+      </p:nvGrpSpPr>
+      <p:grpSpPr>
+        <a:xfrm>
+          <a:off x="0" y="0"/>
+          <a:ext cx="0" cy="0"/>
+          <a:chOff x="0" y="0"/>
+          <a:chExt cx="0" cy="0"/>
+        </a:xfrm>
+      </p:grpSpPr>
+      <p:grpSp>
+        <p:nvGrpSpPr>
+          <p:cNvPr id="20" name="Group 19">
+            <a:extLst>
+              <a:ext uri="{FF2B5EF4-FFF2-40B4-BE49-F238E27FC236}">
+                <a16:creationId xmlns:a16="http://schemas.microsoft.com/office/drawing/2014/main" id="{215E6175-9ED5-8D24-1BBE-9F6DD795EA6A}"/>
+              </a:ext>
+            </a:extLst>
+          </p:cNvPr>
+          <p:cNvGrpSpPr/>
+          <p:nvPr/>
+        </p:nvGrpSpPr>
+        <p:grpSpPr>
+          <a:xfrm>
+            <a:off x="0" y="0"/>
+            <a:ext cx="12192000" cy="6858000"/>
+            <a:chOff x="0" y="0"/>
+            <a:chExt cx="12192000" cy="6858000"/>
+          </a:xfrm>
+        </p:grpSpPr>
+        <p:sp>
+          <p:nvSpPr>
+            <p:cNvPr id="9" name="TextBox 8">
+              <a:extLst>
+                <a:ext uri="{FF2B5EF4-FFF2-40B4-BE49-F238E27FC236}">
+                  <a16:creationId xmlns:a16="http://schemas.microsoft.com/office/drawing/2014/main" id="{16D39EBF-0D6A-5326-D8E9-EA1A761B6DCA}"/>
+                </a:ext>
+              </a:extLst>
+            </p:cNvPr>
+            <p:cNvSpPr txBox="1"/>
+            <p:nvPr/>
+          </p:nvSpPr>
+          <p:spPr>
+            <a:xfrm>
+              <a:off x="325120" y="0"/>
+              <a:ext cx="11866880" cy="584775"/>
+            </a:xfrm>
+            <a:prstGeom prst="rect">
+              <a:avLst/>
+            </a:prstGeom>
+            <a:noFill/>
+          </p:spPr>
+          <p:txBody>
+            <a:bodyPr wrap="square" rtlCol="0">
+              <a:spAutoFit/>
+            </a:bodyPr>
+            <a:lstStyle/>
+            <a:p>
+              <a:r>
+                <a:rPr lang="en-US" sz="3200" b="1" dirty="0">
+                  <a:solidFill>
+                    <a:schemeClr val="accent1">
+                      <a:lumMod val="75000"/>
+                    </a:schemeClr>
+                  </a:solidFill>
+                </a:rPr>
+                <a:t>Key Insights</a:t>
+              </a:r>
+            </a:p>
+          </p:txBody>
+        </p:sp>
+        <p:cxnSp>
+          <p:nvCxnSpPr>
+            <p:cNvPr id="13" name="Straight Connector 12">
+              <a:extLst>
+                <a:ext uri="{FF2B5EF4-FFF2-40B4-BE49-F238E27FC236}">
+                  <a16:creationId xmlns:a16="http://schemas.microsoft.com/office/drawing/2014/main" id="{488F66BC-D71B-6DCB-3A1C-06309A8FDD80}"/>
+                </a:ext>
+              </a:extLst>
+            </p:cNvPr>
+            <p:cNvCxnSpPr>
+              <a:cxnSpLocks/>
+            </p:cNvCxnSpPr>
+            <p:nvPr/>
+          </p:nvCxnSpPr>
+          <p:spPr>
+            <a:xfrm>
+              <a:off x="81280" y="538480"/>
+              <a:ext cx="12110720" cy="0"/>
+            </a:xfrm>
+            <a:prstGeom prst="line">
+              <a:avLst/>
+            </a:prstGeom>
+            <a:ln>
+              <a:solidFill>
+                <a:schemeClr val="tx2">
+                  <a:lumMod val="10000"/>
+                  <a:lumOff val="90000"/>
+                </a:schemeClr>
+              </a:solidFill>
+            </a:ln>
+          </p:spPr>
+          <p:style>
+            <a:lnRef idx="2">
+              <a:schemeClr val="accent1"/>
+            </a:lnRef>
+            <a:fillRef idx="0">
+              <a:schemeClr val="accent1"/>
+            </a:fillRef>
+            <a:effectRef idx="1">
+              <a:schemeClr val="accent1"/>
+            </a:effectRef>
+            <a:fontRef idx="minor">
+              <a:schemeClr val="tx1"/>
+            </a:fontRef>
+          </p:style>
+        </p:cxnSp>
+        <p:sp>
+          <p:nvSpPr>
+            <p:cNvPr id="15" name="Rectangle 14">
+              <a:extLst>
+                <a:ext uri="{FF2B5EF4-FFF2-40B4-BE49-F238E27FC236}">
+                  <a16:creationId xmlns:a16="http://schemas.microsoft.com/office/drawing/2014/main" id="{76C8C2DA-D157-4348-65E1-5D3E9A24EA74}"/>
+                </a:ext>
+              </a:extLst>
+            </p:cNvPr>
+            <p:cNvSpPr/>
+            <p:nvPr/>
+          </p:nvSpPr>
+          <p:spPr>
+            <a:xfrm>
+              <a:off x="0" y="0"/>
+              <a:ext cx="325120" cy="6858000"/>
+            </a:xfrm>
+            <a:prstGeom prst="rect">
+              <a:avLst/>
+            </a:prstGeom>
+            <a:gradFill flip="none" rotWithShape="1">
+              <a:gsLst>
+                <a:gs pos="0">
+                  <a:schemeClr val="accent1">
+                    <a:tint val="66000"/>
+                    <a:satMod val="160000"/>
+                  </a:schemeClr>
+                </a:gs>
+                <a:gs pos="50000">
+                  <a:schemeClr val="accent1">
+                    <a:tint val="44500"/>
+                    <a:satMod val="160000"/>
+                  </a:schemeClr>
+                </a:gs>
+                <a:gs pos="100000">
+                  <a:schemeClr val="accent1">
+                    <a:tint val="23500"/>
+                    <a:satMod val="160000"/>
+                  </a:schemeClr>
+                </a:gs>
+              </a:gsLst>
+              <a:lin ang="2700000" scaled="1"/>
+              <a:tileRect/>
+            </a:gradFill>
+            <a:ln>
+              <a:noFill/>
+            </a:ln>
+          </p:spPr>
+          <p:style>
+            <a:lnRef idx="2">
+              <a:schemeClr val="accent1">
+                <a:shade val="15000"/>
+              </a:schemeClr>
+            </a:lnRef>
+            <a:fillRef idx="1">
+              <a:schemeClr val="accent1"/>
+            </a:fillRef>
+            <a:effectRef idx="0">
+              <a:schemeClr val="accent1"/>
+            </a:effectRef>
+            <a:fontRef idx="minor">
+              <a:schemeClr val="lt1"/>
+            </a:fontRef>
+          </p:style>
+          <p:txBody>
+            <a:bodyPr rtlCol="0" anchor="ctr"/>
+            <a:lstStyle/>
+            <a:p>
+              <a:pPr algn="ctr"/>
+              <a:endParaRPr lang="en-US"/>
+            </a:p>
+          </p:txBody>
+        </p:sp>
+        <p:cxnSp>
+          <p:nvCxnSpPr>
+            <p:cNvPr id="17" name="Straight Connector 16">
+              <a:extLst>
+                <a:ext uri="{FF2B5EF4-FFF2-40B4-BE49-F238E27FC236}">
+                  <a16:creationId xmlns:a16="http://schemas.microsoft.com/office/drawing/2014/main" id="{953938AA-E96D-1D26-940B-59C29F33506E}"/>
+                </a:ext>
+              </a:extLst>
+            </p:cNvPr>
+            <p:cNvCxnSpPr>
+              <a:cxnSpLocks/>
+            </p:cNvCxnSpPr>
+            <p:nvPr/>
+          </p:nvCxnSpPr>
+          <p:spPr>
+            <a:xfrm>
+              <a:off x="325120" y="523815"/>
+              <a:ext cx="11866880" cy="0"/>
+            </a:xfrm>
+            <a:prstGeom prst="line">
+              <a:avLst/>
+            </a:prstGeom>
+            <a:ln w="6350">
+              <a:solidFill>
+                <a:schemeClr val="accent1">
+                  <a:lumMod val="75000"/>
+                </a:schemeClr>
+              </a:solidFill>
+            </a:ln>
+          </p:spPr>
+          <p:style>
+            <a:lnRef idx="2">
+              <a:schemeClr val="accent1"/>
+            </a:lnRef>
+            <a:fillRef idx="0">
+              <a:schemeClr val="accent1"/>
+            </a:fillRef>
+            <a:effectRef idx="1">
+              <a:schemeClr val="accent1"/>
+            </a:effectRef>
+            <a:fontRef idx="minor">
+              <a:schemeClr val="tx1"/>
+            </a:fontRef>
+          </p:style>
+        </p:cxnSp>
+        <p:cxnSp>
+          <p:nvCxnSpPr>
+            <p:cNvPr id="19" name="Straight Connector 18">
+              <a:extLst>
+                <a:ext uri="{FF2B5EF4-FFF2-40B4-BE49-F238E27FC236}">
+                  <a16:creationId xmlns:a16="http://schemas.microsoft.com/office/drawing/2014/main" id="{9373319D-30D5-396A-63E5-DDC218D99405}"/>
+                </a:ext>
+              </a:extLst>
+            </p:cNvPr>
+            <p:cNvCxnSpPr>
+              <a:cxnSpLocks/>
+            </p:cNvCxnSpPr>
+            <p:nvPr/>
+          </p:nvCxnSpPr>
+          <p:spPr>
+            <a:xfrm>
+              <a:off x="325120" y="554295"/>
+              <a:ext cx="11866880" cy="0"/>
+            </a:xfrm>
+            <a:prstGeom prst="line">
+              <a:avLst/>
+            </a:prstGeom>
+            <a:ln w="6350">
+              <a:solidFill>
+                <a:schemeClr val="accent1">
+                  <a:lumMod val="75000"/>
+                </a:schemeClr>
+              </a:solidFill>
+            </a:ln>
+          </p:spPr>
+          <p:style>
+            <a:lnRef idx="2">
+              <a:schemeClr val="accent1"/>
+            </a:lnRef>
+            <a:fillRef idx="0">
+              <a:schemeClr val="accent1"/>
+            </a:fillRef>
+            <a:effectRef idx="1">
+              <a:schemeClr val="accent1"/>
+            </a:effectRef>
+            <a:fontRef idx="minor">
+              <a:schemeClr val="tx1"/>
+            </a:fontRef>
+          </p:style>
+        </p:cxnSp>
+      </p:grpSp>
+      <p:sp>
+        <p:nvSpPr>
+          <p:cNvPr id="2" name="Rectangle 1">
+            <a:extLst>
+              <a:ext uri="{FF2B5EF4-FFF2-40B4-BE49-F238E27FC236}">
+                <a16:creationId xmlns:a16="http://schemas.microsoft.com/office/drawing/2014/main" id="{FA4E468F-3ACF-90CC-8AD8-0B7152F98603}"/>
+              </a:ext>
+            </a:extLst>
+          </p:cNvPr>
+          <p:cNvSpPr>
+            <a:spLocks noChangeArrowheads="1"/>
+          </p:cNvSpPr>
+          <p:nvPr/>
+        </p:nvSpPr>
+        <p:spPr bwMode="auto">
+          <a:xfrm>
+            <a:off x="667657" y="2375876"/>
+            <a:ext cx="10000343" cy="923330"/>
+          </a:xfrm>
+          <a:prstGeom prst="rect">
+            <a:avLst/>
+          </a:prstGeom>
+          <a:noFill/>
+          <a:ln>
+            <a:noFill/>
+          </a:ln>
+          <a:effectLst/>
+          <a:extLst>
+            <a:ext uri="{909E8E84-426E-40DD-AFC4-6F175D3DCCD1}">
+              <a14:hiddenFill xmlns:a14="http://schemas.microsoft.com/office/drawing/2010/main">
+                <a:solidFill>
+                  <a:schemeClr val="accent1"/>
+                </a:solidFill>
+              </a14:hiddenFill>
+            </a:ext>
+            <a:ext uri="{91240B29-F687-4F45-9708-019B960494DF}">
+              <a14:hiddenLine xmlns:a14="http://schemas.microsoft.com/office/drawing/2010/main" w="9525">
+                <a:solidFill>
+                  <a:schemeClr val="tx1"/>
+                </a:solidFill>
+                <a:miter lim="800000"/>
+                <a:headEnd/>
+                <a:tailEnd/>
+              </a14:hiddenLine>
+            </a:ext>
+            <a:ext uri="{AF507438-7753-43E0-B8FC-AC1667EBCBE1}">
+              <a14:hiddenEffects xmlns:a14="http://schemas.microsoft.com/office/drawing/2010/main">
+                <a:effectLst>
+                  <a:outerShdw dist="35921" dir="2700000" algn="ctr" rotWithShape="0">
+                    <a:schemeClr val="bg2"/>
+                  </a:outerShdw>
+                </a:effectLst>
+              </a14:hiddenEffects>
+            </a:ext>
+          </a:extLst>
+        </p:spPr>
+        <p:txBody>
+          <a:bodyPr vert="horz" wrap="square" lIns="91440" tIns="45720" rIns="91440" bIns="45720" numCol="1" anchor="ctr" anchorCtr="0" compatLnSpc="1">
+            <a:prstTxWarp prst="textNoShape">
+              <a:avLst/>
+            </a:prstTxWarp>
+            <a:spAutoFit/>
+          </a:bodyPr>
+          <a:lstStyle/>
+          <a:p>
+            <a:pPr marL="0" marR="0" lvl="0" indent="0" algn="l" defTabSz="914400" rtl="0" eaLnBrk="0" fontAlgn="base" latinLnBrk="0" hangingPunct="0">
+              <a:lnSpc>
+                <a:spcPct val="100000"/>
+              </a:lnSpc>
+              <a:spcBef>
+                <a:spcPct val="0"/>
+              </a:spcBef>
+              <a:spcAft>
+                <a:spcPct val="0"/>
+              </a:spcAft>
+              <a:buClrTx/>
+              <a:buSzTx/>
+              <a:buFontTx/>
+              <a:buChar char="•"/>
+              <a:tabLst/>
+            </a:pPr>
+            <a:r>
+              <a:rPr kumimoji="0" lang="en-US" altLang="en-US" sz="1800" b="0" i="0" u="none" strike="noStrike" cap="none" normalizeH="0" baseline="0">
+                <a:ln>
+                  <a:noFill/>
+                </a:ln>
+                <a:solidFill>
+                  <a:schemeClr val="tx1"/>
+                </a:solidFill>
+                <a:effectLst/>
+                <a:latin typeface="Arial" panose="020B0604020202020204" pitchFamily="34" charset="0"/>
+              </a:rPr>
+              <a:t>Top predictors of default (feature importance chart).</a:t>
+            </a:r>
+          </a:p>
+          <a:p>
+            <a:pPr marL="0" marR="0" lvl="0" indent="0" algn="l" defTabSz="914400" rtl="0" eaLnBrk="0" fontAlgn="base" latinLnBrk="0" hangingPunct="0">
+              <a:lnSpc>
+                <a:spcPct val="100000"/>
+              </a:lnSpc>
+              <a:spcBef>
+                <a:spcPct val="0"/>
+              </a:spcBef>
+              <a:spcAft>
+                <a:spcPct val="0"/>
+              </a:spcAft>
+              <a:buClrTx/>
+              <a:buSzTx/>
+              <a:buFontTx/>
+              <a:buChar char="•"/>
+              <a:tabLst/>
+            </a:pPr>
+            <a:r>
+              <a:rPr kumimoji="0" lang="en-US" altLang="en-US" sz="1800" b="0" i="0" u="none" strike="noStrike" cap="none" normalizeH="0" baseline="0">
+                <a:ln>
+                  <a:noFill/>
+                </a:ln>
+                <a:solidFill>
+                  <a:schemeClr val="tx1"/>
+                </a:solidFill>
+                <a:effectLst/>
+                <a:latin typeface="Arial" panose="020B0604020202020204" pitchFamily="34" charset="0"/>
+              </a:rPr>
+              <a:t>Business translation: which borrower characteristics are most risky.</a:t>
+            </a:r>
+          </a:p>
+          <a:p>
+            <a:pPr marL="0" marR="0" lvl="0" indent="0" algn="l" defTabSz="914400" rtl="0" eaLnBrk="0" fontAlgn="base" latinLnBrk="0" hangingPunct="0">
+              <a:lnSpc>
+                <a:spcPct val="100000"/>
+              </a:lnSpc>
+              <a:spcBef>
+                <a:spcPct val="0"/>
+              </a:spcBef>
+              <a:spcAft>
+                <a:spcPct val="0"/>
+              </a:spcAft>
+              <a:buClrTx/>
+              <a:buSzTx/>
+              <a:buFontTx/>
+              <a:buChar char="•"/>
+              <a:tabLst/>
+            </a:pPr>
+            <a:r>
+              <a:rPr kumimoji="0" lang="en-US" altLang="en-US" sz="1800" b="0" i="0" u="none" strike="noStrike" cap="none" normalizeH="0" baseline="0">
+                <a:ln>
+                  <a:noFill/>
+                </a:ln>
+                <a:solidFill>
+                  <a:schemeClr val="tx1"/>
+                </a:solidFill>
+                <a:effectLst/>
+                <a:latin typeface="Arial" panose="020B0604020202020204" pitchFamily="34" charset="0"/>
+              </a:rPr>
+              <a:t>Clear patterns → actionable rules (e.g., “Low income + high loan amount = higher risk”).</a:t>
+            </a:r>
+          </a:p>
+        </p:txBody>
+      </p:sp>
+    </p:spTree>
+    <p:extLst>
+      <p:ext uri="{BB962C8B-B14F-4D97-AF65-F5344CB8AC3E}">
+        <p14:creationId xmlns:p14="http://schemas.microsoft.com/office/powerpoint/2010/main" val="2323787026"/>
+      </p:ext>
+    </p:extLst>
+  </p:cSld>
+  <p:clrMapOvr>
+    <a:masterClrMapping/>
+  </p:clrMapOvr>
+</p:sld>
+</file>
+
+<file path=ppt/slides/slide9.xml><?xml version="1.0" encoding="utf-8"?>
+<p:sld xmlns:a="http://schemas.openxmlformats.org/drawingml/2006/main" xmlns:r="http://schemas.openxmlformats.org/officeDocument/2006/relationships" xmlns:p="http://schemas.openxmlformats.org/presentationml/2006/main">
+  <p:cSld>
+    <p:spTree>
+      <p:nvGrpSpPr>
+        <p:cNvPr id="1" name="">
+          <a:extLst>
+            <a:ext uri="{FF2B5EF4-FFF2-40B4-BE49-F238E27FC236}">
+              <a16:creationId xmlns:a16="http://schemas.microsoft.com/office/drawing/2014/main" id="{6D488F88-CFE0-0044-2478-878EBB98BE79}"/>
+            </a:ext>
+          </a:extLst>
+        </p:cNvPr>
+        <p:cNvGrpSpPr/>
+        <p:nvPr/>
+      </p:nvGrpSpPr>
+      <p:grpSpPr>
+        <a:xfrm>
+          <a:off x="0" y="0"/>
+          <a:ext cx="0" cy="0"/>
+          <a:chOff x="0" y="0"/>
+          <a:chExt cx="0" cy="0"/>
+        </a:xfrm>
+      </p:grpSpPr>
+      <p:grpSp>
+        <p:nvGrpSpPr>
+          <p:cNvPr id="20" name="Group 19">
+            <a:extLst>
+              <a:ext uri="{FF2B5EF4-FFF2-40B4-BE49-F238E27FC236}">
+                <a16:creationId xmlns:a16="http://schemas.microsoft.com/office/drawing/2014/main" id="{97052BDD-91EA-6972-4BD8-744EF8494C7F}"/>
+              </a:ext>
+            </a:extLst>
+          </p:cNvPr>
+          <p:cNvGrpSpPr/>
+          <p:nvPr/>
+        </p:nvGrpSpPr>
+        <p:grpSpPr>
+          <a:xfrm>
+            <a:off x="0" y="0"/>
+            <a:ext cx="12192000" cy="6858000"/>
+            <a:chOff x="0" y="0"/>
+            <a:chExt cx="12192000" cy="6858000"/>
+          </a:xfrm>
+        </p:grpSpPr>
+        <p:sp>
+          <p:nvSpPr>
+            <p:cNvPr id="9" name="TextBox 8">
+              <a:extLst>
+                <a:ext uri="{FF2B5EF4-FFF2-40B4-BE49-F238E27FC236}">
+                  <a16:creationId xmlns:a16="http://schemas.microsoft.com/office/drawing/2014/main" id="{9EE4729A-4522-4DB7-C39B-31D58F716EB9}"/>
+                </a:ext>
+              </a:extLst>
+            </p:cNvPr>
+            <p:cNvSpPr txBox="1"/>
+            <p:nvPr/>
+          </p:nvSpPr>
+          <p:spPr>
+            <a:xfrm>
+              <a:off x="325120" y="0"/>
+              <a:ext cx="11866880" cy="584775"/>
+            </a:xfrm>
+            <a:prstGeom prst="rect">
+              <a:avLst/>
+            </a:prstGeom>
+            <a:noFill/>
+          </p:spPr>
+          <p:txBody>
+            <a:bodyPr wrap="square" rtlCol="0">
+              <a:spAutoFit/>
+            </a:bodyPr>
+            <a:lstStyle/>
+            <a:p>
+              <a:r>
+                <a:rPr lang="en-US" sz="3200" b="1" dirty="0">
+                  <a:solidFill>
+                    <a:schemeClr val="accent1">
+                      <a:lumMod val="75000"/>
+                    </a:schemeClr>
+                  </a:solidFill>
+                </a:rPr>
+                <a:t>Business Impact Simulation</a:t>
+              </a:r>
+            </a:p>
+          </p:txBody>
+        </p:sp>
+        <p:cxnSp>
+          <p:nvCxnSpPr>
+            <p:cNvPr id="13" name="Straight Connector 12">
+              <a:extLst>
+                <a:ext uri="{FF2B5EF4-FFF2-40B4-BE49-F238E27FC236}">
+                  <a16:creationId xmlns:a16="http://schemas.microsoft.com/office/drawing/2014/main" id="{3038E03D-4228-3C5C-8006-30AA7DAD649E}"/>
+                </a:ext>
+              </a:extLst>
+            </p:cNvPr>
+            <p:cNvCxnSpPr>
+              <a:cxnSpLocks/>
+            </p:cNvCxnSpPr>
+            <p:nvPr/>
+          </p:nvCxnSpPr>
+          <p:spPr>
+            <a:xfrm>
+              <a:off x="81280" y="538480"/>
+              <a:ext cx="12110720" cy="0"/>
+            </a:xfrm>
+            <a:prstGeom prst="line">
+              <a:avLst/>
+            </a:prstGeom>
+            <a:ln>
+              <a:solidFill>
+                <a:schemeClr val="tx2">
+                  <a:lumMod val="10000"/>
+                  <a:lumOff val="90000"/>
+                </a:schemeClr>
+              </a:solidFill>
+            </a:ln>
+          </p:spPr>
+          <p:style>
+            <a:lnRef idx="2">
+              <a:schemeClr val="accent1"/>
+            </a:lnRef>
+            <a:fillRef idx="0">
+              <a:schemeClr val="accent1"/>
+            </a:fillRef>
+            <a:effectRef idx="1">
+              <a:schemeClr val="accent1"/>
+            </a:effectRef>
+            <a:fontRef idx="minor">
+              <a:schemeClr val="tx1"/>
+            </a:fontRef>
+          </p:style>
+        </p:cxnSp>
+        <p:sp>
+          <p:nvSpPr>
+            <p:cNvPr id="15" name="Rectangle 14">
+              <a:extLst>
+                <a:ext uri="{FF2B5EF4-FFF2-40B4-BE49-F238E27FC236}">
+                  <a16:creationId xmlns:a16="http://schemas.microsoft.com/office/drawing/2014/main" id="{B8AC678F-603B-600F-1450-D5A2D4F723A0}"/>
+                </a:ext>
+              </a:extLst>
+            </p:cNvPr>
+            <p:cNvSpPr/>
+            <p:nvPr/>
+          </p:nvSpPr>
+          <p:spPr>
+            <a:xfrm>
+              <a:off x="0" y="0"/>
+              <a:ext cx="325120" cy="6858000"/>
+            </a:xfrm>
+            <a:prstGeom prst="rect">
+              <a:avLst/>
+            </a:prstGeom>
+            <a:gradFill flip="none" rotWithShape="1">
+              <a:gsLst>
+                <a:gs pos="0">
+                  <a:schemeClr val="accent1">
+                    <a:tint val="66000"/>
+                    <a:satMod val="160000"/>
+                  </a:schemeClr>
+                </a:gs>
+                <a:gs pos="50000">
+                  <a:schemeClr val="accent1">
+                    <a:tint val="44500"/>
+                    <a:satMod val="160000"/>
+                  </a:schemeClr>
+                </a:gs>
+                <a:gs pos="100000">
+                  <a:schemeClr val="accent1">
+                    <a:tint val="23500"/>
+                    <a:satMod val="160000"/>
+                  </a:schemeClr>
+                </a:gs>
+              </a:gsLst>
+              <a:lin ang="2700000" scaled="1"/>
+              <a:tileRect/>
+            </a:gradFill>
+            <a:ln>
+              <a:noFill/>
+            </a:ln>
+          </p:spPr>
+          <p:style>
+            <a:lnRef idx="2">
+              <a:schemeClr val="accent1">
+                <a:shade val="15000"/>
+              </a:schemeClr>
+            </a:lnRef>
+            <a:fillRef idx="1">
+              <a:schemeClr val="accent1"/>
+            </a:fillRef>
+            <a:effectRef idx="0">
+              <a:schemeClr val="accent1"/>
+            </a:effectRef>
+            <a:fontRef idx="minor">
+              <a:schemeClr val="lt1"/>
+            </a:fontRef>
+          </p:style>
+          <p:txBody>
+            <a:bodyPr rtlCol="0" anchor="ctr"/>
+            <a:lstStyle/>
+            <a:p>
+              <a:pPr algn="ctr"/>
+              <a:endParaRPr lang="en-US"/>
+            </a:p>
+          </p:txBody>
+        </p:sp>
+        <p:cxnSp>
+          <p:nvCxnSpPr>
+            <p:cNvPr id="17" name="Straight Connector 16">
+              <a:extLst>
+                <a:ext uri="{FF2B5EF4-FFF2-40B4-BE49-F238E27FC236}">
+                  <a16:creationId xmlns:a16="http://schemas.microsoft.com/office/drawing/2014/main" id="{A33804AC-5866-4DF9-47B7-BEF141661271}"/>
+                </a:ext>
+              </a:extLst>
+            </p:cNvPr>
+            <p:cNvCxnSpPr>
+              <a:cxnSpLocks/>
+            </p:cNvCxnSpPr>
+            <p:nvPr/>
+          </p:nvCxnSpPr>
+          <p:spPr>
+            <a:xfrm>
+              <a:off x="325120" y="523815"/>
+              <a:ext cx="11866880" cy="0"/>
+            </a:xfrm>
+            <a:prstGeom prst="line">
+              <a:avLst/>
+            </a:prstGeom>
+            <a:ln w="6350">
+              <a:solidFill>
+                <a:schemeClr val="accent1">
+                  <a:lumMod val="75000"/>
+                </a:schemeClr>
+              </a:solidFill>
+            </a:ln>
+          </p:spPr>
+          <p:style>
+            <a:lnRef idx="2">
+              <a:schemeClr val="accent1"/>
+            </a:lnRef>
+            <a:fillRef idx="0">
+              <a:schemeClr val="accent1"/>
+            </a:fillRef>
+            <a:effectRef idx="1">
+              <a:schemeClr val="accent1"/>
+            </a:effectRef>
+            <a:fontRef idx="minor">
+              <a:schemeClr val="tx1"/>
+            </a:fontRef>
+          </p:style>
+        </p:cxnSp>
+        <p:cxnSp>
+          <p:nvCxnSpPr>
+            <p:cNvPr id="19" name="Straight Connector 18">
+              <a:extLst>
+                <a:ext uri="{FF2B5EF4-FFF2-40B4-BE49-F238E27FC236}">
+                  <a16:creationId xmlns:a16="http://schemas.microsoft.com/office/drawing/2014/main" id="{420FBB41-202E-4C70-3E42-99EF5A91B894}"/>
+                </a:ext>
+              </a:extLst>
+            </p:cNvPr>
+            <p:cNvCxnSpPr>
+              <a:cxnSpLocks/>
+            </p:cNvCxnSpPr>
+            <p:nvPr/>
+          </p:nvCxnSpPr>
+          <p:spPr>
+            <a:xfrm>
+              <a:off x="325120" y="554295"/>
+              <a:ext cx="11866880" cy="0"/>
+            </a:xfrm>
+            <a:prstGeom prst="line">
+              <a:avLst/>
+            </a:prstGeom>
+            <a:ln w="6350">
+              <a:solidFill>
+                <a:schemeClr val="accent1">
+                  <a:lumMod val="75000"/>
+                </a:schemeClr>
+              </a:solidFill>
+            </a:ln>
+          </p:spPr>
+          <p:style>
+            <a:lnRef idx="2">
+              <a:schemeClr val="accent1"/>
+            </a:lnRef>
+            <a:fillRef idx="0">
+              <a:schemeClr val="accent1"/>
+            </a:fillRef>
+            <a:effectRef idx="1">
+              <a:schemeClr val="accent1"/>
+            </a:effectRef>
+            <a:fontRef idx="minor">
+              <a:schemeClr val="tx1"/>
+            </a:fontRef>
+          </p:style>
+        </p:cxnSp>
+      </p:grpSp>
+      <p:sp>
+        <p:nvSpPr>
+          <p:cNvPr id="4" name="TextBox 3">
+            <a:extLst>
+              <a:ext uri="{FF2B5EF4-FFF2-40B4-BE49-F238E27FC236}">
+                <a16:creationId xmlns:a16="http://schemas.microsoft.com/office/drawing/2014/main" id="{0C47ADA2-5ED5-2D2A-2167-A8F1B4BC4A8C}"/>
+              </a:ext>
+            </a:extLst>
+          </p:cNvPr>
+          <p:cNvSpPr txBox="1"/>
+          <p:nvPr/>
+        </p:nvSpPr>
+        <p:spPr>
+          <a:xfrm>
+            <a:off x="1328057" y="1683381"/>
+            <a:ext cx="8585200" cy="1477328"/>
+          </a:xfrm>
+          <a:prstGeom prst="rect">
+            <a:avLst/>
+          </a:prstGeom>
+          <a:noFill/>
+        </p:spPr>
+        <p:txBody>
+          <a:bodyPr wrap="square">
+            <a:spAutoFit/>
+          </a:bodyPr>
+          <a:lstStyle/>
+          <a:p>
+            <a:pPr>
+              <a:buNone/>
+            </a:pPr>
+            <a:r>
+              <a:rPr lang="en-US" b="1" dirty="0"/>
+              <a:t>Business Impact Simulation</a:t>
+            </a:r>
+          </a:p>
+          <a:p>
+            <a:pPr>
+              <a:buFont typeface="Arial" panose="020B0604020202020204" pitchFamily="34" charset="0"/>
+              <a:buChar char="•"/>
+            </a:pPr>
+            <a:r>
+              <a:rPr lang="en-US" dirty="0"/>
+              <a:t>Without model: acceptance of all applicants → higher defaults.</a:t>
+            </a:r>
+          </a:p>
+          <a:p>
+            <a:pPr>
+              <a:buFont typeface="Arial" panose="020B0604020202020204" pitchFamily="34" charset="0"/>
+              <a:buChar char="•"/>
+            </a:pPr>
+            <a:r>
+              <a:rPr lang="en-US" dirty="0"/>
+              <a:t>With model: reject X% of predicted high-risk borrowers → fewer defaults.</a:t>
+            </a:r>
+          </a:p>
+          <a:p>
+            <a:pPr>
+              <a:buFont typeface="Arial" panose="020B0604020202020204" pitchFamily="34" charset="0"/>
+              <a:buChar char="•"/>
+            </a:pPr>
+            <a:r>
+              <a:rPr lang="en-US" dirty="0"/>
+              <a:t>Estimated financial uplift (profit curve / cost-benefit table).</a:t>
+            </a:r>
+          </a:p>
+          <a:p>
+            <a:pPr>
+              <a:buFont typeface="Arial" panose="020B0604020202020204" pitchFamily="34" charset="0"/>
+              <a:buChar char="•"/>
+            </a:pPr>
+            <a:r>
+              <a:rPr lang="en-US" dirty="0"/>
+              <a:t>Assumptions stated clearly (e.g., interest rate = 12%, loss given default = 100%).</a:t>
+            </a:r>
+          </a:p>
+        </p:txBody>
+      </p:sp>
+    </p:spTree>
+    <p:extLst>
+      <p:ext uri="{BB962C8B-B14F-4D97-AF65-F5344CB8AC3E}">
+        <p14:creationId xmlns:p14="http://schemas.microsoft.com/office/powerpoint/2010/main" val="112157122"/>
       </p:ext>
     </p:extLst>
   </p:cSld>

--- a/Maximizing Profit for Lending Club.pptx
+++ b/Maximizing Profit for Lending Club.pptx
@@ -5,7 +5,7 @@
     <p:sldMasterId id="2147483648" r:id="rId1"/>
   </p:sldMasterIdLst>
   <p:notesMasterIdLst>
-    <p:notesMasterId r:id="rId17"/>
+    <p:notesMasterId r:id="rId18"/>
   </p:notesMasterIdLst>
   <p:sldIdLst>
     <p:sldId id="256" r:id="rId2"/>
@@ -13,16 +13,17 @@
     <p:sldId id="257" r:id="rId4"/>
     <p:sldId id="259" r:id="rId5"/>
     <p:sldId id="263" r:id="rId6"/>
-    <p:sldId id="264" r:id="rId7"/>
-    <p:sldId id="266" r:id="rId8"/>
-    <p:sldId id="265" r:id="rId9"/>
-    <p:sldId id="267" r:id="rId10"/>
-    <p:sldId id="268" r:id="rId11"/>
-    <p:sldId id="269" r:id="rId12"/>
-    <p:sldId id="270" r:id="rId13"/>
-    <p:sldId id="261" r:id="rId14"/>
-    <p:sldId id="258" r:id="rId15"/>
-    <p:sldId id="271" r:id="rId16"/>
+    <p:sldId id="272" r:id="rId7"/>
+    <p:sldId id="264" r:id="rId8"/>
+    <p:sldId id="266" r:id="rId9"/>
+    <p:sldId id="265" r:id="rId10"/>
+    <p:sldId id="267" r:id="rId11"/>
+    <p:sldId id="268" r:id="rId12"/>
+    <p:sldId id="269" r:id="rId13"/>
+    <p:sldId id="270" r:id="rId14"/>
+    <p:sldId id="261" r:id="rId15"/>
+    <p:sldId id="258" r:id="rId16"/>
+    <p:sldId id="271" r:id="rId17"/>
   </p:sldIdLst>
   <p:sldSz cx="12192000" cy="6858000"/>
   <p:notesSz cx="6858000" cy="9144000"/>
@@ -576,6 +577,114 @@
         <p:cNvPr id="1" name="">
           <a:extLst>
             <a:ext uri="{FF2B5EF4-FFF2-40B4-BE49-F238E27FC236}">
+              <a16:creationId xmlns:a16="http://schemas.microsoft.com/office/drawing/2014/main" id="{1E28FE46-328F-2147-E19D-7CC922B15D0C}"/>
+            </a:ext>
+          </a:extLst>
+        </p:cNvPr>
+        <p:cNvGrpSpPr/>
+        <p:nvPr/>
+      </p:nvGrpSpPr>
+      <p:grpSpPr>
+        <a:xfrm>
+          <a:off x="0" y="0"/>
+          <a:ext cx="0" cy="0"/>
+          <a:chOff x="0" y="0"/>
+          <a:chExt cx="0" cy="0"/>
+        </a:xfrm>
+      </p:grpSpPr>
+      <p:sp>
+        <p:nvSpPr>
+          <p:cNvPr id="2" name="Slide Image Placeholder 1">
+            <a:extLst>
+              <a:ext uri="{FF2B5EF4-FFF2-40B4-BE49-F238E27FC236}">
+                <a16:creationId xmlns:a16="http://schemas.microsoft.com/office/drawing/2014/main" id="{F3950A8C-3D6D-ADF2-5450-3B546C5172D9}"/>
+              </a:ext>
+            </a:extLst>
+          </p:cNvPr>
+          <p:cNvSpPr>
+            <a:spLocks noGrp="1" noRot="1" noChangeAspect="1"/>
+          </p:cNvSpPr>
+          <p:nvPr>
+            <p:ph type="sldImg"/>
+          </p:nvPr>
+        </p:nvSpPr>
+        <p:spPr/>
+      </p:sp>
+      <p:sp>
+        <p:nvSpPr>
+          <p:cNvPr id="3" name="Notes Placeholder 2">
+            <a:extLst>
+              <a:ext uri="{FF2B5EF4-FFF2-40B4-BE49-F238E27FC236}">
+                <a16:creationId xmlns:a16="http://schemas.microsoft.com/office/drawing/2014/main" id="{F16661BD-3180-F7A4-BB54-7D77C09C991A}"/>
+              </a:ext>
+            </a:extLst>
+          </p:cNvPr>
+          <p:cNvSpPr>
+            <a:spLocks noGrp="1"/>
+          </p:cNvSpPr>
+          <p:nvPr>
+            <p:ph type="body" idx="1"/>
+          </p:nvPr>
+        </p:nvSpPr>
+        <p:spPr/>
+        <p:txBody>
+          <a:bodyPr/>
+          <a:lstStyle/>
+          <a:p>
+            <a:endParaRPr lang="en-US" dirty="0"/>
+          </a:p>
+        </p:txBody>
+      </p:sp>
+      <p:sp>
+        <p:nvSpPr>
+          <p:cNvPr id="4" name="Slide Number Placeholder 3">
+            <a:extLst>
+              <a:ext uri="{FF2B5EF4-FFF2-40B4-BE49-F238E27FC236}">
+                <a16:creationId xmlns:a16="http://schemas.microsoft.com/office/drawing/2014/main" id="{017C080D-B326-7508-5260-9D0CD8BDFFAE}"/>
+              </a:ext>
+            </a:extLst>
+          </p:cNvPr>
+          <p:cNvSpPr>
+            <a:spLocks noGrp="1"/>
+          </p:cNvSpPr>
+          <p:nvPr>
+            <p:ph type="sldNum" sz="quarter" idx="5"/>
+          </p:nvPr>
+        </p:nvSpPr>
+        <p:spPr/>
+        <p:txBody>
+          <a:bodyPr/>
+          <a:lstStyle/>
+          <a:p>
+            <a:fld id="{139A45AF-05CC-EE4A-A237-5C8AF9F12E6C}" type="slidenum">
+              <a:rPr lang="en-US" smtClean="0"/>
+              <a:t>13</a:t>
+            </a:fld>
+            <a:endParaRPr lang="en-US"/>
+          </a:p>
+        </p:txBody>
+      </p:sp>
+    </p:spTree>
+    <p:extLst>
+      <p:ext uri="{BB962C8B-B14F-4D97-AF65-F5344CB8AC3E}">
+        <p14:creationId xmlns:p14="http://schemas.microsoft.com/office/powerpoint/2010/main" val="1361589240"/>
+      </p:ext>
+    </p:extLst>
+  </p:cSld>
+  <p:clrMapOvr>
+    <a:masterClrMapping/>
+  </p:clrMapOvr>
+</p:notes>
+</file>
+
+<file path=ppt/notesSlides/notesSlide11.xml><?xml version="1.0" encoding="utf-8"?>
+<p:notes xmlns:a="http://schemas.openxmlformats.org/drawingml/2006/main" xmlns:r="http://schemas.openxmlformats.org/officeDocument/2006/relationships" xmlns:p="http://schemas.openxmlformats.org/presentationml/2006/main">
+  <p:cSld>
+    <p:spTree>
+      <p:nvGrpSpPr>
+        <p:cNvPr id="1" name="">
+          <a:extLst>
+            <a:ext uri="{FF2B5EF4-FFF2-40B4-BE49-F238E27FC236}">
               <a16:creationId xmlns:a16="http://schemas.microsoft.com/office/drawing/2014/main" id="{0901DAB8-409A-8B6B-220B-125134DB79C5}"/>
             </a:ext>
           </a:extLst>
@@ -657,7 +766,7 @@
           <a:p>
             <a:fld id="{139A45AF-05CC-EE4A-A237-5C8AF9F12E6C}" type="slidenum">
               <a:rPr lang="en-US" smtClean="0"/>
-              <a:t>13</a:t>
+              <a:t>14</a:t>
             </a:fld>
             <a:endParaRPr lang="en-US"/>
           </a:p>
@@ -676,7 +785,7 @@
 </p:notes>
 </file>
 
-<file path=ppt/notesSlides/notesSlide11.xml><?xml version="1.0" encoding="utf-8"?>
+<file path=ppt/notesSlides/notesSlide12.xml><?xml version="1.0" encoding="utf-8"?>
 <p:notes xmlns:a="http://schemas.openxmlformats.org/drawingml/2006/main" xmlns:r="http://schemas.openxmlformats.org/officeDocument/2006/relationships" xmlns:p="http://schemas.openxmlformats.org/presentationml/2006/main">
   <p:cSld>
     <p:spTree>
@@ -771,7 +880,7 @@
           <a:p>
             <a:fld id="{139A45AF-05CC-EE4A-A237-5C8AF9F12E6C}" type="slidenum">
               <a:rPr lang="en-US" smtClean="0"/>
-              <a:t>15</a:t>
+              <a:t>16</a:t>
             </a:fld>
             <a:endParaRPr lang="en-US"/>
           </a:p>
@@ -912,6 +1021,120 @@
         <p:cNvPr id="1" name="">
           <a:extLst>
             <a:ext uri="{FF2B5EF4-FFF2-40B4-BE49-F238E27FC236}">
+              <a16:creationId xmlns:a16="http://schemas.microsoft.com/office/drawing/2014/main" id="{CA128419-549F-7A7D-C689-630FC6B9297B}"/>
+            </a:ext>
+          </a:extLst>
+        </p:cNvPr>
+        <p:cNvGrpSpPr/>
+        <p:nvPr/>
+      </p:nvGrpSpPr>
+      <p:grpSpPr>
+        <a:xfrm>
+          <a:off x="0" y="0"/>
+          <a:ext cx="0" cy="0"/>
+          <a:chOff x="0" y="0"/>
+          <a:chExt cx="0" cy="0"/>
+        </a:xfrm>
+      </p:grpSpPr>
+      <p:sp>
+        <p:nvSpPr>
+          <p:cNvPr id="2" name="Slide Image Placeholder 1">
+            <a:extLst>
+              <a:ext uri="{FF2B5EF4-FFF2-40B4-BE49-F238E27FC236}">
+                <a16:creationId xmlns:a16="http://schemas.microsoft.com/office/drawing/2014/main" id="{20DE8028-58D9-A7AA-1932-41722E0AEBA0}"/>
+              </a:ext>
+            </a:extLst>
+          </p:cNvPr>
+          <p:cNvSpPr>
+            <a:spLocks noGrp="1" noRot="1" noChangeAspect="1"/>
+          </p:cNvSpPr>
+          <p:nvPr>
+            <p:ph type="sldImg"/>
+          </p:nvPr>
+        </p:nvSpPr>
+        <p:spPr/>
+      </p:sp>
+      <p:sp>
+        <p:nvSpPr>
+          <p:cNvPr id="3" name="Notes Placeholder 2">
+            <a:extLst>
+              <a:ext uri="{FF2B5EF4-FFF2-40B4-BE49-F238E27FC236}">
+                <a16:creationId xmlns:a16="http://schemas.microsoft.com/office/drawing/2014/main" id="{1E516CBC-7656-B782-5A51-D6FC96BC83B7}"/>
+              </a:ext>
+            </a:extLst>
+          </p:cNvPr>
+          <p:cNvSpPr>
+            <a:spLocks noGrp="1"/>
+          </p:cNvSpPr>
+          <p:nvPr>
+            <p:ph type="body" idx="1"/>
+          </p:nvPr>
+        </p:nvSpPr>
+        <p:spPr/>
+        <p:txBody>
+          <a:bodyPr/>
+          <a:lstStyle/>
+          <a:p>
+            <a:endParaRPr lang="en-US" dirty="0"/>
+          </a:p>
+          <a:p>
+            <a:r>
+              <a:rPr lang="en-US" dirty="0"/>
+              <a:t>Describe the dataset</a:t>
+            </a:r>
+          </a:p>
+        </p:txBody>
+      </p:sp>
+      <p:sp>
+        <p:nvSpPr>
+          <p:cNvPr id="4" name="Slide Number Placeholder 3">
+            <a:extLst>
+              <a:ext uri="{FF2B5EF4-FFF2-40B4-BE49-F238E27FC236}">
+                <a16:creationId xmlns:a16="http://schemas.microsoft.com/office/drawing/2014/main" id="{F44D6686-1CB8-2419-0D0D-B50F0F437F0D}"/>
+              </a:ext>
+            </a:extLst>
+          </p:cNvPr>
+          <p:cNvSpPr>
+            <a:spLocks noGrp="1"/>
+          </p:cNvSpPr>
+          <p:nvPr>
+            <p:ph type="sldNum" sz="quarter" idx="5"/>
+          </p:nvPr>
+        </p:nvSpPr>
+        <p:spPr/>
+        <p:txBody>
+          <a:bodyPr/>
+          <a:lstStyle/>
+          <a:p>
+            <a:fld id="{139A45AF-05CC-EE4A-A237-5C8AF9F12E6C}" type="slidenum">
+              <a:rPr lang="en-US" smtClean="0"/>
+              <a:t>6</a:t>
+            </a:fld>
+            <a:endParaRPr lang="en-US"/>
+          </a:p>
+        </p:txBody>
+      </p:sp>
+    </p:spTree>
+    <p:extLst>
+      <p:ext uri="{BB962C8B-B14F-4D97-AF65-F5344CB8AC3E}">
+        <p14:creationId xmlns:p14="http://schemas.microsoft.com/office/powerpoint/2010/main" val="228166721"/>
+      </p:ext>
+    </p:extLst>
+  </p:cSld>
+  <p:clrMapOvr>
+    <a:masterClrMapping/>
+  </p:clrMapOvr>
+</p:notes>
+</file>
+
+<file path=ppt/notesSlides/notesSlide4.xml><?xml version="1.0" encoding="utf-8"?>
+<p:notes xmlns:a="http://schemas.openxmlformats.org/drawingml/2006/main" xmlns:r="http://schemas.openxmlformats.org/officeDocument/2006/relationships" xmlns:p="http://schemas.openxmlformats.org/presentationml/2006/main">
+  <p:cSld>
+    <p:spTree>
+      <p:nvGrpSpPr>
+        <p:cNvPr id="1" name="">
+          <a:extLst>
+            <a:ext uri="{FF2B5EF4-FFF2-40B4-BE49-F238E27FC236}">
               <a16:creationId xmlns:a16="http://schemas.microsoft.com/office/drawing/2014/main" id="{B74393A9-55DE-7E74-923D-3E6D2A790293}"/>
             </a:ext>
           </a:extLst>
@@ -993,7 +1216,7 @@
           <a:p>
             <a:fld id="{139A45AF-05CC-EE4A-A237-5C8AF9F12E6C}" type="slidenum">
               <a:rPr lang="en-US" smtClean="0"/>
-              <a:t>6</a:t>
+              <a:t>7</a:t>
             </a:fld>
             <a:endParaRPr lang="en-US"/>
           </a:p>
@@ -1012,7 +1235,7 @@
 </p:notes>
 </file>
 
-<file path=ppt/notesSlides/notesSlide4.xml><?xml version="1.0" encoding="utf-8"?>
+<file path=ppt/notesSlides/notesSlide5.xml><?xml version="1.0" encoding="utf-8"?>
 <p:notes xmlns:a="http://schemas.openxmlformats.org/drawingml/2006/main" xmlns:r="http://schemas.openxmlformats.org/officeDocument/2006/relationships" xmlns:p="http://schemas.openxmlformats.org/presentationml/2006/main">
   <p:cSld>
     <p:spTree>
@@ -1101,7 +1324,7 @@
           <a:p>
             <a:fld id="{139A45AF-05CC-EE4A-A237-5C8AF9F12E6C}" type="slidenum">
               <a:rPr lang="en-US" smtClean="0"/>
-              <a:t>7</a:t>
+              <a:t>8</a:t>
             </a:fld>
             <a:endParaRPr lang="en-US"/>
           </a:p>
@@ -1120,7 +1343,7 @@
 </p:notes>
 </file>
 
-<file path=ppt/notesSlides/notesSlide5.xml><?xml version="1.0" encoding="utf-8"?>
+<file path=ppt/notesSlides/notesSlide6.xml><?xml version="1.0" encoding="utf-8"?>
 <p:notes xmlns:a="http://schemas.openxmlformats.org/drawingml/2006/main" xmlns:r="http://schemas.openxmlformats.org/officeDocument/2006/relationships" xmlns:p="http://schemas.openxmlformats.org/presentationml/2006/main">
   <p:cSld>
     <p:spTree>
@@ -1209,7 +1432,7 @@
           <a:p>
             <a:fld id="{139A45AF-05CC-EE4A-A237-5C8AF9F12E6C}" type="slidenum">
               <a:rPr lang="en-US" smtClean="0"/>
-              <a:t>8</a:t>
+              <a:t>9</a:t>
             </a:fld>
             <a:endParaRPr lang="en-US"/>
           </a:p>
@@ -1228,7 +1451,7 @@
 </p:notes>
 </file>
 
-<file path=ppt/notesSlides/notesSlide6.xml><?xml version="1.0" encoding="utf-8"?>
+<file path=ppt/notesSlides/notesSlide7.xml><?xml version="1.0" encoding="utf-8"?>
 <p:notes xmlns:a="http://schemas.openxmlformats.org/drawingml/2006/main" xmlns:r="http://schemas.openxmlformats.org/officeDocument/2006/relationships" xmlns:p="http://schemas.openxmlformats.org/presentationml/2006/main">
   <p:cSld>
     <p:spTree>
@@ -1317,7 +1540,7 @@
           <a:p>
             <a:fld id="{139A45AF-05CC-EE4A-A237-5C8AF9F12E6C}" type="slidenum">
               <a:rPr lang="en-US" smtClean="0"/>
-              <a:t>9</a:t>
+              <a:t>10</a:t>
             </a:fld>
             <a:endParaRPr lang="en-US"/>
           </a:p>
@@ -1336,7 +1559,7 @@
 </p:notes>
 </file>
 
-<file path=ppt/notesSlides/notesSlide7.xml><?xml version="1.0" encoding="utf-8"?>
+<file path=ppt/notesSlides/notesSlide8.xml><?xml version="1.0" encoding="utf-8"?>
 <p:notes xmlns:a="http://schemas.openxmlformats.org/drawingml/2006/main" xmlns:r="http://schemas.openxmlformats.org/officeDocument/2006/relationships" xmlns:p="http://schemas.openxmlformats.org/presentationml/2006/main">
   <p:cSld>
     <p:spTree>
@@ -1425,7 +1648,7 @@
           <a:p>
             <a:fld id="{139A45AF-05CC-EE4A-A237-5C8AF9F12E6C}" type="slidenum">
               <a:rPr lang="en-US" smtClean="0"/>
-              <a:t>10</a:t>
+              <a:t>11</a:t>
             </a:fld>
             <a:endParaRPr lang="en-US"/>
           </a:p>
@@ -1444,7 +1667,7 @@
 </p:notes>
 </file>
 
-<file path=ppt/notesSlides/notesSlide8.xml><?xml version="1.0" encoding="utf-8"?>
+<file path=ppt/notesSlides/notesSlide9.xml><?xml version="1.0" encoding="utf-8"?>
 <p:notes xmlns:a="http://schemas.openxmlformats.org/drawingml/2006/main" xmlns:r="http://schemas.openxmlformats.org/officeDocument/2006/relationships" xmlns:p="http://schemas.openxmlformats.org/presentationml/2006/main">
   <p:cSld>
     <p:spTree>
@@ -1533,7 +1756,7 @@
           <a:p>
             <a:fld id="{139A45AF-05CC-EE4A-A237-5C8AF9F12E6C}" type="slidenum">
               <a:rPr lang="en-US" smtClean="0"/>
-              <a:t>11</a:t>
+              <a:t>12</a:t>
             </a:fld>
             <a:endParaRPr lang="en-US"/>
           </a:p>
@@ -1543,114 +1766,6 @@
     <p:extLst>
       <p:ext uri="{BB962C8B-B14F-4D97-AF65-F5344CB8AC3E}">
         <p14:creationId xmlns:p14="http://schemas.microsoft.com/office/powerpoint/2010/main" val="280426245"/>
-      </p:ext>
-    </p:extLst>
-  </p:cSld>
-  <p:clrMapOvr>
-    <a:masterClrMapping/>
-  </p:clrMapOvr>
-</p:notes>
-</file>
-
-<file path=ppt/notesSlides/notesSlide9.xml><?xml version="1.0" encoding="utf-8"?>
-<p:notes xmlns:a="http://schemas.openxmlformats.org/drawingml/2006/main" xmlns:r="http://schemas.openxmlformats.org/officeDocument/2006/relationships" xmlns:p="http://schemas.openxmlformats.org/presentationml/2006/main">
-  <p:cSld>
-    <p:spTree>
-      <p:nvGrpSpPr>
-        <p:cNvPr id="1" name="">
-          <a:extLst>
-            <a:ext uri="{FF2B5EF4-FFF2-40B4-BE49-F238E27FC236}">
-              <a16:creationId xmlns:a16="http://schemas.microsoft.com/office/drawing/2014/main" id="{1E28FE46-328F-2147-E19D-7CC922B15D0C}"/>
-            </a:ext>
-          </a:extLst>
-        </p:cNvPr>
-        <p:cNvGrpSpPr/>
-        <p:nvPr/>
-      </p:nvGrpSpPr>
-      <p:grpSpPr>
-        <a:xfrm>
-          <a:off x="0" y="0"/>
-          <a:ext cx="0" cy="0"/>
-          <a:chOff x="0" y="0"/>
-          <a:chExt cx="0" cy="0"/>
-        </a:xfrm>
-      </p:grpSpPr>
-      <p:sp>
-        <p:nvSpPr>
-          <p:cNvPr id="2" name="Slide Image Placeholder 1">
-            <a:extLst>
-              <a:ext uri="{FF2B5EF4-FFF2-40B4-BE49-F238E27FC236}">
-                <a16:creationId xmlns:a16="http://schemas.microsoft.com/office/drawing/2014/main" id="{F3950A8C-3D6D-ADF2-5450-3B546C5172D9}"/>
-              </a:ext>
-            </a:extLst>
-          </p:cNvPr>
-          <p:cNvSpPr>
-            <a:spLocks noGrp="1" noRot="1" noChangeAspect="1"/>
-          </p:cNvSpPr>
-          <p:nvPr>
-            <p:ph type="sldImg"/>
-          </p:nvPr>
-        </p:nvSpPr>
-        <p:spPr/>
-      </p:sp>
-      <p:sp>
-        <p:nvSpPr>
-          <p:cNvPr id="3" name="Notes Placeholder 2">
-            <a:extLst>
-              <a:ext uri="{FF2B5EF4-FFF2-40B4-BE49-F238E27FC236}">
-                <a16:creationId xmlns:a16="http://schemas.microsoft.com/office/drawing/2014/main" id="{F16661BD-3180-F7A4-BB54-7D77C09C991A}"/>
-              </a:ext>
-            </a:extLst>
-          </p:cNvPr>
-          <p:cNvSpPr>
-            <a:spLocks noGrp="1"/>
-          </p:cNvSpPr>
-          <p:nvPr>
-            <p:ph type="body" idx="1"/>
-          </p:nvPr>
-        </p:nvSpPr>
-        <p:spPr/>
-        <p:txBody>
-          <a:bodyPr/>
-          <a:lstStyle/>
-          <a:p>
-            <a:endParaRPr lang="en-US" dirty="0"/>
-          </a:p>
-        </p:txBody>
-      </p:sp>
-      <p:sp>
-        <p:nvSpPr>
-          <p:cNvPr id="4" name="Slide Number Placeholder 3">
-            <a:extLst>
-              <a:ext uri="{FF2B5EF4-FFF2-40B4-BE49-F238E27FC236}">
-                <a16:creationId xmlns:a16="http://schemas.microsoft.com/office/drawing/2014/main" id="{017C080D-B326-7508-5260-9D0CD8BDFFAE}"/>
-              </a:ext>
-            </a:extLst>
-          </p:cNvPr>
-          <p:cNvSpPr>
-            <a:spLocks noGrp="1"/>
-          </p:cNvSpPr>
-          <p:nvPr>
-            <p:ph type="sldNum" sz="quarter" idx="5"/>
-          </p:nvPr>
-        </p:nvSpPr>
-        <p:spPr/>
-        <p:txBody>
-          <a:bodyPr/>
-          <a:lstStyle/>
-          <a:p>
-            <a:fld id="{139A45AF-05CC-EE4A-A237-5C8AF9F12E6C}" type="slidenum">
-              <a:rPr lang="en-US" smtClean="0"/>
-              <a:t>12</a:t>
-            </a:fld>
-            <a:endParaRPr lang="en-US"/>
-          </a:p>
-        </p:txBody>
-      </p:sp>
-    </p:spTree>
-    <p:extLst>
-      <p:ext uri="{BB962C8B-B14F-4D97-AF65-F5344CB8AC3E}">
-        <p14:creationId xmlns:p14="http://schemas.microsoft.com/office/powerpoint/2010/main" val="1361589240"/>
       </p:ext>
     </p:extLst>
   </p:cSld>
@@ -5034,6 +5149,391 @@
         <p:cNvPr id="1" name="">
           <a:extLst>
             <a:ext uri="{FF2B5EF4-FFF2-40B4-BE49-F238E27FC236}">
+              <a16:creationId xmlns:a16="http://schemas.microsoft.com/office/drawing/2014/main" id="{6D488F88-CFE0-0044-2478-878EBB98BE79}"/>
+            </a:ext>
+          </a:extLst>
+        </p:cNvPr>
+        <p:cNvGrpSpPr/>
+        <p:nvPr/>
+      </p:nvGrpSpPr>
+      <p:grpSpPr>
+        <a:xfrm>
+          <a:off x="0" y="0"/>
+          <a:ext cx="0" cy="0"/>
+          <a:chOff x="0" y="0"/>
+          <a:chExt cx="0" cy="0"/>
+        </a:xfrm>
+      </p:grpSpPr>
+      <p:grpSp>
+        <p:nvGrpSpPr>
+          <p:cNvPr id="20" name="Group 19">
+            <a:extLst>
+              <a:ext uri="{FF2B5EF4-FFF2-40B4-BE49-F238E27FC236}">
+                <a16:creationId xmlns:a16="http://schemas.microsoft.com/office/drawing/2014/main" id="{97052BDD-91EA-6972-4BD8-744EF8494C7F}"/>
+              </a:ext>
+            </a:extLst>
+          </p:cNvPr>
+          <p:cNvGrpSpPr/>
+          <p:nvPr/>
+        </p:nvGrpSpPr>
+        <p:grpSpPr>
+          <a:xfrm>
+            <a:off x="0" y="0"/>
+            <a:ext cx="12192000" cy="6858000"/>
+            <a:chOff x="0" y="0"/>
+            <a:chExt cx="12192000" cy="6858000"/>
+          </a:xfrm>
+        </p:grpSpPr>
+        <p:sp>
+          <p:nvSpPr>
+            <p:cNvPr id="9" name="TextBox 8">
+              <a:extLst>
+                <a:ext uri="{FF2B5EF4-FFF2-40B4-BE49-F238E27FC236}">
+                  <a16:creationId xmlns:a16="http://schemas.microsoft.com/office/drawing/2014/main" id="{9EE4729A-4522-4DB7-C39B-31D58F716EB9}"/>
+                </a:ext>
+              </a:extLst>
+            </p:cNvPr>
+            <p:cNvSpPr txBox="1"/>
+            <p:nvPr/>
+          </p:nvSpPr>
+          <p:spPr>
+            <a:xfrm>
+              <a:off x="325120" y="0"/>
+              <a:ext cx="11866880" cy="584775"/>
+            </a:xfrm>
+            <a:prstGeom prst="rect">
+              <a:avLst/>
+            </a:prstGeom>
+            <a:noFill/>
+          </p:spPr>
+          <p:txBody>
+            <a:bodyPr wrap="square" rtlCol="0">
+              <a:spAutoFit/>
+            </a:bodyPr>
+            <a:lstStyle/>
+            <a:p>
+              <a:r>
+                <a:rPr lang="en-US" sz="3200" b="1" dirty="0">
+                  <a:solidFill>
+                    <a:schemeClr val="accent1">
+                      <a:lumMod val="75000"/>
+                    </a:schemeClr>
+                  </a:solidFill>
+                </a:rPr>
+                <a:t>Business Impact Simulation</a:t>
+              </a:r>
+            </a:p>
+          </p:txBody>
+        </p:sp>
+        <p:cxnSp>
+          <p:nvCxnSpPr>
+            <p:cNvPr id="13" name="Straight Connector 12">
+              <a:extLst>
+                <a:ext uri="{FF2B5EF4-FFF2-40B4-BE49-F238E27FC236}">
+                  <a16:creationId xmlns:a16="http://schemas.microsoft.com/office/drawing/2014/main" id="{3038E03D-4228-3C5C-8006-30AA7DAD649E}"/>
+                </a:ext>
+              </a:extLst>
+            </p:cNvPr>
+            <p:cNvCxnSpPr>
+              <a:cxnSpLocks/>
+            </p:cNvCxnSpPr>
+            <p:nvPr/>
+          </p:nvCxnSpPr>
+          <p:spPr>
+            <a:xfrm>
+              <a:off x="81280" y="538480"/>
+              <a:ext cx="12110720" cy="0"/>
+            </a:xfrm>
+            <a:prstGeom prst="line">
+              <a:avLst/>
+            </a:prstGeom>
+            <a:ln>
+              <a:solidFill>
+                <a:schemeClr val="tx2">
+                  <a:lumMod val="10000"/>
+                  <a:lumOff val="90000"/>
+                </a:schemeClr>
+              </a:solidFill>
+            </a:ln>
+          </p:spPr>
+          <p:style>
+            <a:lnRef idx="2">
+              <a:schemeClr val="accent1"/>
+            </a:lnRef>
+            <a:fillRef idx="0">
+              <a:schemeClr val="accent1"/>
+            </a:fillRef>
+            <a:effectRef idx="1">
+              <a:schemeClr val="accent1"/>
+            </a:effectRef>
+            <a:fontRef idx="minor">
+              <a:schemeClr val="tx1"/>
+            </a:fontRef>
+          </p:style>
+        </p:cxnSp>
+        <p:sp>
+          <p:nvSpPr>
+            <p:cNvPr id="15" name="Rectangle 14">
+              <a:extLst>
+                <a:ext uri="{FF2B5EF4-FFF2-40B4-BE49-F238E27FC236}">
+                  <a16:creationId xmlns:a16="http://schemas.microsoft.com/office/drawing/2014/main" id="{B8AC678F-603B-600F-1450-D5A2D4F723A0}"/>
+                </a:ext>
+              </a:extLst>
+            </p:cNvPr>
+            <p:cNvSpPr/>
+            <p:nvPr/>
+          </p:nvSpPr>
+          <p:spPr>
+            <a:xfrm>
+              <a:off x="0" y="0"/>
+              <a:ext cx="325120" cy="6858000"/>
+            </a:xfrm>
+            <a:prstGeom prst="rect">
+              <a:avLst/>
+            </a:prstGeom>
+            <a:gradFill flip="none" rotWithShape="1">
+              <a:gsLst>
+                <a:gs pos="0">
+                  <a:schemeClr val="accent1">
+                    <a:tint val="66000"/>
+                    <a:satMod val="160000"/>
+                  </a:schemeClr>
+                </a:gs>
+                <a:gs pos="50000">
+                  <a:schemeClr val="accent1">
+                    <a:tint val="44500"/>
+                    <a:satMod val="160000"/>
+                  </a:schemeClr>
+                </a:gs>
+                <a:gs pos="100000">
+                  <a:schemeClr val="accent1">
+                    <a:tint val="23500"/>
+                    <a:satMod val="160000"/>
+                  </a:schemeClr>
+                </a:gs>
+              </a:gsLst>
+              <a:lin ang="2700000" scaled="1"/>
+              <a:tileRect/>
+            </a:gradFill>
+            <a:ln>
+              <a:noFill/>
+            </a:ln>
+          </p:spPr>
+          <p:style>
+            <a:lnRef idx="2">
+              <a:schemeClr val="accent1">
+                <a:shade val="15000"/>
+              </a:schemeClr>
+            </a:lnRef>
+            <a:fillRef idx="1">
+              <a:schemeClr val="accent1"/>
+            </a:fillRef>
+            <a:effectRef idx="0">
+              <a:schemeClr val="accent1"/>
+            </a:effectRef>
+            <a:fontRef idx="minor">
+              <a:schemeClr val="lt1"/>
+            </a:fontRef>
+          </p:style>
+          <p:txBody>
+            <a:bodyPr rtlCol="0" anchor="ctr"/>
+            <a:lstStyle/>
+            <a:p>
+              <a:pPr algn="ctr"/>
+              <a:endParaRPr lang="en-US"/>
+            </a:p>
+          </p:txBody>
+        </p:sp>
+        <p:cxnSp>
+          <p:nvCxnSpPr>
+            <p:cNvPr id="17" name="Straight Connector 16">
+              <a:extLst>
+                <a:ext uri="{FF2B5EF4-FFF2-40B4-BE49-F238E27FC236}">
+                  <a16:creationId xmlns:a16="http://schemas.microsoft.com/office/drawing/2014/main" id="{A33804AC-5866-4DF9-47B7-BEF141661271}"/>
+                </a:ext>
+              </a:extLst>
+            </p:cNvPr>
+            <p:cNvCxnSpPr>
+              <a:cxnSpLocks/>
+            </p:cNvCxnSpPr>
+            <p:nvPr/>
+          </p:nvCxnSpPr>
+          <p:spPr>
+            <a:xfrm>
+              <a:off x="325120" y="523815"/>
+              <a:ext cx="11866880" cy="0"/>
+            </a:xfrm>
+            <a:prstGeom prst="line">
+              <a:avLst/>
+            </a:prstGeom>
+            <a:ln w="6350">
+              <a:solidFill>
+                <a:schemeClr val="accent1">
+                  <a:lumMod val="75000"/>
+                </a:schemeClr>
+              </a:solidFill>
+            </a:ln>
+          </p:spPr>
+          <p:style>
+            <a:lnRef idx="2">
+              <a:schemeClr val="accent1"/>
+            </a:lnRef>
+            <a:fillRef idx="0">
+              <a:schemeClr val="accent1"/>
+            </a:fillRef>
+            <a:effectRef idx="1">
+              <a:schemeClr val="accent1"/>
+            </a:effectRef>
+            <a:fontRef idx="minor">
+              <a:schemeClr val="tx1"/>
+            </a:fontRef>
+          </p:style>
+        </p:cxnSp>
+        <p:cxnSp>
+          <p:nvCxnSpPr>
+            <p:cNvPr id="19" name="Straight Connector 18">
+              <a:extLst>
+                <a:ext uri="{FF2B5EF4-FFF2-40B4-BE49-F238E27FC236}">
+                  <a16:creationId xmlns:a16="http://schemas.microsoft.com/office/drawing/2014/main" id="{420FBB41-202E-4C70-3E42-99EF5A91B894}"/>
+                </a:ext>
+              </a:extLst>
+            </p:cNvPr>
+            <p:cNvCxnSpPr>
+              <a:cxnSpLocks/>
+            </p:cNvCxnSpPr>
+            <p:nvPr/>
+          </p:nvCxnSpPr>
+          <p:spPr>
+            <a:xfrm>
+              <a:off x="325120" y="554295"/>
+              <a:ext cx="11866880" cy="0"/>
+            </a:xfrm>
+            <a:prstGeom prst="line">
+              <a:avLst/>
+            </a:prstGeom>
+            <a:ln w="6350">
+              <a:solidFill>
+                <a:schemeClr val="accent1">
+                  <a:lumMod val="75000"/>
+                </a:schemeClr>
+              </a:solidFill>
+            </a:ln>
+          </p:spPr>
+          <p:style>
+            <a:lnRef idx="2">
+              <a:schemeClr val="accent1"/>
+            </a:lnRef>
+            <a:fillRef idx="0">
+              <a:schemeClr val="accent1"/>
+            </a:fillRef>
+            <a:effectRef idx="1">
+              <a:schemeClr val="accent1"/>
+            </a:effectRef>
+            <a:fontRef idx="minor">
+              <a:schemeClr val="tx1"/>
+            </a:fontRef>
+          </p:style>
+        </p:cxnSp>
+      </p:grpSp>
+      <p:sp>
+        <p:nvSpPr>
+          <p:cNvPr id="4" name="TextBox 3">
+            <a:extLst>
+              <a:ext uri="{FF2B5EF4-FFF2-40B4-BE49-F238E27FC236}">
+                <a16:creationId xmlns:a16="http://schemas.microsoft.com/office/drawing/2014/main" id="{0C47ADA2-5ED5-2D2A-2167-A8F1B4BC4A8C}"/>
+              </a:ext>
+            </a:extLst>
+          </p:cNvPr>
+          <p:cNvSpPr txBox="1"/>
+          <p:nvPr/>
+        </p:nvSpPr>
+        <p:spPr>
+          <a:xfrm>
+            <a:off x="1328057" y="1683381"/>
+            <a:ext cx="8585200" cy="1477328"/>
+          </a:xfrm>
+          <a:prstGeom prst="rect">
+            <a:avLst/>
+          </a:prstGeom>
+          <a:noFill/>
+        </p:spPr>
+        <p:txBody>
+          <a:bodyPr wrap="square">
+            <a:spAutoFit/>
+          </a:bodyPr>
+          <a:lstStyle/>
+          <a:p>
+            <a:pPr>
+              <a:buNone/>
+            </a:pPr>
+            <a:r>
+              <a:rPr lang="en-US" b="1" dirty="0"/>
+              <a:t>Business Impact Simulation</a:t>
+            </a:r>
+          </a:p>
+          <a:p>
+            <a:pPr>
+              <a:buFont typeface="Arial" panose="020B0604020202020204" pitchFamily="34" charset="0"/>
+              <a:buChar char="•"/>
+            </a:pPr>
+            <a:r>
+              <a:rPr lang="en-US" dirty="0"/>
+              <a:t>Without model: acceptance of all applicants → higher defaults.</a:t>
+            </a:r>
+          </a:p>
+          <a:p>
+            <a:pPr>
+              <a:buFont typeface="Arial" panose="020B0604020202020204" pitchFamily="34" charset="0"/>
+              <a:buChar char="•"/>
+            </a:pPr>
+            <a:r>
+              <a:rPr lang="en-US" dirty="0"/>
+              <a:t>With model: reject X% of predicted high-risk borrowers → fewer defaults.</a:t>
+            </a:r>
+          </a:p>
+          <a:p>
+            <a:pPr>
+              <a:buFont typeface="Arial" panose="020B0604020202020204" pitchFamily="34" charset="0"/>
+              <a:buChar char="•"/>
+            </a:pPr>
+            <a:r>
+              <a:rPr lang="en-US" dirty="0"/>
+              <a:t>Estimated financial uplift (profit curve / cost-benefit table).</a:t>
+            </a:r>
+          </a:p>
+          <a:p>
+            <a:pPr>
+              <a:buFont typeface="Arial" panose="020B0604020202020204" pitchFamily="34" charset="0"/>
+              <a:buChar char="•"/>
+            </a:pPr>
+            <a:r>
+              <a:rPr lang="en-US" dirty="0"/>
+              <a:t>Assumptions stated clearly (e.g., interest rate = 12%, loss given default = 100%).</a:t>
+            </a:r>
+          </a:p>
+        </p:txBody>
+      </p:sp>
+    </p:spTree>
+    <p:extLst>
+      <p:ext uri="{BB962C8B-B14F-4D97-AF65-F5344CB8AC3E}">
+        <p14:creationId xmlns:p14="http://schemas.microsoft.com/office/powerpoint/2010/main" val="112157122"/>
+      </p:ext>
+    </p:extLst>
+  </p:cSld>
+  <p:clrMapOvr>
+    <a:masterClrMapping/>
+  </p:clrMapOvr>
+</p:sld>
+</file>
+
+<file path=ppt/slides/slide11.xml><?xml version="1.0" encoding="utf-8"?>
+<p:sld xmlns:a="http://schemas.openxmlformats.org/drawingml/2006/main" xmlns:r="http://schemas.openxmlformats.org/officeDocument/2006/relationships" xmlns:p="http://schemas.openxmlformats.org/presentationml/2006/main">
+  <p:cSld>
+    <p:spTree>
+      <p:nvGrpSpPr>
+        <p:cNvPr id="1" name="">
+          <a:extLst>
+            <a:ext uri="{FF2B5EF4-FFF2-40B4-BE49-F238E27FC236}">
               <a16:creationId xmlns:a16="http://schemas.microsoft.com/office/drawing/2014/main" id="{015409A6-D05D-AD64-7E4F-3C97C08FBF66}"/>
             </a:ext>
           </a:extLst>
@@ -5333,7 +5833,7 @@
 </p:sld>
 </file>
 
-<file path=ppt/slides/slide11.xml><?xml version="1.0" encoding="utf-8"?>
+<file path=ppt/slides/slide12.xml><?xml version="1.0" encoding="utf-8"?>
 <p:sld xmlns:a="http://schemas.openxmlformats.org/drawingml/2006/main" xmlns:r="http://schemas.openxmlformats.org/officeDocument/2006/relationships" xmlns:p="http://schemas.openxmlformats.org/presentationml/2006/main">
   <p:cSld>
     <p:spTree>
@@ -5640,7 +6140,7 @@
 </p:sld>
 </file>
 
-<file path=ppt/slides/slide12.xml><?xml version="1.0" encoding="utf-8"?>
+<file path=ppt/slides/slide13.xml><?xml version="1.0" encoding="utf-8"?>
 <p:sld xmlns:a="http://schemas.openxmlformats.org/drawingml/2006/main" xmlns:r="http://schemas.openxmlformats.org/officeDocument/2006/relationships" xmlns:p="http://schemas.openxmlformats.org/presentationml/2006/main">
   <p:cSld>
     <p:spTree>
@@ -5947,7 +6447,7 @@
 </p:sld>
 </file>
 
-<file path=ppt/slides/slide13.xml><?xml version="1.0" encoding="utf-8"?>
+<file path=ppt/slides/slide14.xml><?xml version="1.0" encoding="utf-8"?>
 <p:sld xmlns:a="http://schemas.openxmlformats.org/drawingml/2006/main" xmlns:r="http://schemas.openxmlformats.org/officeDocument/2006/relationships" xmlns:p="http://schemas.openxmlformats.org/presentationml/2006/main">
   <p:cSld>
     <p:spTree>
@@ -6337,7 +6837,7 @@
 </p:sld>
 </file>
 
-<file path=ppt/slides/slide14.xml><?xml version="1.0" encoding="utf-8"?>
+<file path=ppt/slides/slide15.xml><?xml version="1.0" encoding="utf-8"?>
 <p:sld xmlns:a="http://schemas.openxmlformats.org/drawingml/2006/main" xmlns:r="http://schemas.openxmlformats.org/officeDocument/2006/relationships" xmlns:p="http://schemas.openxmlformats.org/presentationml/2006/main">
   <p:cSld>
     <p:spTree>
@@ -6446,7 +6946,7 @@
 </p:sld>
 </file>
 
-<file path=ppt/slides/slide15.xml><?xml version="1.0" encoding="utf-8"?>
+<file path=ppt/slides/slide16.xml><?xml version="1.0" encoding="utf-8"?>
 <p:sld xmlns:a="http://schemas.openxmlformats.org/drawingml/2006/main" xmlns:r="http://schemas.openxmlformats.org/officeDocument/2006/relationships" xmlns:p="http://schemas.openxmlformats.org/presentationml/2006/main">
   <p:cSld>
     <p:spTree>
@@ -8127,7 +8627,7 @@
         </p:nvSpPr>
         <p:spPr>
           <a:xfrm>
-            <a:off x="1714610" y="2505670"/>
+            <a:off x="1016000" y="1305213"/>
             <a:ext cx="8348870" cy="1200329"/>
           </a:xfrm>
           <a:prstGeom prst="rect">
@@ -8208,8 +8708,8 @@
         </p:nvSpPr>
         <p:spPr bwMode="auto">
           <a:xfrm>
-            <a:off x="1016000" y="4934857"/>
-            <a:ext cx="12192000" cy="0"/>
+            <a:off x="1117600" y="2698391"/>
+            <a:ext cx="12293600" cy="1200329"/>
           </a:xfrm>
           <a:prstGeom prst="rect">
             <a:avLst/>
@@ -8249,7 +8749,7 @@
           </a:extLst>
         </p:spPr>
         <p:txBody>
-          <a:bodyPr vert="horz" wrap="none" lIns="91440" tIns="45720" rIns="91440" bIns="45720" numCol="1" anchor="ctr" anchorCtr="0" compatLnSpc="1">
+          <a:bodyPr vert="horz" wrap="square" lIns="91440" tIns="45720" rIns="91440" bIns="45720" numCol="1" anchor="ctr" anchorCtr="0" compatLnSpc="1">
             <a:prstTxWarp prst="textNoShape">
               <a:avLst/>
             </a:prstTxWarp>
@@ -8274,7 +8774,7 @@
               <a:tabLst/>
             </a:pPr>
             <a:r>
-              <a:rPr kumimoji="0" lang="en-US" altLang="en-US" sz="1800" b="0" i="0" u="none" strike="noStrike" cap="none" normalizeH="0" baseline="0">
+              <a:rPr kumimoji="0" lang="en-US" altLang="en-US" sz="1800" b="0" i="0" u="none" strike="noStrike" cap="none" normalizeH="0" baseline="0" dirty="0">
                 <a:ln>
                   <a:noFill/>
                 </a:ln>
@@ -8305,7 +8805,7 @@
               <a:tabLst/>
             </a:pPr>
             <a:r>
-              <a:rPr kumimoji="0" lang="en-US" altLang="en-US" sz="1800" b="0" i="0" u="none" strike="noStrike" cap="none" normalizeH="0" baseline="0">
+              <a:rPr kumimoji="0" lang="en-US" altLang="en-US" sz="1800" b="0" i="0" u="none" strike="noStrike" cap="none" normalizeH="0" baseline="0" dirty="0">
                 <a:ln>
                   <a:noFill/>
                 </a:ln>
@@ -8336,7 +8836,7 @@
               <a:tabLst/>
             </a:pPr>
             <a:r>
-              <a:rPr kumimoji="0" lang="en-US" altLang="en-US" sz="1800" b="0" i="0" u="none" strike="noStrike" cap="none" normalizeH="0" baseline="0">
+              <a:rPr kumimoji="0" lang="en-US" altLang="en-US" sz="1800" b="0" i="0" u="none" strike="noStrike" cap="none" normalizeH="0" baseline="0" dirty="0">
                 <a:ln>
                   <a:noFill/>
                 </a:ln>
@@ -8367,7 +8867,7 @@
               <a:tabLst/>
             </a:pPr>
             <a:r>
-              <a:rPr kumimoji="0" lang="en-US" altLang="en-US" sz="1800" b="0" i="0" u="none" strike="noStrike" cap="none" normalizeH="0" baseline="0">
+              <a:rPr kumimoji="0" lang="en-US" altLang="en-US" sz="1800" b="0" i="0" u="none" strike="noStrike" cap="none" normalizeH="0" baseline="0" dirty="0">
                 <a:ln>
                   <a:noFill/>
                 </a:ln>
@@ -8384,42 +8884,99 @@
       </p:sp>
       <p:sp>
         <p:nvSpPr>
-          <p:cNvPr id="6" name="TextBox 5">
-            <a:extLst>
-              <a:ext uri="{FF2B5EF4-FFF2-40B4-BE49-F238E27FC236}">
-                <a16:creationId xmlns:a16="http://schemas.microsoft.com/office/drawing/2014/main" id="{C2429CD9-17F1-637D-26F2-35787FE6DFC4}"/>
-              </a:ext>
-            </a:extLst>
-          </p:cNvPr>
-          <p:cNvSpPr txBox="1"/>
+          <p:cNvPr id="7" name="Rectangle 1">
+            <a:extLst>
+              <a:ext uri="{FF2B5EF4-FFF2-40B4-BE49-F238E27FC236}">
+                <a16:creationId xmlns:a16="http://schemas.microsoft.com/office/drawing/2014/main" id="{7DA11AEF-A2F0-B4DB-0C13-482825D11887}"/>
+              </a:ext>
+            </a:extLst>
+          </p:cNvPr>
+          <p:cNvSpPr>
+            <a:spLocks noChangeArrowheads="1"/>
+          </p:cNvSpPr>
           <p:nvPr/>
         </p:nvSpPr>
-        <p:spPr>
+        <p:spPr bwMode="auto">
           <a:xfrm>
-            <a:off x="1001486" y="6103224"/>
-            <a:ext cx="6110514" cy="369332"/>
+            <a:off x="645886" y="4680117"/>
+            <a:ext cx="12293600" cy="1200329"/>
           </a:xfrm>
           <a:prstGeom prst="rect">
             <a:avLst/>
           </a:prstGeom>
           <a:noFill/>
+          <a:ln>
+            <a:noFill/>
+          </a:ln>
+          <a:effectLst/>
+          <a:extLst>
+            <a:ext uri="{909E8E84-426E-40DD-AFC4-6F175D3DCCD1}">
+              <a14:hiddenFill xmlns:a14="http://schemas.microsoft.com/office/drawing/2010/main">
+                <a:solidFill>
+                  <a:schemeClr val="accent1"/>
+                </a:solidFill>
+              </a14:hiddenFill>
+            </a:ext>
+            <a:ext uri="{91240B29-F687-4F45-9708-019B960494DF}">
+              <a14:hiddenLine xmlns:a14="http://schemas.microsoft.com/office/drawing/2010/main" w="9525">
+                <a:solidFill>
+                  <a:schemeClr val="tx1"/>
+                </a:solidFill>
+                <a:miter lim="800000"/>
+                <a:headEnd/>
+                <a:tailEnd/>
+              </a14:hiddenLine>
+            </a:ext>
+            <a:ext uri="{AF507438-7753-43E0-B8FC-AC1667EBCBE1}">
+              <a14:hiddenEffects xmlns:a14="http://schemas.microsoft.com/office/drawing/2010/main">
+                <a:effectLst>
+                  <a:outerShdw dist="35921" dir="2700000" algn="ctr" rotWithShape="0">
+                    <a:schemeClr val="bg2"/>
+                  </a:outerShdw>
+                </a:effectLst>
+              </a14:hiddenEffects>
+            </a:ext>
+          </a:extLst>
         </p:spPr>
         <p:txBody>
-          <a:bodyPr wrap="square">
+          <a:bodyPr vert="horz" wrap="square" lIns="91440" tIns="45720" rIns="91440" bIns="45720" numCol="1" anchor="ctr" anchorCtr="0" compatLnSpc="1">
+            <a:prstTxWarp prst="textNoShape">
+              <a:avLst/>
+            </a:prstTxWarp>
             <a:spAutoFit/>
           </a:bodyPr>
           <a:lstStyle/>
           <a:p>
-            <a:r>
-              <a:rPr lang="en-US" sz="1800" b="1" dirty="0">
-                <a:solidFill>
-                  <a:schemeClr val="accent1">
-                    <a:lumMod val="75000"/>
-                  </a:schemeClr>
-                </a:solidFill>
+            <a:pPr marL="0" marR="0" lvl="0" indent="0" algn="l" defTabSz="914400" rtl="0" eaLnBrk="0" fontAlgn="base" latinLnBrk="0" hangingPunct="0">
+              <a:lnSpc>
+                <a:spcPct val="100000"/>
+              </a:lnSpc>
+              <a:spcBef>
+                <a:spcPct val="0"/>
+              </a:spcBef>
+              <a:spcAft>
+                <a:spcPct val="0"/>
+              </a:spcAft>
+              <a:buClrTx/>
+              <a:buSzTx/>
+              <a:tabLst/>
+            </a:pPr>
+            <a:r>
+              <a:rPr lang="en-US" altLang="en-US" sz="3600" dirty="0">
+                <a:latin typeface="Arial" panose="020B0604020202020204" pitchFamily="34" charset="0"/>
               </a:rPr>
-              <a:t>Data Wrangling</a:t>
-            </a:r>
+              <a:t>10,000 datapoints, 26 input features, 1 target variable – 87.05% good loans and 12.95% bad loans </a:t>
+            </a:r>
+            <a:endParaRPr kumimoji="0" lang="en-US" altLang="en-US" sz="3600" b="0" i="0" u="none" strike="noStrike" cap="none" normalizeH="0" baseline="0" dirty="0">
+              <a:ln>
+                <a:noFill/>
+              </a:ln>
+              <a:solidFill>
+                <a:schemeClr val="tx1"/>
+              </a:solidFill>
+              <a:effectLst/>
+              <a:latin typeface="Arial" panose="020B0604020202020204" pitchFamily="34" charset="0"/>
+            </a:endParaRPr>
           </a:p>
         </p:txBody>
       </p:sp>
@@ -8910,6 +9467,408 @@
         <p:cNvPr id="1" name="">
           <a:extLst>
             <a:ext uri="{FF2B5EF4-FFF2-40B4-BE49-F238E27FC236}">
+              <a16:creationId xmlns:a16="http://schemas.microsoft.com/office/drawing/2014/main" id="{93164F77-7F74-9694-323A-491248DCE1ED}"/>
+            </a:ext>
+          </a:extLst>
+        </p:cNvPr>
+        <p:cNvGrpSpPr/>
+        <p:nvPr/>
+      </p:nvGrpSpPr>
+      <p:grpSpPr>
+        <a:xfrm>
+          <a:off x="0" y="0"/>
+          <a:ext cx="0" cy="0"/>
+          <a:chOff x="0" y="0"/>
+          <a:chExt cx="0" cy="0"/>
+        </a:xfrm>
+      </p:grpSpPr>
+      <p:grpSp>
+        <p:nvGrpSpPr>
+          <p:cNvPr id="20" name="Group 19">
+            <a:extLst>
+              <a:ext uri="{FF2B5EF4-FFF2-40B4-BE49-F238E27FC236}">
+                <a16:creationId xmlns:a16="http://schemas.microsoft.com/office/drawing/2014/main" id="{76FEF58B-5645-B4C5-9346-DADB2A65E174}"/>
+              </a:ext>
+            </a:extLst>
+          </p:cNvPr>
+          <p:cNvGrpSpPr/>
+          <p:nvPr/>
+        </p:nvGrpSpPr>
+        <p:grpSpPr>
+          <a:xfrm>
+            <a:off x="0" y="0"/>
+            <a:ext cx="12192000" cy="6858000"/>
+            <a:chOff x="0" y="0"/>
+            <a:chExt cx="12192000" cy="6858000"/>
+          </a:xfrm>
+        </p:grpSpPr>
+        <p:sp>
+          <p:nvSpPr>
+            <p:cNvPr id="9" name="TextBox 8">
+              <a:extLst>
+                <a:ext uri="{FF2B5EF4-FFF2-40B4-BE49-F238E27FC236}">
+                  <a16:creationId xmlns:a16="http://schemas.microsoft.com/office/drawing/2014/main" id="{2AA51640-2B79-6A87-ED43-679DECA234DB}"/>
+                </a:ext>
+              </a:extLst>
+            </p:cNvPr>
+            <p:cNvSpPr txBox="1"/>
+            <p:nvPr/>
+          </p:nvSpPr>
+          <p:spPr>
+            <a:xfrm>
+              <a:off x="325120" y="0"/>
+              <a:ext cx="11866880" cy="584775"/>
+            </a:xfrm>
+            <a:prstGeom prst="rect">
+              <a:avLst/>
+            </a:prstGeom>
+            <a:noFill/>
+          </p:spPr>
+          <p:txBody>
+            <a:bodyPr wrap="square" rtlCol="0">
+              <a:spAutoFit/>
+            </a:bodyPr>
+            <a:lstStyle/>
+            <a:p>
+              <a:r>
+                <a:rPr lang="en-US" sz="3200" b="1" dirty="0">
+                  <a:solidFill>
+                    <a:schemeClr val="accent1">
+                      <a:lumMod val="75000"/>
+                    </a:schemeClr>
+                  </a:solidFill>
+                </a:rPr>
+                <a:t>Dataset refinement</a:t>
+              </a:r>
+            </a:p>
+          </p:txBody>
+        </p:sp>
+        <p:cxnSp>
+          <p:nvCxnSpPr>
+            <p:cNvPr id="13" name="Straight Connector 12">
+              <a:extLst>
+                <a:ext uri="{FF2B5EF4-FFF2-40B4-BE49-F238E27FC236}">
+                  <a16:creationId xmlns:a16="http://schemas.microsoft.com/office/drawing/2014/main" id="{0FFD7C33-CDA3-EACD-8E85-F9505302B6FA}"/>
+                </a:ext>
+              </a:extLst>
+            </p:cNvPr>
+            <p:cNvCxnSpPr>
+              <a:cxnSpLocks/>
+            </p:cNvCxnSpPr>
+            <p:nvPr/>
+          </p:nvCxnSpPr>
+          <p:spPr>
+            <a:xfrm>
+              <a:off x="81280" y="538480"/>
+              <a:ext cx="12110720" cy="0"/>
+            </a:xfrm>
+            <a:prstGeom prst="line">
+              <a:avLst/>
+            </a:prstGeom>
+            <a:ln>
+              <a:solidFill>
+                <a:schemeClr val="tx2">
+                  <a:lumMod val="10000"/>
+                  <a:lumOff val="90000"/>
+                </a:schemeClr>
+              </a:solidFill>
+            </a:ln>
+          </p:spPr>
+          <p:style>
+            <a:lnRef idx="2">
+              <a:schemeClr val="accent1"/>
+            </a:lnRef>
+            <a:fillRef idx="0">
+              <a:schemeClr val="accent1"/>
+            </a:fillRef>
+            <a:effectRef idx="1">
+              <a:schemeClr val="accent1"/>
+            </a:effectRef>
+            <a:fontRef idx="minor">
+              <a:schemeClr val="tx1"/>
+            </a:fontRef>
+          </p:style>
+        </p:cxnSp>
+        <p:sp>
+          <p:nvSpPr>
+            <p:cNvPr id="15" name="Rectangle 14">
+              <a:extLst>
+                <a:ext uri="{FF2B5EF4-FFF2-40B4-BE49-F238E27FC236}">
+                  <a16:creationId xmlns:a16="http://schemas.microsoft.com/office/drawing/2014/main" id="{60AD93C1-9C0F-FC2D-3929-B09CAB64FDA7}"/>
+                </a:ext>
+              </a:extLst>
+            </p:cNvPr>
+            <p:cNvSpPr/>
+            <p:nvPr/>
+          </p:nvSpPr>
+          <p:spPr>
+            <a:xfrm>
+              <a:off x="0" y="0"/>
+              <a:ext cx="325120" cy="6858000"/>
+            </a:xfrm>
+            <a:prstGeom prst="rect">
+              <a:avLst/>
+            </a:prstGeom>
+            <a:gradFill flip="none" rotWithShape="1">
+              <a:gsLst>
+                <a:gs pos="0">
+                  <a:schemeClr val="accent1">
+                    <a:tint val="66000"/>
+                    <a:satMod val="160000"/>
+                  </a:schemeClr>
+                </a:gs>
+                <a:gs pos="50000">
+                  <a:schemeClr val="accent1">
+                    <a:tint val="44500"/>
+                    <a:satMod val="160000"/>
+                  </a:schemeClr>
+                </a:gs>
+                <a:gs pos="100000">
+                  <a:schemeClr val="accent1">
+                    <a:tint val="23500"/>
+                    <a:satMod val="160000"/>
+                  </a:schemeClr>
+                </a:gs>
+              </a:gsLst>
+              <a:lin ang="2700000" scaled="1"/>
+              <a:tileRect/>
+            </a:gradFill>
+            <a:ln>
+              <a:noFill/>
+            </a:ln>
+          </p:spPr>
+          <p:style>
+            <a:lnRef idx="2">
+              <a:schemeClr val="accent1">
+                <a:shade val="15000"/>
+              </a:schemeClr>
+            </a:lnRef>
+            <a:fillRef idx="1">
+              <a:schemeClr val="accent1"/>
+            </a:fillRef>
+            <a:effectRef idx="0">
+              <a:schemeClr val="accent1"/>
+            </a:effectRef>
+            <a:fontRef idx="minor">
+              <a:schemeClr val="lt1"/>
+            </a:fontRef>
+          </p:style>
+          <p:txBody>
+            <a:bodyPr rtlCol="0" anchor="ctr"/>
+            <a:lstStyle/>
+            <a:p>
+              <a:pPr algn="ctr"/>
+              <a:endParaRPr lang="en-US"/>
+            </a:p>
+          </p:txBody>
+        </p:sp>
+        <p:cxnSp>
+          <p:nvCxnSpPr>
+            <p:cNvPr id="17" name="Straight Connector 16">
+              <a:extLst>
+                <a:ext uri="{FF2B5EF4-FFF2-40B4-BE49-F238E27FC236}">
+                  <a16:creationId xmlns:a16="http://schemas.microsoft.com/office/drawing/2014/main" id="{E4C8A887-FE86-A8BF-99AC-15B0B5B8C956}"/>
+                </a:ext>
+              </a:extLst>
+            </p:cNvPr>
+            <p:cNvCxnSpPr>
+              <a:cxnSpLocks/>
+            </p:cNvCxnSpPr>
+            <p:nvPr/>
+          </p:nvCxnSpPr>
+          <p:spPr>
+            <a:xfrm>
+              <a:off x="325120" y="523815"/>
+              <a:ext cx="11866880" cy="0"/>
+            </a:xfrm>
+            <a:prstGeom prst="line">
+              <a:avLst/>
+            </a:prstGeom>
+            <a:ln w="6350">
+              <a:solidFill>
+                <a:schemeClr val="accent1">
+                  <a:lumMod val="75000"/>
+                </a:schemeClr>
+              </a:solidFill>
+            </a:ln>
+          </p:spPr>
+          <p:style>
+            <a:lnRef idx="2">
+              <a:schemeClr val="accent1"/>
+            </a:lnRef>
+            <a:fillRef idx="0">
+              <a:schemeClr val="accent1"/>
+            </a:fillRef>
+            <a:effectRef idx="1">
+              <a:schemeClr val="accent1"/>
+            </a:effectRef>
+            <a:fontRef idx="minor">
+              <a:schemeClr val="tx1"/>
+            </a:fontRef>
+          </p:style>
+        </p:cxnSp>
+        <p:cxnSp>
+          <p:nvCxnSpPr>
+            <p:cNvPr id="19" name="Straight Connector 18">
+              <a:extLst>
+                <a:ext uri="{FF2B5EF4-FFF2-40B4-BE49-F238E27FC236}">
+                  <a16:creationId xmlns:a16="http://schemas.microsoft.com/office/drawing/2014/main" id="{CEFCF009-ECE5-58EB-9BFC-1499A4A9A174}"/>
+                </a:ext>
+              </a:extLst>
+            </p:cNvPr>
+            <p:cNvCxnSpPr>
+              <a:cxnSpLocks/>
+            </p:cNvCxnSpPr>
+            <p:nvPr/>
+          </p:nvCxnSpPr>
+          <p:spPr>
+            <a:xfrm>
+              <a:off x="325120" y="554295"/>
+              <a:ext cx="11866880" cy="0"/>
+            </a:xfrm>
+            <a:prstGeom prst="line">
+              <a:avLst/>
+            </a:prstGeom>
+            <a:ln w="6350">
+              <a:solidFill>
+                <a:schemeClr val="accent1">
+                  <a:lumMod val="75000"/>
+                </a:schemeClr>
+              </a:solidFill>
+            </a:ln>
+          </p:spPr>
+          <p:style>
+            <a:lnRef idx="2">
+              <a:schemeClr val="accent1"/>
+            </a:lnRef>
+            <a:fillRef idx="0">
+              <a:schemeClr val="accent1"/>
+            </a:fillRef>
+            <a:effectRef idx="1">
+              <a:schemeClr val="accent1"/>
+            </a:effectRef>
+            <a:fontRef idx="minor">
+              <a:schemeClr val="tx1"/>
+            </a:fontRef>
+          </p:style>
+        </p:cxnSp>
+      </p:grpSp>
+      <p:sp>
+        <p:nvSpPr>
+          <p:cNvPr id="5" name="Rectangle 1">
+            <a:extLst>
+              <a:ext uri="{FF2B5EF4-FFF2-40B4-BE49-F238E27FC236}">
+                <a16:creationId xmlns:a16="http://schemas.microsoft.com/office/drawing/2014/main" id="{E1FDB582-13FF-03F8-7003-07A1E671162B}"/>
+              </a:ext>
+            </a:extLst>
+          </p:cNvPr>
+          <p:cNvSpPr>
+            <a:spLocks noChangeArrowheads="1"/>
+          </p:cNvSpPr>
+          <p:nvPr/>
+        </p:nvSpPr>
+        <p:spPr bwMode="auto">
+          <a:xfrm>
+            <a:off x="426720" y="1136134"/>
+            <a:ext cx="2274982" cy="369332"/>
+          </a:xfrm>
+          <a:prstGeom prst="rect">
+            <a:avLst/>
+          </a:prstGeom>
+          <a:noFill/>
+          <a:ln>
+            <a:noFill/>
+          </a:ln>
+          <a:effectLst/>
+          <a:extLst>
+            <a:ext uri="{909E8E84-426E-40DD-AFC4-6F175D3DCCD1}">
+              <a14:hiddenFill xmlns:a14="http://schemas.microsoft.com/office/drawing/2010/main">
+                <a:solidFill>
+                  <a:schemeClr val="accent1"/>
+                </a:solidFill>
+              </a14:hiddenFill>
+            </a:ext>
+            <a:ext uri="{91240B29-F687-4F45-9708-019B960494DF}">
+              <a14:hiddenLine xmlns:a14="http://schemas.microsoft.com/office/drawing/2010/main" w="9525">
+                <a:solidFill>
+                  <a:schemeClr val="tx1"/>
+                </a:solidFill>
+                <a:miter lim="800000"/>
+                <a:headEnd/>
+                <a:tailEnd/>
+              </a14:hiddenLine>
+            </a:ext>
+            <a:ext uri="{AF507438-7753-43E0-B8FC-AC1667EBCBE1}">
+              <a14:hiddenEffects xmlns:a14="http://schemas.microsoft.com/office/drawing/2010/main">
+                <a:effectLst>
+                  <a:outerShdw dist="35921" dir="2700000" algn="ctr" rotWithShape="0">
+                    <a:schemeClr val="bg2"/>
+                  </a:outerShdw>
+                </a:effectLst>
+              </a14:hiddenEffects>
+            </a:ext>
+          </a:extLst>
+        </p:spPr>
+        <p:txBody>
+          <a:bodyPr vert="horz" wrap="none" lIns="91440" tIns="45720" rIns="91440" bIns="45720" numCol="1" anchor="ctr" anchorCtr="0" compatLnSpc="1">
+            <a:prstTxWarp prst="textNoShape">
+              <a:avLst/>
+            </a:prstTxWarp>
+            <a:spAutoFit/>
+          </a:bodyPr>
+          <a:lstStyle/>
+          <a:p>
+            <a:pPr marL="0" marR="0" lvl="0" indent="0" algn="l" defTabSz="914400" rtl="0" eaLnBrk="0" fontAlgn="base" latinLnBrk="0" hangingPunct="0">
+              <a:lnSpc>
+                <a:spcPct val="100000"/>
+              </a:lnSpc>
+              <a:spcBef>
+                <a:spcPct val="0"/>
+              </a:spcBef>
+              <a:spcAft>
+                <a:spcPct val="0"/>
+              </a:spcAft>
+              <a:buClrTx/>
+              <a:buSzTx/>
+              <a:tabLst/>
+            </a:pPr>
+            <a:r>
+              <a:rPr kumimoji="0" lang="en-US" altLang="en-US" sz="1800" b="0" i="0" u="none" strike="noStrike" cap="none" normalizeH="0" baseline="0" dirty="0">
+                <a:ln>
+                  <a:noFill/>
+                </a:ln>
+                <a:solidFill>
+                  <a:schemeClr val="tx1"/>
+                </a:solidFill>
+                <a:effectLst/>
+                <a:latin typeface="Arial" panose="020B0604020202020204" pitchFamily="34" charset="0"/>
+              </a:rPr>
+              <a:t>3 columns dropped .</a:t>
+            </a:r>
+          </a:p>
+        </p:txBody>
+      </p:sp>
+    </p:spTree>
+    <p:extLst>
+      <p:ext uri="{BB962C8B-B14F-4D97-AF65-F5344CB8AC3E}">
+        <p14:creationId xmlns:p14="http://schemas.microsoft.com/office/powerpoint/2010/main" val="3594072781"/>
+      </p:ext>
+    </p:extLst>
+  </p:cSld>
+  <p:clrMapOvr>
+    <a:masterClrMapping/>
+  </p:clrMapOvr>
+</p:sld>
+</file>
+
+<file path=ppt/slides/slide7.xml><?xml version="1.0" encoding="utf-8"?>
+<p:sld xmlns:a="http://schemas.openxmlformats.org/drawingml/2006/main" xmlns:r="http://schemas.openxmlformats.org/officeDocument/2006/relationships" xmlns:p="http://schemas.openxmlformats.org/presentationml/2006/main">
+  <p:cSld>
+    <p:spTree>
+      <p:nvGrpSpPr>
+        <p:cNvPr id="1" name="">
+          <a:extLst>
+            <a:ext uri="{FF2B5EF4-FFF2-40B4-BE49-F238E27FC236}">
               <a16:creationId xmlns:a16="http://schemas.microsoft.com/office/drawing/2014/main" id="{7CA886E5-5805-E9B2-5BCA-E6EF06A6915B}"/>
             </a:ext>
           </a:extLst>
@@ -9308,7 +10267,7 @@
 </p:sld>
 </file>
 
-<file path=ppt/slides/slide7.xml><?xml version="1.0" encoding="utf-8"?>
+<file path=ppt/slides/slide8.xml><?xml version="1.0" encoding="utf-8"?>
 <p:sld xmlns:a="http://schemas.openxmlformats.org/drawingml/2006/main" xmlns:r="http://schemas.openxmlformats.org/officeDocument/2006/relationships" xmlns:p="http://schemas.openxmlformats.org/presentationml/2006/main">
   <p:cSld>
     <p:spTree>
@@ -9615,7 +10574,7 @@
 </p:sld>
 </file>
 
-<file path=ppt/slides/slide8.xml><?xml version="1.0" encoding="utf-8"?>
+<file path=ppt/slides/slide9.xml><?xml version="1.0" encoding="utf-8"?>
 <p:sld xmlns:a="http://schemas.openxmlformats.org/drawingml/2006/main" xmlns:r="http://schemas.openxmlformats.org/officeDocument/2006/relationships" xmlns:p="http://schemas.openxmlformats.org/presentationml/2006/main">
   <p:cSld>
     <p:spTree>
@@ -10072,391 +11031,6 @@
     <p:extLst>
       <p:ext uri="{BB962C8B-B14F-4D97-AF65-F5344CB8AC3E}">
         <p14:creationId xmlns:p14="http://schemas.microsoft.com/office/powerpoint/2010/main" val="2323787026"/>
-      </p:ext>
-    </p:extLst>
-  </p:cSld>
-  <p:clrMapOvr>
-    <a:masterClrMapping/>
-  </p:clrMapOvr>
-</p:sld>
-</file>
-
-<file path=ppt/slides/slide9.xml><?xml version="1.0" encoding="utf-8"?>
-<p:sld xmlns:a="http://schemas.openxmlformats.org/drawingml/2006/main" xmlns:r="http://schemas.openxmlformats.org/officeDocument/2006/relationships" xmlns:p="http://schemas.openxmlformats.org/presentationml/2006/main">
-  <p:cSld>
-    <p:spTree>
-      <p:nvGrpSpPr>
-        <p:cNvPr id="1" name="">
-          <a:extLst>
-            <a:ext uri="{FF2B5EF4-FFF2-40B4-BE49-F238E27FC236}">
-              <a16:creationId xmlns:a16="http://schemas.microsoft.com/office/drawing/2014/main" id="{6D488F88-CFE0-0044-2478-878EBB98BE79}"/>
-            </a:ext>
-          </a:extLst>
-        </p:cNvPr>
-        <p:cNvGrpSpPr/>
-        <p:nvPr/>
-      </p:nvGrpSpPr>
-      <p:grpSpPr>
-        <a:xfrm>
-          <a:off x="0" y="0"/>
-          <a:ext cx="0" cy="0"/>
-          <a:chOff x="0" y="0"/>
-          <a:chExt cx="0" cy="0"/>
-        </a:xfrm>
-      </p:grpSpPr>
-      <p:grpSp>
-        <p:nvGrpSpPr>
-          <p:cNvPr id="20" name="Group 19">
-            <a:extLst>
-              <a:ext uri="{FF2B5EF4-FFF2-40B4-BE49-F238E27FC236}">
-                <a16:creationId xmlns:a16="http://schemas.microsoft.com/office/drawing/2014/main" id="{97052BDD-91EA-6972-4BD8-744EF8494C7F}"/>
-              </a:ext>
-            </a:extLst>
-          </p:cNvPr>
-          <p:cNvGrpSpPr/>
-          <p:nvPr/>
-        </p:nvGrpSpPr>
-        <p:grpSpPr>
-          <a:xfrm>
-            <a:off x="0" y="0"/>
-            <a:ext cx="12192000" cy="6858000"/>
-            <a:chOff x="0" y="0"/>
-            <a:chExt cx="12192000" cy="6858000"/>
-          </a:xfrm>
-        </p:grpSpPr>
-        <p:sp>
-          <p:nvSpPr>
-            <p:cNvPr id="9" name="TextBox 8">
-              <a:extLst>
-                <a:ext uri="{FF2B5EF4-FFF2-40B4-BE49-F238E27FC236}">
-                  <a16:creationId xmlns:a16="http://schemas.microsoft.com/office/drawing/2014/main" id="{9EE4729A-4522-4DB7-C39B-31D58F716EB9}"/>
-                </a:ext>
-              </a:extLst>
-            </p:cNvPr>
-            <p:cNvSpPr txBox="1"/>
-            <p:nvPr/>
-          </p:nvSpPr>
-          <p:spPr>
-            <a:xfrm>
-              <a:off x="325120" y="0"/>
-              <a:ext cx="11866880" cy="584775"/>
-            </a:xfrm>
-            <a:prstGeom prst="rect">
-              <a:avLst/>
-            </a:prstGeom>
-            <a:noFill/>
-          </p:spPr>
-          <p:txBody>
-            <a:bodyPr wrap="square" rtlCol="0">
-              <a:spAutoFit/>
-            </a:bodyPr>
-            <a:lstStyle/>
-            <a:p>
-              <a:r>
-                <a:rPr lang="en-US" sz="3200" b="1" dirty="0">
-                  <a:solidFill>
-                    <a:schemeClr val="accent1">
-                      <a:lumMod val="75000"/>
-                    </a:schemeClr>
-                  </a:solidFill>
-                </a:rPr>
-                <a:t>Business Impact Simulation</a:t>
-              </a:r>
-            </a:p>
-          </p:txBody>
-        </p:sp>
-        <p:cxnSp>
-          <p:nvCxnSpPr>
-            <p:cNvPr id="13" name="Straight Connector 12">
-              <a:extLst>
-                <a:ext uri="{FF2B5EF4-FFF2-40B4-BE49-F238E27FC236}">
-                  <a16:creationId xmlns:a16="http://schemas.microsoft.com/office/drawing/2014/main" id="{3038E03D-4228-3C5C-8006-30AA7DAD649E}"/>
-                </a:ext>
-              </a:extLst>
-            </p:cNvPr>
-            <p:cNvCxnSpPr>
-              <a:cxnSpLocks/>
-            </p:cNvCxnSpPr>
-            <p:nvPr/>
-          </p:nvCxnSpPr>
-          <p:spPr>
-            <a:xfrm>
-              <a:off x="81280" y="538480"/>
-              <a:ext cx="12110720" cy="0"/>
-            </a:xfrm>
-            <a:prstGeom prst="line">
-              <a:avLst/>
-            </a:prstGeom>
-            <a:ln>
-              <a:solidFill>
-                <a:schemeClr val="tx2">
-                  <a:lumMod val="10000"/>
-                  <a:lumOff val="90000"/>
-                </a:schemeClr>
-              </a:solidFill>
-            </a:ln>
-          </p:spPr>
-          <p:style>
-            <a:lnRef idx="2">
-              <a:schemeClr val="accent1"/>
-            </a:lnRef>
-            <a:fillRef idx="0">
-              <a:schemeClr val="accent1"/>
-            </a:fillRef>
-            <a:effectRef idx="1">
-              <a:schemeClr val="accent1"/>
-            </a:effectRef>
-            <a:fontRef idx="minor">
-              <a:schemeClr val="tx1"/>
-            </a:fontRef>
-          </p:style>
-        </p:cxnSp>
-        <p:sp>
-          <p:nvSpPr>
-            <p:cNvPr id="15" name="Rectangle 14">
-              <a:extLst>
-                <a:ext uri="{FF2B5EF4-FFF2-40B4-BE49-F238E27FC236}">
-                  <a16:creationId xmlns:a16="http://schemas.microsoft.com/office/drawing/2014/main" id="{B8AC678F-603B-600F-1450-D5A2D4F723A0}"/>
-                </a:ext>
-              </a:extLst>
-            </p:cNvPr>
-            <p:cNvSpPr/>
-            <p:nvPr/>
-          </p:nvSpPr>
-          <p:spPr>
-            <a:xfrm>
-              <a:off x="0" y="0"/>
-              <a:ext cx="325120" cy="6858000"/>
-            </a:xfrm>
-            <a:prstGeom prst="rect">
-              <a:avLst/>
-            </a:prstGeom>
-            <a:gradFill flip="none" rotWithShape="1">
-              <a:gsLst>
-                <a:gs pos="0">
-                  <a:schemeClr val="accent1">
-                    <a:tint val="66000"/>
-                    <a:satMod val="160000"/>
-                  </a:schemeClr>
-                </a:gs>
-                <a:gs pos="50000">
-                  <a:schemeClr val="accent1">
-                    <a:tint val="44500"/>
-                    <a:satMod val="160000"/>
-                  </a:schemeClr>
-                </a:gs>
-                <a:gs pos="100000">
-                  <a:schemeClr val="accent1">
-                    <a:tint val="23500"/>
-                    <a:satMod val="160000"/>
-                  </a:schemeClr>
-                </a:gs>
-              </a:gsLst>
-              <a:lin ang="2700000" scaled="1"/>
-              <a:tileRect/>
-            </a:gradFill>
-            <a:ln>
-              <a:noFill/>
-            </a:ln>
-          </p:spPr>
-          <p:style>
-            <a:lnRef idx="2">
-              <a:schemeClr val="accent1">
-                <a:shade val="15000"/>
-              </a:schemeClr>
-            </a:lnRef>
-            <a:fillRef idx="1">
-              <a:schemeClr val="accent1"/>
-            </a:fillRef>
-            <a:effectRef idx="0">
-              <a:schemeClr val="accent1"/>
-            </a:effectRef>
-            <a:fontRef idx="minor">
-              <a:schemeClr val="lt1"/>
-            </a:fontRef>
-          </p:style>
-          <p:txBody>
-            <a:bodyPr rtlCol="0" anchor="ctr"/>
-            <a:lstStyle/>
-            <a:p>
-              <a:pPr algn="ctr"/>
-              <a:endParaRPr lang="en-US"/>
-            </a:p>
-          </p:txBody>
-        </p:sp>
-        <p:cxnSp>
-          <p:nvCxnSpPr>
-            <p:cNvPr id="17" name="Straight Connector 16">
-              <a:extLst>
-                <a:ext uri="{FF2B5EF4-FFF2-40B4-BE49-F238E27FC236}">
-                  <a16:creationId xmlns:a16="http://schemas.microsoft.com/office/drawing/2014/main" id="{A33804AC-5866-4DF9-47B7-BEF141661271}"/>
-                </a:ext>
-              </a:extLst>
-            </p:cNvPr>
-            <p:cNvCxnSpPr>
-              <a:cxnSpLocks/>
-            </p:cNvCxnSpPr>
-            <p:nvPr/>
-          </p:nvCxnSpPr>
-          <p:spPr>
-            <a:xfrm>
-              <a:off x="325120" y="523815"/>
-              <a:ext cx="11866880" cy="0"/>
-            </a:xfrm>
-            <a:prstGeom prst="line">
-              <a:avLst/>
-            </a:prstGeom>
-            <a:ln w="6350">
-              <a:solidFill>
-                <a:schemeClr val="accent1">
-                  <a:lumMod val="75000"/>
-                </a:schemeClr>
-              </a:solidFill>
-            </a:ln>
-          </p:spPr>
-          <p:style>
-            <a:lnRef idx="2">
-              <a:schemeClr val="accent1"/>
-            </a:lnRef>
-            <a:fillRef idx="0">
-              <a:schemeClr val="accent1"/>
-            </a:fillRef>
-            <a:effectRef idx="1">
-              <a:schemeClr val="accent1"/>
-            </a:effectRef>
-            <a:fontRef idx="minor">
-              <a:schemeClr val="tx1"/>
-            </a:fontRef>
-          </p:style>
-        </p:cxnSp>
-        <p:cxnSp>
-          <p:nvCxnSpPr>
-            <p:cNvPr id="19" name="Straight Connector 18">
-              <a:extLst>
-                <a:ext uri="{FF2B5EF4-FFF2-40B4-BE49-F238E27FC236}">
-                  <a16:creationId xmlns:a16="http://schemas.microsoft.com/office/drawing/2014/main" id="{420FBB41-202E-4C70-3E42-99EF5A91B894}"/>
-                </a:ext>
-              </a:extLst>
-            </p:cNvPr>
-            <p:cNvCxnSpPr>
-              <a:cxnSpLocks/>
-            </p:cNvCxnSpPr>
-            <p:nvPr/>
-          </p:nvCxnSpPr>
-          <p:spPr>
-            <a:xfrm>
-              <a:off x="325120" y="554295"/>
-              <a:ext cx="11866880" cy="0"/>
-            </a:xfrm>
-            <a:prstGeom prst="line">
-              <a:avLst/>
-            </a:prstGeom>
-            <a:ln w="6350">
-              <a:solidFill>
-                <a:schemeClr val="accent1">
-                  <a:lumMod val="75000"/>
-                </a:schemeClr>
-              </a:solidFill>
-            </a:ln>
-          </p:spPr>
-          <p:style>
-            <a:lnRef idx="2">
-              <a:schemeClr val="accent1"/>
-            </a:lnRef>
-            <a:fillRef idx="0">
-              <a:schemeClr val="accent1"/>
-            </a:fillRef>
-            <a:effectRef idx="1">
-              <a:schemeClr val="accent1"/>
-            </a:effectRef>
-            <a:fontRef idx="minor">
-              <a:schemeClr val="tx1"/>
-            </a:fontRef>
-          </p:style>
-        </p:cxnSp>
-      </p:grpSp>
-      <p:sp>
-        <p:nvSpPr>
-          <p:cNvPr id="4" name="TextBox 3">
-            <a:extLst>
-              <a:ext uri="{FF2B5EF4-FFF2-40B4-BE49-F238E27FC236}">
-                <a16:creationId xmlns:a16="http://schemas.microsoft.com/office/drawing/2014/main" id="{0C47ADA2-5ED5-2D2A-2167-A8F1B4BC4A8C}"/>
-              </a:ext>
-            </a:extLst>
-          </p:cNvPr>
-          <p:cNvSpPr txBox="1"/>
-          <p:nvPr/>
-        </p:nvSpPr>
-        <p:spPr>
-          <a:xfrm>
-            <a:off x="1328057" y="1683381"/>
-            <a:ext cx="8585200" cy="1477328"/>
-          </a:xfrm>
-          <a:prstGeom prst="rect">
-            <a:avLst/>
-          </a:prstGeom>
-          <a:noFill/>
-        </p:spPr>
-        <p:txBody>
-          <a:bodyPr wrap="square">
-            <a:spAutoFit/>
-          </a:bodyPr>
-          <a:lstStyle/>
-          <a:p>
-            <a:pPr>
-              <a:buNone/>
-            </a:pPr>
-            <a:r>
-              <a:rPr lang="en-US" b="1" dirty="0"/>
-              <a:t>Business Impact Simulation</a:t>
-            </a:r>
-          </a:p>
-          <a:p>
-            <a:pPr>
-              <a:buFont typeface="Arial" panose="020B0604020202020204" pitchFamily="34" charset="0"/>
-              <a:buChar char="•"/>
-            </a:pPr>
-            <a:r>
-              <a:rPr lang="en-US" dirty="0"/>
-              <a:t>Without model: acceptance of all applicants → higher defaults.</a:t>
-            </a:r>
-          </a:p>
-          <a:p>
-            <a:pPr>
-              <a:buFont typeface="Arial" panose="020B0604020202020204" pitchFamily="34" charset="0"/>
-              <a:buChar char="•"/>
-            </a:pPr>
-            <a:r>
-              <a:rPr lang="en-US" dirty="0"/>
-              <a:t>With model: reject X% of predicted high-risk borrowers → fewer defaults.</a:t>
-            </a:r>
-          </a:p>
-          <a:p>
-            <a:pPr>
-              <a:buFont typeface="Arial" panose="020B0604020202020204" pitchFamily="34" charset="0"/>
-              <a:buChar char="•"/>
-            </a:pPr>
-            <a:r>
-              <a:rPr lang="en-US" dirty="0"/>
-              <a:t>Estimated financial uplift (profit curve / cost-benefit table).</a:t>
-            </a:r>
-          </a:p>
-          <a:p>
-            <a:pPr>
-              <a:buFont typeface="Arial" panose="020B0604020202020204" pitchFamily="34" charset="0"/>
-              <a:buChar char="•"/>
-            </a:pPr>
-            <a:r>
-              <a:rPr lang="en-US" dirty="0"/>
-              <a:t>Assumptions stated clearly (e.g., interest rate = 12%, loss given default = 100%).</a:t>
-            </a:r>
-          </a:p>
-        </p:txBody>
-      </p:sp>
-    </p:spTree>
-    <p:extLst>
-      <p:ext uri="{BB962C8B-B14F-4D97-AF65-F5344CB8AC3E}">
-        <p14:creationId xmlns:p14="http://schemas.microsoft.com/office/powerpoint/2010/main" val="112157122"/>
       </p:ext>
     </p:extLst>
   </p:cSld>

--- a/Maximizing Profit for Lending Club.pptx
+++ b/Maximizing Profit for Lending Club.pptx
@@ -212,7 +212,7 @@
           <a:p>
             <a:fld id="{22E3B9E0-12BE-234B-ADA6-A9C52062FDF1}" type="datetimeFigureOut">
               <a:rPr lang="en-US" smtClean="0"/>
-              <a:t>9/21/25</a:t>
+              <a:t>9/22/25</a:t>
             </a:fld>
             <a:endParaRPr lang="en-US"/>
           </a:p>
@@ -1922,7 +1922,7 @@
           <a:p>
             <a:fld id="{C9D637AB-F3BD-E046-AD78-2D03AB3CD094}" type="datetimeFigureOut">
               <a:rPr lang="en-US" smtClean="0"/>
-              <a:t>9/21/25</a:t>
+              <a:t>9/22/25</a:t>
             </a:fld>
             <a:endParaRPr lang="en-US"/>
           </a:p>
@@ -2120,7 +2120,7 @@
           <a:p>
             <a:fld id="{C9D637AB-F3BD-E046-AD78-2D03AB3CD094}" type="datetimeFigureOut">
               <a:rPr lang="en-US" smtClean="0"/>
-              <a:t>9/21/25</a:t>
+              <a:t>9/22/25</a:t>
             </a:fld>
             <a:endParaRPr lang="en-US"/>
           </a:p>
@@ -2328,7 +2328,7 @@
           <a:p>
             <a:fld id="{C9D637AB-F3BD-E046-AD78-2D03AB3CD094}" type="datetimeFigureOut">
               <a:rPr lang="en-US" smtClean="0"/>
-              <a:t>9/21/25</a:t>
+              <a:t>9/22/25</a:t>
             </a:fld>
             <a:endParaRPr lang="en-US"/>
           </a:p>
@@ -2526,7 +2526,7 @@
           <a:p>
             <a:fld id="{C9D637AB-F3BD-E046-AD78-2D03AB3CD094}" type="datetimeFigureOut">
               <a:rPr lang="en-US" smtClean="0"/>
-              <a:t>9/21/25</a:t>
+              <a:t>9/22/25</a:t>
             </a:fld>
             <a:endParaRPr lang="en-US"/>
           </a:p>
@@ -2801,7 +2801,7 @@
           <a:p>
             <a:fld id="{C9D637AB-F3BD-E046-AD78-2D03AB3CD094}" type="datetimeFigureOut">
               <a:rPr lang="en-US" smtClean="0"/>
-              <a:t>9/21/25</a:t>
+              <a:t>9/22/25</a:t>
             </a:fld>
             <a:endParaRPr lang="en-US"/>
           </a:p>
@@ -3066,7 +3066,7 @@
           <a:p>
             <a:fld id="{C9D637AB-F3BD-E046-AD78-2D03AB3CD094}" type="datetimeFigureOut">
               <a:rPr lang="en-US" smtClean="0"/>
-              <a:t>9/21/25</a:t>
+              <a:t>9/22/25</a:t>
             </a:fld>
             <a:endParaRPr lang="en-US"/>
           </a:p>
@@ -3478,7 +3478,7 @@
           <a:p>
             <a:fld id="{C9D637AB-F3BD-E046-AD78-2D03AB3CD094}" type="datetimeFigureOut">
               <a:rPr lang="en-US" smtClean="0"/>
-              <a:t>9/21/25</a:t>
+              <a:t>9/22/25</a:t>
             </a:fld>
             <a:endParaRPr lang="en-US"/>
           </a:p>
@@ -3619,7 +3619,7 @@
           <a:p>
             <a:fld id="{C9D637AB-F3BD-E046-AD78-2D03AB3CD094}" type="datetimeFigureOut">
               <a:rPr lang="en-US" smtClean="0"/>
-              <a:t>9/21/25</a:t>
+              <a:t>9/22/25</a:t>
             </a:fld>
             <a:endParaRPr lang="en-US"/>
           </a:p>
@@ -3732,7 +3732,7 @@
           <a:p>
             <a:fld id="{C9D637AB-F3BD-E046-AD78-2D03AB3CD094}" type="datetimeFigureOut">
               <a:rPr lang="en-US" smtClean="0"/>
-              <a:t>9/21/25</a:t>
+              <a:t>9/22/25</a:t>
             </a:fld>
             <a:endParaRPr lang="en-US"/>
           </a:p>
@@ -4043,7 +4043,7 @@
           <a:p>
             <a:fld id="{C9D637AB-F3BD-E046-AD78-2D03AB3CD094}" type="datetimeFigureOut">
               <a:rPr lang="en-US" smtClean="0"/>
-              <a:t>9/21/25</a:t>
+              <a:t>9/22/25</a:t>
             </a:fld>
             <a:endParaRPr lang="en-US"/>
           </a:p>
@@ -4331,7 +4331,7 @@
           <a:p>
             <a:fld id="{C9D637AB-F3BD-E046-AD78-2D03AB3CD094}" type="datetimeFigureOut">
               <a:rPr lang="en-US" smtClean="0"/>
-              <a:t>9/21/25</a:t>
+              <a:t>9/22/25</a:t>
             </a:fld>
             <a:endParaRPr lang="en-US"/>
           </a:p>
@@ -4572,7 +4572,7 @@
           <a:p>
             <a:fld id="{C9D637AB-F3BD-E046-AD78-2D03AB3CD094}" type="datetimeFigureOut">
               <a:rPr lang="en-US" smtClean="0"/>
-              <a:t>9/21/25</a:t>
+              <a:t>9/22/25</a:t>
             </a:fld>
             <a:endParaRPr lang="en-US"/>
           </a:p>
@@ -9753,97 +9753,666 @@
           </p:style>
         </p:cxnSp>
       </p:grpSp>
-      <p:sp>
-        <p:nvSpPr>
-          <p:cNvPr id="5" name="Rectangle 1">
-            <a:extLst>
-              <a:ext uri="{FF2B5EF4-FFF2-40B4-BE49-F238E27FC236}">
-                <a16:creationId xmlns:a16="http://schemas.microsoft.com/office/drawing/2014/main" id="{E1FDB582-13FF-03F8-7003-07A1E671162B}"/>
-              </a:ext>
-            </a:extLst>
-          </p:cNvPr>
-          <p:cNvSpPr>
-            <a:spLocks noChangeArrowheads="1"/>
-          </p:cNvSpPr>
+      <p:graphicFrame>
+        <p:nvGraphicFramePr>
+          <p:cNvPr id="2" name="Table 1">
+            <a:extLst>
+              <a:ext uri="{FF2B5EF4-FFF2-40B4-BE49-F238E27FC236}">
+                <a16:creationId xmlns:a16="http://schemas.microsoft.com/office/drawing/2014/main" id="{C3F0BB38-B0E2-715D-57DF-77EB489642EF}"/>
+              </a:ext>
+            </a:extLst>
+          </p:cNvPr>
+          <p:cNvGraphicFramePr>
+            <a:graphicFrameLocks noGrp="1"/>
+          </p:cNvGraphicFramePr>
+          <p:nvPr>
+            <p:extLst>
+              <p:ext uri="{D42A27DB-BD31-4B8C-83A1-F6EECF244321}">
+                <p14:modId xmlns:p14="http://schemas.microsoft.com/office/powerpoint/2010/main" val="3647866698"/>
+              </p:ext>
+            </p:extLst>
+          </p:nvPr>
+        </p:nvGraphicFramePr>
+        <p:xfrm>
+          <a:off x="672012" y="4731468"/>
+          <a:ext cx="10929256" cy="1752600"/>
+        </p:xfrm>
+        <a:graphic>
+          <a:graphicData uri="http://schemas.openxmlformats.org/drawingml/2006/table">
+            <a:tbl>
+              <a:tblPr firstRow="1" bandRow="1">
+                <a:tableStyleId>{5C22544A-7EE6-4342-B048-85BDC9FD1C3A}</a:tableStyleId>
+              </a:tblPr>
+              <a:tblGrid>
+                <a:gridCol w="2732314">
+                  <a:extLst>
+                    <a:ext uri="{9D8B030D-6E8A-4147-A177-3AD203B41FA5}">
+                      <a16:colId xmlns:a16="http://schemas.microsoft.com/office/drawing/2014/main" val="3956319056"/>
+                    </a:ext>
+                  </a:extLst>
+                </a:gridCol>
+                <a:gridCol w="2732314">
+                  <a:extLst>
+                    <a:ext uri="{9D8B030D-6E8A-4147-A177-3AD203B41FA5}">
+                      <a16:colId xmlns:a16="http://schemas.microsoft.com/office/drawing/2014/main" val="3779876876"/>
+                    </a:ext>
+                  </a:extLst>
+                </a:gridCol>
+                <a:gridCol w="2732314">
+                  <a:extLst>
+                    <a:ext uri="{9D8B030D-6E8A-4147-A177-3AD203B41FA5}">
+                      <a16:colId xmlns:a16="http://schemas.microsoft.com/office/drawing/2014/main" val="503732836"/>
+                    </a:ext>
+                  </a:extLst>
+                </a:gridCol>
+                <a:gridCol w="2732314">
+                  <a:extLst>
+                    <a:ext uri="{9D8B030D-6E8A-4147-A177-3AD203B41FA5}">
+                      <a16:colId xmlns:a16="http://schemas.microsoft.com/office/drawing/2014/main" val="1360952521"/>
+                    </a:ext>
+                  </a:extLst>
+                </a:gridCol>
+              </a:tblGrid>
+              <a:tr h="370840">
+                <a:tc>
+                  <a:txBody>
+                    <a:bodyPr/>
+                    <a:lstStyle/>
+                    <a:p>
+                      <a:r>
+                        <a:rPr lang="en-US" dirty="0"/>
+                        <a:t>Column </a:t>
+                      </a:r>
+                    </a:p>
+                  </a:txBody>
+                  <a:tcPr/>
+                </a:tc>
+                <a:tc>
+                  <a:txBody>
+                    <a:bodyPr/>
+                    <a:lstStyle/>
+                    <a:p>
+                      <a:r>
+                        <a:rPr lang="en-US" dirty="0"/>
+                        <a:t>Reason </a:t>
+                      </a:r>
+                    </a:p>
+                  </a:txBody>
+                  <a:tcPr/>
+                </a:tc>
+                <a:tc>
+                  <a:txBody>
+                    <a:bodyPr/>
+                    <a:lstStyle/>
+                    <a:p>
+                      <a:endParaRPr lang="en-US" dirty="0"/>
+                    </a:p>
+                  </a:txBody>
+                  <a:tcPr/>
+                </a:tc>
+                <a:tc>
+                  <a:txBody>
+                    <a:bodyPr/>
+                    <a:lstStyle/>
+                    <a:p>
+                      <a:endParaRPr lang="en-US"/>
+                    </a:p>
+                  </a:txBody>
+                  <a:tcPr/>
+                </a:tc>
+                <a:extLst>
+                  <a:ext uri="{0D108BD9-81ED-4DB2-BD59-A6C34878D82A}">
+                    <a16:rowId xmlns:a16="http://schemas.microsoft.com/office/drawing/2014/main" val="687220708"/>
+                  </a:ext>
+                </a:extLst>
+              </a:tr>
+              <a:tr h="370840">
+                <a:tc>
+                  <a:txBody>
+                    <a:bodyPr/>
+                    <a:lstStyle/>
+                    <a:p>
+                      <a:r>
+                        <a:rPr lang="en-US" sz="1800" b="0" i="0" kern="1200" dirty="0">
+                          <a:solidFill>
+                            <a:schemeClr val="dk1"/>
+                          </a:solidFill>
+                          <a:effectLst/>
+                          <a:latin typeface="+mn-lt"/>
+                          <a:ea typeface="+mn-ea"/>
+                          <a:cs typeface="+mn-cs"/>
+                        </a:rPr>
+                        <a:t>collections_12_mths_ex_med</a:t>
+                      </a:r>
+                      <a:endParaRPr lang="en-US" dirty="0"/>
+                    </a:p>
+                  </a:txBody>
+                  <a:tcPr/>
+                </a:tc>
+                <a:tc>
+                  <a:txBody>
+                    <a:bodyPr/>
+                    <a:lstStyle/>
+                    <a:p>
+                      <a:endParaRPr lang="en-US" dirty="0"/>
+                    </a:p>
+                  </a:txBody>
+                  <a:tcPr/>
+                </a:tc>
+                <a:tc>
+                  <a:txBody>
+                    <a:bodyPr/>
+                    <a:lstStyle/>
+                    <a:p>
+                      <a:endParaRPr lang="en-US"/>
+                    </a:p>
+                  </a:txBody>
+                  <a:tcPr/>
+                </a:tc>
+                <a:tc>
+                  <a:txBody>
+                    <a:bodyPr/>
+                    <a:lstStyle/>
+                    <a:p>
+                      <a:endParaRPr lang="en-US"/>
+                    </a:p>
+                  </a:txBody>
+                  <a:tcPr/>
+                </a:tc>
+                <a:extLst>
+                  <a:ext uri="{0D108BD9-81ED-4DB2-BD59-A6C34878D82A}">
+                    <a16:rowId xmlns:a16="http://schemas.microsoft.com/office/drawing/2014/main" val="3654581992"/>
+                  </a:ext>
+                </a:extLst>
+              </a:tr>
+              <a:tr h="370840">
+                <a:tc>
+                  <a:txBody>
+                    <a:bodyPr/>
+                    <a:lstStyle/>
+                    <a:p>
+                      <a:r>
+                        <a:rPr lang="en-US" sz="1800" b="0" i="0" kern="1200" dirty="0" err="1">
+                          <a:solidFill>
+                            <a:schemeClr val="dk1"/>
+                          </a:solidFill>
+                          <a:effectLst/>
+                          <a:latin typeface="+mn-lt"/>
+                          <a:ea typeface="+mn-ea"/>
+                          <a:cs typeface="+mn-cs"/>
+                        </a:rPr>
+                        <a:t>pymnt_plan</a:t>
+                      </a:r>
+                      <a:endParaRPr lang="en-US" dirty="0"/>
+                    </a:p>
+                  </a:txBody>
+                  <a:tcPr/>
+                </a:tc>
+                <a:tc>
+                  <a:txBody>
+                    <a:bodyPr/>
+                    <a:lstStyle/>
+                    <a:p>
+                      <a:endParaRPr lang="en-US" dirty="0"/>
+                    </a:p>
+                  </a:txBody>
+                  <a:tcPr/>
+                </a:tc>
+                <a:tc>
+                  <a:txBody>
+                    <a:bodyPr/>
+                    <a:lstStyle/>
+                    <a:p>
+                      <a:r>
+                        <a:rPr lang="en-US" dirty="0"/>
+                        <a:t>9,998/10,000 values</a:t>
+                      </a:r>
+                    </a:p>
+                  </a:txBody>
+                  <a:tcPr/>
+                </a:tc>
+                <a:tc>
+                  <a:txBody>
+                    <a:bodyPr/>
+                    <a:lstStyle/>
+                    <a:p>
+                      <a:endParaRPr lang="en-US" dirty="0"/>
+                    </a:p>
+                  </a:txBody>
+                  <a:tcPr/>
+                </a:tc>
+                <a:extLst>
+                  <a:ext uri="{0D108BD9-81ED-4DB2-BD59-A6C34878D82A}">
+                    <a16:rowId xmlns:a16="http://schemas.microsoft.com/office/drawing/2014/main" val="2753661336"/>
+                  </a:ext>
+                </a:extLst>
+              </a:tr>
+              <a:tr h="370840">
+                <a:tc>
+                  <a:txBody>
+                    <a:bodyPr/>
+                    <a:lstStyle/>
+                    <a:p>
+                      <a:r>
+                        <a:rPr lang="en-US" sz="1800" b="0" i="0" kern="1200" dirty="0" err="1">
+                          <a:solidFill>
+                            <a:schemeClr val="dk1"/>
+                          </a:solidFill>
+                          <a:effectLst/>
+                          <a:latin typeface="+mn-lt"/>
+                          <a:ea typeface="+mn-ea"/>
+                          <a:cs typeface="+mn-cs"/>
+                        </a:rPr>
+                        <a:t>initial_list_status</a:t>
+                      </a:r>
+                      <a:endParaRPr lang="en-US" dirty="0"/>
+                    </a:p>
+                  </a:txBody>
+                  <a:tcPr/>
+                </a:tc>
+                <a:tc>
+                  <a:txBody>
+                    <a:bodyPr/>
+                    <a:lstStyle/>
+                    <a:p>
+                      <a:endParaRPr lang="en-US"/>
+                    </a:p>
+                  </a:txBody>
+                  <a:tcPr/>
+                </a:tc>
+                <a:tc>
+                  <a:txBody>
+                    <a:bodyPr/>
+                    <a:lstStyle/>
+                    <a:p>
+                      <a:endParaRPr lang="en-US"/>
+                    </a:p>
+                  </a:txBody>
+                  <a:tcPr/>
+                </a:tc>
+                <a:tc>
+                  <a:txBody>
+                    <a:bodyPr/>
+                    <a:lstStyle/>
+                    <a:p>
+                      <a:endParaRPr lang="en-US" dirty="0"/>
+                    </a:p>
+                  </a:txBody>
+                  <a:tcPr/>
+                </a:tc>
+                <a:extLst>
+                  <a:ext uri="{0D108BD9-81ED-4DB2-BD59-A6C34878D82A}">
+                    <a16:rowId xmlns:a16="http://schemas.microsoft.com/office/drawing/2014/main" val="2701620752"/>
+                  </a:ext>
+                </a:extLst>
+              </a:tr>
+            </a:tbl>
+          </a:graphicData>
+        </a:graphic>
+      </p:graphicFrame>
+      <p:graphicFrame>
+        <p:nvGraphicFramePr>
+          <p:cNvPr id="3" name="Table 2">
+            <a:extLst>
+              <a:ext uri="{FF2B5EF4-FFF2-40B4-BE49-F238E27FC236}">
+                <a16:creationId xmlns:a16="http://schemas.microsoft.com/office/drawing/2014/main" id="{7E97897E-0F7A-3CE4-8AF0-34BA3190F94D}"/>
+              </a:ext>
+            </a:extLst>
+          </p:cNvPr>
+          <p:cNvGraphicFramePr>
+            <a:graphicFrameLocks noGrp="1"/>
+          </p:cNvGraphicFramePr>
+          <p:nvPr>
+            <p:extLst>
+              <p:ext uri="{D42A27DB-BD31-4B8C-83A1-F6EECF244321}">
+                <p14:modId xmlns:p14="http://schemas.microsoft.com/office/powerpoint/2010/main" val="3959984254"/>
+              </p:ext>
+            </p:extLst>
+          </p:nvPr>
+        </p:nvGraphicFramePr>
+        <p:xfrm>
+          <a:off x="631372" y="1250232"/>
+          <a:ext cx="10929256" cy="1752600"/>
+        </p:xfrm>
+        <a:graphic>
+          <a:graphicData uri="http://schemas.openxmlformats.org/drawingml/2006/table">
+            <a:tbl>
+              <a:tblPr firstRow="1" bandRow="1">
+                <a:tableStyleId>{5C22544A-7EE6-4342-B048-85BDC9FD1C3A}</a:tableStyleId>
+              </a:tblPr>
+              <a:tblGrid>
+                <a:gridCol w="2732314">
+                  <a:extLst>
+                    <a:ext uri="{9D8B030D-6E8A-4147-A177-3AD203B41FA5}">
+                      <a16:colId xmlns:a16="http://schemas.microsoft.com/office/drawing/2014/main" val="3956319056"/>
+                    </a:ext>
+                  </a:extLst>
+                </a:gridCol>
+                <a:gridCol w="2732314">
+                  <a:extLst>
+                    <a:ext uri="{9D8B030D-6E8A-4147-A177-3AD203B41FA5}">
+                      <a16:colId xmlns:a16="http://schemas.microsoft.com/office/drawing/2014/main" val="3779876876"/>
+                    </a:ext>
+                  </a:extLst>
+                </a:gridCol>
+                <a:gridCol w="2732314">
+                  <a:extLst>
+                    <a:ext uri="{9D8B030D-6E8A-4147-A177-3AD203B41FA5}">
+                      <a16:colId xmlns:a16="http://schemas.microsoft.com/office/drawing/2014/main" val="503732836"/>
+                    </a:ext>
+                  </a:extLst>
+                </a:gridCol>
+                <a:gridCol w="2732314">
+                  <a:extLst>
+                    <a:ext uri="{9D8B030D-6E8A-4147-A177-3AD203B41FA5}">
+                      <a16:colId xmlns:a16="http://schemas.microsoft.com/office/drawing/2014/main" val="1360952521"/>
+                    </a:ext>
+                  </a:extLst>
+                </a:gridCol>
+              </a:tblGrid>
+              <a:tr h="370840">
+                <a:tc>
+                  <a:txBody>
+                    <a:bodyPr/>
+                    <a:lstStyle/>
+                    <a:p>
+                      <a:r>
+                        <a:rPr lang="en-US" dirty="0"/>
+                        <a:t>Column </a:t>
+                      </a:r>
+                    </a:p>
+                  </a:txBody>
+                  <a:tcPr/>
+                </a:tc>
+                <a:tc>
+                  <a:txBody>
+                    <a:bodyPr/>
+                    <a:lstStyle/>
+                    <a:p>
+                      <a:r>
+                        <a:rPr lang="en-US" dirty="0"/>
+                        <a:t>Reason </a:t>
+                      </a:r>
+                    </a:p>
+                  </a:txBody>
+                  <a:tcPr/>
+                </a:tc>
+                <a:tc>
+                  <a:txBody>
+                    <a:bodyPr/>
+                    <a:lstStyle/>
+                    <a:p>
+                      <a:endParaRPr lang="en-US" dirty="0"/>
+                    </a:p>
+                  </a:txBody>
+                  <a:tcPr/>
+                </a:tc>
+                <a:tc>
+                  <a:txBody>
+                    <a:bodyPr/>
+                    <a:lstStyle/>
+                    <a:p>
+                      <a:endParaRPr lang="en-US"/>
+                    </a:p>
+                  </a:txBody>
+                  <a:tcPr/>
+                </a:tc>
+                <a:extLst>
+                  <a:ext uri="{0D108BD9-81ED-4DB2-BD59-A6C34878D82A}">
+                    <a16:rowId xmlns:a16="http://schemas.microsoft.com/office/drawing/2014/main" val="687220708"/>
+                  </a:ext>
+                </a:extLst>
+              </a:tr>
+              <a:tr h="370840">
+                <a:tc>
+                  <a:txBody>
+                    <a:bodyPr/>
+                    <a:lstStyle/>
+                    <a:p>
+                      <a:r>
+                        <a:rPr lang="en-US" sz="1800" b="0" i="0" kern="1200" dirty="0">
+                          <a:solidFill>
+                            <a:schemeClr val="dk1"/>
+                          </a:solidFill>
+                          <a:effectLst/>
+                          <a:latin typeface="+mn-lt"/>
+                          <a:ea typeface="+mn-ea"/>
+                          <a:cs typeface="+mn-cs"/>
+                        </a:rPr>
+                        <a:t>collections_12_mths_ex_med</a:t>
+                      </a:r>
+                      <a:endParaRPr lang="en-US" dirty="0"/>
+                    </a:p>
+                  </a:txBody>
+                  <a:tcPr/>
+                </a:tc>
+                <a:tc>
+                  <a:txBody>
+                    <a:bodyPr/>
+                    <a:lstStyle/>
+                    <a:p>
+                      <a:endParaRPr lang="en-US" dirty="0"/>
+                    </a:p>
+                  </a:txBody>
+                  <a:tcPr/>
+                </a:tc>
+                <a:tc>
+                  <a:txBody>
+                    <a:bodyPr/>
+                    <a:lstStyle/>
+                    <a:p>
+                      <a:endParaRPr lang="en-US" dirty="0"/>
+                    </a:p>
+                  </a:txBody>
+                  <a:tcPr/>
+                </a:tc>
+                <a:tc>
+                  <a:txBody>
+                    <a:bodyPr/>
+                    <a:lstStyle/>
+                    <a:p>
+                      <a:endParaRPr lang="en-US"/>
+                    </a:p>
+                  </a:txBody>
+                  <a:tcPr/>
+                </a:tc>
+                <a:extLst>
+                  <a:ext uri="{0D108BD9-81ED-4DB2-BD59-A6C34878D82A}">
+                    <a16:rowId xmlns:a16="http://schemas.microsoft.com/office/drawing/2014/main" val="3654581992"/>
+                  </a:ext>
+                </a:extLst>
+              </a:tr>
+              <a:tr h="370840">
+                <a:tc>
+                  <a:txBody>
+                    <a:bodyPr/>
+                    <a:lstStyle/>
+                    <a:p>
+                      <a:r>
+                        <a:rPr lang="en-US" sz="1800" b="0" i="0" kern="1200" dirty="0" err="1">
+                          <a:solidFill>
+                            <a:schemeClr val="dk1"/>
+                          </a:solidFill>
+                          <a:effectLst/>
+                          <a:latin typeface="+mn-lt"/>
+                          <a:ea typeface="+mn-ea"/>
+                          <a:cs typeface="+mn-cs"/>
+                        </a:rPr>
+                        <a:t>pymnt_plan</a:t>
+                      </a:r>
+                      <a:endParaRPr lang="en-US" dirty="0"/>
+                    </a:p>
+                  </a:txBody>
+                  <a:tcPr/>
+                </a:tc>
+                <a:tc>
+                  <a:txBody>
+                    <a:bodyPr/>
+                    <a:lstStyle/>
+                    <a:p>
+                      <a:endParaRPr lang="en-US" dirty="0"/>
+                    </a:p>
+                  </a:txBody>
+                  <a:tcPr/>
+                </a:tc>
+                <a:tc>
+                  <a:txBody>
+                    <a:bodyPr/>
+                    <a:lstStyle/>
+                    <a:p>
+                      <a:r>
+                        <a:rPr lang="en-US" dirty="0"/>
+                        <a:t>9,998/10,000 values</a:t>
+                      </a:r>
+                    </a:p>
+                  </a:txBody>
+                  <a:tcPr/>
+                </a:tc>
+                <a:tc>
+                  <a:txBody>
+                    <a:bodyPr/>
+                    <a:lstStyle/>
+                    <a:p>
+                      <a:endParaRPr lang="en-US" dirty="0"/>
+                    </a:p>
+                  </a:txBody>
+                  <a:tcPr/>
+                </a:tc>
+                <a:extLst>
+                  <a:ext uri="{0D108BD9-81ED-4DB2-BD59-A6C34878D82A}">
+                    <a16:rowId xmlns:a16="http://schemas.microsoft.com/office/drawing/2014/main" val="2753661336"/>
+                  </a:ext>
+                </a:extLst>
+              </a:tr>
+              <a:tr h="370840">
+                <a:tc>
+                  <a:txBody>
+                    <a:bodyPr/>
+                    <a:lstStyle/>
+                    <a:p>
+                      <a:r>
+                        <a:rPr lang="en-US" sz="1800" b="0" i="0" kern="1200" dirty="0" err="1">
+                          <a:solidFill>
+                            <a:schemeClr val="dk1"/>
+                          </a:solidFill>
+                          <a:effectLst/>
+                          <a:latin typeface="+mn-lt"/>
+                          <a:ea typeface="+mn-ea"/>
+                          <a:cs typeface="+mn-cs"/>
+                        </a:rPr>
+                        <a:t>initial_list_status</a:t>
+                      </a:r>
+                      <a:endParaRPr lang="en-US" dirty="0"/>
+                    </a:p>
+                  </a:txBody>
+                  <a:tcPr/>
+                </a:tc>
+                <a:tc>
+                  <a:txBody>
+                    <a:bodyPr/>
+                    <a:lstStyle/>
+                    <a:p>
+                      <a:endParaRPr lang="en-US"/>
+                    </a:p>
+                  </a:txBody>
+                  <a:tcPr/>
+                </a:tc>
+                <a:tc>
+                  <a:txBody>
+                    <a:bodyPr/>
+                    <a:lstStyle/>
+                    <a:p>
+                      <a:endParaRPr lang="en-US" dirty="0"/>
+                    </a:p>
+                  </a:txBody>
+                  <a:tcPr/>
+                </a:tc>
+                <a:tc>
+                  <a:txBody>
+                    <a:bodyPr/>
+                    <a:lstStyle/>
+                    <a:p>
+                      <a:endParaRPr lang="en-US" dirty="0"/>
+                    </a:p>
+                  </a:txBody>
+                  <a:tcPr/>
+                </a:tc>
+                <a:extLst>
+                  <a:ext uri="{0D108BD9-81ED-4DB2-BD59-A6C34878D82A}">
+                    <a16:rowId xmlns:a16="http://schemas.microsoft.com/office/drawing/2014/main" val="2701620752"/>
+                  </a:ext>
+                </a:extLst>
+              </a:tr>
+            </a:tbl>
+          </a:graphicData>
+        </a:graphic>
+      </p:graphicFrame>
+      <p:sp>
+        <p:nvSpPr>
+          <p:cNvPr id="4" name="TextBox 3">
+            <a:extLst>
+              <a:ext uri="{FF2B5EF4-FFF2-40B4-BE49-F238E27FC236}">
+                <a16:creationId xmlns:a16="http://schemas.microsoft.com/office/drawing/2014/main" id="{C2A7EB23-50E1-6A13-1ED4-1C5A56DB0AC3}"/>
+              </a:ext>
+            </a:extLst>
+          </p:cNvPr>
+          <p:cNvSpPr txBox="1"/>
           <p:nvPr/>
         </p:nvSpPr>
-        <p:spPr bwMode="auto">
+        <p:spPr>
           <a:xfrm>
-            <a:off x="426720" y="1136134"/>
-            <a:ext cx="2274982" cy="369332"/>
+            <a:off x="631372" y="769257"/>
+            <a:ext cx="8686799" cy="369332"/>
           </a:xfrm>
           <a:prstGeom prst="rect">
             <a:avLst/>
           </a:prstGeom>
           <a:noFill/>
-          <a:ln>
-            <a:noFill/>
-          </a:ln>
-          <a:effectLst/>
-          <a:extLst>
-            <a:ext uri="{909E8E84-426E-40DD-AFC4-6F175D3DCCD1}">
-              <a14:hiddenFill xmlns:a14="http://schemas.microsoft.com/office/drawing/2010/main">
-                <a:solidFill>
-                  <a:schemeClr val="accent1"/>
-                </a:solidFill>
-              </a14:hiddenFill>
-            </a:ext>
-            <a:ext uri="{91240B29-F687-4F45-9708-019B960494DF}">
-              <a14:hiddenLine xmlns:a14="http://schemas.microsoft.com/office/drawing/2010/main" w="9525">
-                <a:solidFill>
-                  <a:schemeClr val="tx1"/>
-                </a:solidFill>
-                <a:miter lim="800000"/>
-                <a:headEnd/>
-                <a:tailEnd/>
-              </a14:hiddenLine>
-            </a:ext>
-            <a:ext uri="{AF507438-7753-43E0-B8FC-AC1667EBCBE1}">
-              <a14:hiddenEffects xmlns:a14="http://schemas.microsoft.com/office/drawing/2010/main">
-                <a:effectLst>
-                  <a:outerShdw dist="35921" dir="2700000" algn="ctr" rotWithShape="0">
-                    <a:schemeClr val="bg2"/>
-                  </a:outerShdw>
-                </a:effectLst>
-              </a14:hiddenEffects>
-            </a:ext>
-          </a:extLst>
         </p:spPr>
         <p:txBody>
-          <a:bodyPr vert="horz" wrap="none" lIns="91440" tIns="45720" rIns="91440" bIns="45720" numCol="1" anchor="ctr" anchorCtr="0" compatLnSpc="1">
-            <a:prstTxWarp prst="textNoShape">
-              <a:avLst/>
-            </a:prstTxWarp>
+          <a:bodyPr wrap="square" rtlCol="0">
             <a:spAutoFit/>
           </a:bodyPr>
           <a:lstStyle/>
           <a:p>
-            <a:pPr marL="0" marR="0" lvl="0" indent="0" algn="l" defTabSz="914400" rtl="0" eaLnBrk="0" fontAlgn="base" latinLnBrk="0" hangingPunct="0">
-              <a:lnSpc>
-                <a:spcPct val="100000"/>
-              </a:lnSpc>
-              <a:spcBef>
-                <a:spcPct val="0"/>
-              </a:spcBef>
-              <a:spcAft>
-                <a:spcPct val="0"/>
-              </a:spcAft>
-              <a:buClrTx/>
-              <a:buSzTx/>
-              <a:tabLst/>
-            </a:pPr>
-            <a:r>
-              <a:rPr kumimoji="0" lang="en-US" altLang="en-US" sz="1800" b="0" i="0" u="none" strike="noStrike" cap="none" normalizeH="0" baseline="0" dirty="0">
-                <a:ln>
-                  <a:noFill/>
-                </a:ln>
-                <a:solidFill>
-                  <a:schemeClr val="tx1"/>
-                </a:solidFill>
-                <a:effectLst/>
-                <a:latin typeface="Arial" panose="020B0604020202020204" pitchFamily="34" charset="0"/>
-              </a:rPr>
-              <a:t>3 columns dropped .</a:t>
+            <a:r>
+              <a:rPr lang="en-US" dirty="0"/>
+              <a:t>Pre-split</a:t>
+            </a:r>
+          </a:p>
+        </p:txBody>
+      </p:sp>
+      <p:sp>
+        <p:nvSpPr>
+          <p:cNvPr id="6" name="TextBox 5">
+            <a:extLst>
+              <a:ext uri="{FF2B5EF4-FFF2-40B4-BE49-F238E27FC236}">
+                <a16:creationId xmlns:a16="http://schemas.microsoft.com/office/drawing/2014/main" id="{C228C08B-FD49-3D9D-B32B-5720745EDA8F}"/>
+              </a:ext>
+            </a:extLst>
+          </p:cNvPr>
+          <p:cNvSpPr txBox="1"/>
+          <p:nvPr/>
+        </p:nvSpPr>
+        <p:spPr>
+          <a:xfrm>
+            <a:off x="631371" y="4301177"/>
+            <a:ext cx="8686799" cy="369332"/>
+          </a:xfrm>
+          <a:prstGeom prst="rect">
+            <a:avLst/>
+          </a:prstGeom>
+          <a:noFill/>
+        </p:spPr>
+        <p:txBody>
+          <a:bodyPr wrap="square" rtlCol="0">
+            <a:spAutoFit/>
+          </a:bodyPr>
+          <a:lstStyle/>
+          <a:p>
+            <a:r>
+              <a:rPr lang="en-US" dirty="0"/>
+              <a:t>Post-split</a:t>
             </a:r>
           </a:p>
         </p:txBody>
